--- a/content/files/Operacional/Cronograma_geral.pptx
+++ b/content/files/Operacional/Cronograma_geral.pptx
@@ -110,6 +110,11 @@
       </a:defRPr>
     </a:lvl9pPr>
   </p:defaultTextStyle>
+  <p:extLst>
+    <p:ext uri="{EFAFB233-063F-42B5-8137-9DF3F51BA10A}">
+      <p15:sldGuideLst xmlns:p15="http://schemas.microsoft.com/office/powerpoint/2012/main"/>
+    </p:ext>
+  </p:extLst>
 </p:presentation>
 </file>
 
@@ -3263,7 +3268,7 @@
                 </a:solidFill>
                 <a:latin typeface="Calibri"/>
               </a:rPr>
-              <a:t>16/01/2022</a:t>
+              <a:t>17/02/2022</a:t>
             </a:fld>
             <a:endParaRPr lang="pt-BR" sz="900" b="0" strike="noStrike" spc="-1">
               <a:latin typeface="Times New Roman"/>
@@ -4083,7 +4088,7 @@
                 </a:solidFill>
                 <a:latin typeface="Calibri"/>
               </a:rPr>
-              <a:t>16/01/2022</a:t>
+              <a:t>17/02/2022</a:t>
             </a:fld>
             <a:endParaRPr lang="pt-BR" sz="900" b="0" strike="noStrike" spc="-1">
               <a:latin typeface="Times New Roman"/>
@@ -7538,7 +7543,7 @@
                 <a:ea typeface="Calibri"/>
                 <a:hlinkClick r:id="rId2"/>
               </a:rPr>
-              <a:t>Are </a:t>
+              <a:t>Are you </a:t>
             </a:r>
             <a:r>
               <a:rPr lang="pt-BR" sz="1200" b="0" u="sng" strike="noStrike" spc="-1" dirty="0" err="1">
@@ -7550,7 +7555,7 @@
                 <a:ea typeface="Calibri"/>
                 <a:hlinkClick r:id="rId2"/>
               </a:rPr>
-              <a:t>you</a:t>
+              <a:t>sure</a:t>
             </a:r>
             <a:r>
               <a:rPr lang="pt-BR" sz="1200" b="0" u="sng" strike="noStrike" spc="-1" dirty="0">
@@ -7562,102 +7567,30 @@
                 <a:ea typeface="Calibri"/>
                 <a:hlinkClick r:id="rId2"/>
               </a:rPr>
-              <a:t> </a:t>
-            </a:r>
-            <a:r>
-              <a:rPr lang="pt-BR" sz="1200" b="0" u="sng" strike="noStrike" spc="-1" dirty="0" err="1">
+              <a:t>…?</a:t>
+            </a:r>
+            <a:r>
+              <a:rPr lang="pt-BR" sz="1200" b="0" u="sng" strike="noStrike" spc="-1" dirty="0">
+                <a:solidFill>
+                  <a:srgbClr val="000000"/>
+                </a:solidFill>
+                <a:uFillTx/>
+                <a:latin typeface="Calibri"/>
+                <a:ea typeface="Calibri"/>
+              </a:rPr>
+              <a:t> / </a:t>
+            </a:r>
+            <a:r>
+              <a:rPr lang="pt-BR" sz="1200" b="0" u="sng" strike="noStrike" spc="-1" dirty="0">
                 <a:solidFill>
                   <a:srgbClr val="0563C1"/>
                 </a:solidFill>
                 <a:uFillTx/>
                 <a:latin typeface="Calibri"/>
                 <a:ea typeface="Calibri"/>
-                <a:hlinkClick r:id="rId2"/>
-              </a:rPr>
-              <a:t>sure</a:t>
-            </a:r>
-            <a:r>
-              <a:rPr lang="pt-BR" sz="1200" b="0" u="sng" strike="noStrike" spc="-1" dirty="0">
-                <a:solidFill>
-                  <a:srgbClr val="0563C1"/>
-                </a:solidFill>
-                <a:uFillTx/>
-                <a:latin typeface="Calibri"/>
-                <a:ea typeface="Calibri"/>
-                <a:hlinkClick r:id="rId2"/>
-              </a:rPr>
-              <a:t>…?</a:t>
-            </a:r>
-            <a:r>
-              <a:rPr lang="pt-BR" sz="1200" b="0" u="sng" strike="noStrike" spc="-1" dirty="0">
-                <a:solidFill>
-                  <a:srgbClr val="000000"/>
-                </a:solidFill>
-                <a:uFillTx/>
-                <a:latin typeface="Calibri"/>
-                <a:ea typeface="Calibri"/>
-              </a:rPr>
-              <a:t> / </a:t>
-            </a:r>
-            <a:r>
-              <a:rPr lang="pt-BR" sz="1200" b="0" u="sng" strike="noStrike" spc="-1" dirty="0">
-                <a:solidFill>
-                  <a:srgbClr val="0563C1"/>
-                </a:solidFill>
-                <a:uFillTx/>
-                <a:latin typeface="Calibri"/>
-                <a:ea typeface="Calibri"/>
                 <a:hlinkClick r:id="rId3"/>
               </a:rPr>
-              <a:t>007. </a:t>
-            </a:r>
-            <a:r>
-              <a:rPr lang="pt-BR" sz="1200" b="0" u="sng" strike="noStrike" spc="-1" dirty="0">
-                <a:solidFill>
-                  <a:srgbClr val="0563C1"/>
-                </a:solidFill>
-                <a:uFillTx/>
-                <a:latin typeface="Calibri"/>
-                <a:ea typeface="Calibri"/>
-                <a:hlinkClick r:id="rId3"/>
-              </a:rPr>
-              <a:t>By</a:t>
-            </a:r>
-            <a:r>
-              <a:rPr lang="pt-BR" sz="1200" b="0" u="sng" strike="noStrike" spc="-1" dirty="0">
-                <a:solidFill>
-                  <a:srgbClr val="0563C1"/>
-                </a:solidFill>
-                <a:uFillTx/>
-                <a:latin typeface="Calibri"/>
-                <a:ea typeface="Calibri"/>
-                <a:hlinkClick r:id="rId3"/>
-              </a:rPr>
-              <a:t> </a:t>
-            </a:r>
-            <a:r>
-              <a:rPr lang="pt-BR" sz="1200" b="0" u="sng" strike="noStrike" spc="-1" dirty="0">
-                <a:solidFill>
-                  <a:srgbClr val="0563C1"/>
-                </a:solidFill>
-                <a:uFillTx/>
-                <a:latin typeface="Calibri"/>
-                <a:ea typeface="Calibri"/>
-                <a:hlinkClick r:id="rId3"/>
-              </a:rPr>
-              <a:t>the</a:t>
-            </a:r>
-            <a:r>
-              <a:rPr lang="pt-BR" sz="1200" b="0" u="sng" strike="noStrike" spc="-1" dirty="0">
-                <a:solidFill>
-                  <a:srgbClr val="0563C1"/>
-                </a:solidFill>
-                <a:uFillTx/>
-                <a:latin typeface="Calibri"/>
-                <a:ea typeface="Calibri"/>
-                <a:hlinkClick r:id="rId3"/>
-              </a:rPr>
-              <a:t> </a:t>
+              <a:t>007. By the </a:t>
             </a:r>
             <a:r>
               <a:rPr lang="pt-BR" sz="1200" b="0" u="sng" strike="noStrike" spc="-1" dirty="0" err="1">
@@ -7755,89 +7688,30 @@
                 <a:ea typeface="Calibri"/>
                 <a:hlinkClick r:id="rId4"/>
               </a:rPr>
-              <a:t> </a:t>
+              <a:t> with…</a:t>
             </a:r>
             <a:r>
               <a:rPr lang="pt-BR" sz="1200" b="0" u="sng" strike="noStrike" spc="-1" dirty="0">
                 <a:solidFill>
+                  <a:srgbClr val="000000"/>
+                </a:solidFill>
+                <a:uFillTx/>
+                <a:latin typeface="Calibri"/>
+                <a:ea typeface="Calibri"/>
+              </a:rPr>
+              <a:t> / </a:t>
+            </a:r>
+            <a:r>
+              <a:rPr lang="en-US" sz="1200" b="0" u="sng" strike="noStrike" spc="-1" dirty="0">
+                <a:solidFill>
                   <a:srgbClr val="0563C1"/>
                 </a:solidFill>
                 <a:uFillTx/>
                 <a:latin typeface="Calibri"/>
                 <a:ea typeface="Calibri"/>
-                <a:hlinkClick r:id="rId4"/>
-              </a:rPr>
-              <a:t>with</a:t>
-            </a:r>
-            <a:r>
-              <a:rPr lang="pt-BR" sz="1200" b="0" u="sng" strike="noStrike" spc="-1" dirty="0">
-                <a:solidFill>
-                  <a:srgbClr val="0563C1"/>
-                </a:solidFill>
-                <a:uFillTx/>
-                <a:latin typeface="Calibri"/>
-                <a:ea typeface="Calibri"/>
-                <a:hlinkClick r:id="rId4"/>
-              </a:rPr>
-              <a:t>…</a:t>
-            </a:r>
-            <a:r>
-              <a:rPr lang="pt-BR" sz="1200" b="0" u="sng" strike="noStrike" spc="-1" dirty="0">
-                <a:solidFill>
-                  <a:srgbClr val="000000"/>
-                </a:solidFill>
-                <a:uFillTx/>
-                <a:latin typeface="Calibri"/>
-                <a:ea typeface="Calibri"/>
-              </a:rPr>
-              <a:t> / </a:t>
-            </a:r>
-            <a:r>
-              <a:rPr lang="en-US" sz="1200" b="0" u="sng" strike="noStrike" spc="-1" dirty="0">
-                <a:solidFill>
-                  <a:srgbClr val="0563C1"/>
-                </a:solidFill>
-                <a:uFillTx/>
-                <a:latin typeface="Calibri"/>
-                <a:ea typeface="Calibri"/>
                 <a:hlinkClick r:id="rId5"/>
               </a:rPr>
-              <a:t>006</a:t>
-            </a:r>
-            <a:r>
-              <a:rPr lang="en-US" sz="1200" b="0" u="sng" strike="noStrike" spc="-1" dirty="0">
-                <a:solidFill>
-                  <a:srgbClr val="0563C1"/>
-                </a:solidFill>
-                <a:uFillTx/>
-                <a:latin typeface="Calibri"/>
-                <a:ea typeface="Calibri"/>
-                <a:hlinkClick r:id="rId5"/>
-              </a:rPr>
-              <a:t>. But this doesn’t mean </a:t>
-            </a:r>
-            <a:r>
-              <a:rPr lang="en-US" sz="1200" b="0" u="sng" strike="noStrike" spc="-1" dirty="0">
-                <a:solidFill>
-                  <a:srgbClr val="0563C1"/>
-                </a:solidFill>
-                <a:uFillTx/>
-                <a:latin typeface="Calibri"/>
-                <a:ea typeface="Calibri"/>
-                <a:hlinkClick r:id="rId5"/>
-              </a:rPr>
-              <a:t>…</a:t>
-            </a:r>
-            <a:r>
-              <a:rPr lang="en-US" sz="1200" b="0" u="sng" strike="noStrike" spc="-1" dirty="0">
-                <a:solidFill>
-                  <a:srgbClr val="000000"/>
-                </a:solidFill>
-                <a:uFillTx/>
-                <a:latin typeface="Calibri"/>
-                <a:ea typeface="Calibri"/>
-              </a:rPr>
-              <a:t> /</a:t>
+              <a:t>006. But this doesn’t mean …</a:t>
             </a:r>
             <a:endParaRPr lang="pt-BR" sz="1200" b="0" strike="noStrike" spc="-1" dirty="0">
               <a:latin typeface="Arial"/>
@@ -7887,7 +7761,19 @@
                 <a:ea typeface="Calibri"/>
                 <a:hlinkClick r:id="rId6"/>
               </a:rPr>
-              <a:t>010</a:t>
+              <a:t>010. </a:t>
+            </a:r>
+            <a:r>
+              <a:rPr lang="pt-BR" sz="1200" b="0" u="sng" strike="noStrike" spc="-1" dirty="0" err="1">
+                <a:solidFill>
+                  <a:srgbClr val="0563C1"/>
+                </a:solidFill>
+                <a:uFillTx/>
+                <a:latin typeface="Calibri"/>
+                <a:ea typeface="Calibri"/>
+                <a:hlinkClick r:id="rId6"/>
+              </a:rPr>
+              <a:t>Don’t</a:t>
             </a:r>
             <a:r>
               <a:rPr lang="pt-BR" sz="1200" b="0" u="sng" strike="noStrike" spc="-1" dirty="0">
@@ -7899,7 +7785,7 @@
                 <a:ea typeface="Calibri"/>
                 <a:hlinkClick r:id="rId6"/>
               </a:rPr>
-              <a:t>. </a:t>
+              <a:t> </a:t>
             </a:r>
             <a:r>
               <a:rPr lang="pt-BR" sz="1200" b="0" u="sng" strike="noStrike" spc="-1" dirty="0" err="1">
@@ -7911,7 +7797,7 @@
                 <a:ea typeface="Calibri"/>
                 <a:hlinkClick r:id="rId6"/>
               </a:rPr>
-              <a:t>Don’t</a:t>
+              <a:t>ever</a:t>
             </a:r>
             <a:r>
               <a:rPr lang="pt-BR" sz="1200" b="0" u="sng" strike="noStrike" spc="-1" dirty="0">
@@ -7923,52 +7809,27 @@
                 <a:ea typeface="Calibri"/>
                 <a:hlinkClick r:id="rId6"/>
               </a:rPr>
-              <a:t> </a:t>
-            </a:r>
-            <a:r>
-              <a:rPr lang="pt-BR" sz="1200" b="0" u="sng" strike="noStrike" spc="-1" dirty="0" err="1">
+              <a:t>…</a:t>
+            </a:r>
+            <a:r>
+              <a:rPr lang="pt-BR" sz="1200" b="0" u="sng" strike="noStrike" spc="-1" dirty="0">
+                <a:solidFill>
+                  <a:srgbClr val="000000"/>
+                </a:solidFill>
+                <a:uFillTx/>
+                <a:latin typeface="Calibri"/>
+                <a:ea typeface="Calibri"/>
+              </a:rPr>
+              <a:t> / </a:t>
+            </a:r>
+            <a:r>
+              <a:rPr lang="en-US" sz="1200" b="0" u="sng" strike="noStrike" spc="-1" dirty="0">
                 <a:solidFill>
                   <a:srgbClr val="0563C1"/>
                 </a:solidFill>
                 <a:uFillTx/>
                 <a:latin typeface="Calibri"/>
                 <a:ea typeface="Calibri"/>
-                <a:hlinkClick r:id="rId6"/>
-              </a:rPr>
-              <a:t>ever</a:t>
-            </a:r>
-            <a:r>
-              <a:rPr lang="pt-BR" sz="1200" b="0" u="sng" strike="noStrike" spc="-1" dirty="0">
-                <a:solidFill>
-                  <a:srgbClr val="0563C1"/>
-                </a:solidFill>
-                <a:uFillTx/>
-                <a:latin typeface="Calibri"/>
-                <a:ea typeface="Calibri"/>
-                <a:hlinkClick r:id="rId6"/>
-              </a:rPr>
-              <a:t>…</a:t>
-            </a:r>
-            <a:r>
-              <a:rPr lang="pt-BR" sz="1200" b="0" u="sng" strike="noStrike" spc="-1" dirty="0">
-                <a:solidFill>
-                  <a:srgbClr val="000000"/>
-                </a:solidFill>
-                <a:uFillTx/>
-                <a:latin typeface="Calibri"/>
-                <a:ea typeface="Calibri"/>
-              </a:rPr>
-              <a:t> / </a:t>
-            </a:r>
-            <a:r>
-              <a:rPr lang="en-US" sz="1200" b="0" u="sng" strike="noStrike" spc="-1" dirty="0">
-                <a:solidFill>
-                  <a:srgbClr val="0563C1"/>
-                </a:solidFill>
-                <a:uFillTx/>
-                <a:latin typeface="Calibri"/>
-                <a:ea typeface="Calibri"/>
-                <a:hlinkClick r:id="rId7"/>
               </a:rPr>
               <a:t>027. How do you like…?</a:t>
             </a:r>
@@ -8018,12 +7879,35 @@
                 <a:uFillTx/>
                 <a:latin typeface="Calibri"/>
                 <a:ea typeface="Calibri"/>
+                <a:hlinkClick r:id="rId7"/>
+              </a:rPr>
+              <a:t>048. I’m not really happy with…</a:t>
+            </a:r>
+            <a:r>
+              <a:rPr lang="pt-BR" sz="1200" b="0" u="sng" strike="noStrike" spc="-1" dirty="0">
+                <a:solidFill>
+                  <a:srgbClr val="000000"/>
+                </a:solidFill>
+                <a:uFillTx/>
+                <a:latin typeface="Calibri"/>
+                <a:ea typeface="Calibri"/>
+              </a:rPr>
+              <a:t>/ </a:t>
+            </a:r>
+            <a:r>
+              <a:rPr lang="pt-BR" sz="1200" b="0" u="sng" strike="noStrike" spc="-1" dirty="0">
+                <a:solidFill>
+                  <a:srgbClr val="0563C1"/>
+                </a:solidFill>
+                <a:uFillTx/>
+                <a:latin typeface="Calibri"/>
+                <a:ea typeface="Calibri"/>
                 <a:hlinkClick r:id="rId8"/>
               </a:rPr>
-              <a:t>048. I’m not really happy with</a:t>
-            </a:r>
-            <a:r>
-              <a:rPr lang="en-US" sz="1200" b="0" u="sng" strike="noStrike" spc="-1" dirty="0">
+              <a:t>023. Help </a:t>
+            </a:r>
+            <a:r>
+              <a:rPr lang="pt-BR" sz="1200" b="0" u="sng" strike="noStrike" spc="-1" dirty="0" err="1">
                 <a:solidFill>
                   <a:srgbClr val="0563C1"/>
                 </a:solidFill>
@@ -8032,18 +7916,31 @@
                 <a:ea typeface="Calibri"/>
                 <a:hlinkClick r:id="rId8"/>
               </a:rPr>
-              <a:t>…</a:t>
+              <a:t>yourself</a:t>
             </a:r>
             <a:r>
               <a:rPr lang="pt-BR" sz="1200" b="0" u="sng" strike="noStrike" spc="-1" dirty="0">
                 <a:solidFill>
-                  <a:srgbClr val="000000"/>
-                </a:solidFill>
-                <a:uFillTx/>
-                <a:latin typeface="Calibri"/>
-                <a:ea typeface="Calibri"/>
-              </a:rPr>
-              <a:t>/ </a:t>
+                  <a:srgbClr val="0563C1"/>
+                </a:solidFill>
+                <a:uFillTx/>
+                <a:latin typeface="Calibri"/>
+                <a:ea typeface="Calibri"/>
+                <a:hlinkClick r:id="rId8"/>
+              </a:rPr>
+              <a:t> </a:t>
+            </a:r>
+            <a:r>
+              <a:rPr lang="pt-BR" sz="1200" b="0" u="sng" strike="noStrike" spc="-1" dirty="0" err="1">
+                <a:solidFill>
+                  <a:srgbClr val="0563C1"/>
+                </a:solidFill>
+                <a:uFillTx/>
+                <a:latin typeface="Calibri"/>
+                <a:ea typeface="Calibri"/>
+                <a:hlinkClick r:id="rId8"/>
+              </a:rPr>
+              <a:t>to</a:t>
             </a:r>
             <a:r>
               <a:rPr lang="pt-BR" sz="1200" b="0" u="sng" strike="noStrike" spc="-1" dirty="0">
@@ -8053,55 +7950,7 @@
                 <a:uFillTx/>
                 <a:latin typeface="Calibri"/>
                 <a:ea typeface="Calibri"/>
-                <a:hlinkClick r:id="rId9"/>
-              </a:rPr>
-              <a:t>023. Help </a:t>
-            </a:r>
-            <a:r>
-              <a:rPr lang="pt-BR" sz="1200" b="0" u="sng" strike="noStrike" spc="-1" dirty="0" err="1">
-                <a:solidFill>
-                  <a:srgbClr val="0563C1"/>
-                </a:solidFill>
-                <a:uFillTx/>
-                <a:latin typeface="Calibri"/>
-                <a:ea typeface="Calibri"/>
-                <a:hlinkClick r:id="rId9"/>
-              </a:rPr>
-              <a:t>yourself</a:t>
-            </a:r>
-            <a:r>
-              <a:rPr lang="pt-BR" sz="1200" b="0" u="sng" strike="noStrike" spc="-1" dirty="0">
-                <a:solidFill>
-                  <a:srgbClr val="0563C1"/>
-                </a:solidFill>
-                <a:uFillTx/>
-                <a:latin typeface="Calibri"/>
-                <a:ea typeface="Calibri"/>
-                <a:hlinkClick r:id="rId9"/>
-              </a:rPr>
-              <a:t> </a:t>
-            </a:r>
-            <a:r>
-              <a:rPr lang="pt-BR" sz="1200" b="0" u="sng" strike="noStrike" spc="-1" dirty="0" err="1">
-                <a:solidFill>
-                  <a:srgbClr val="0563C1"/>
-                </a:solidFill>
-                <a:uFillTx/>
-                <a:latin typeface="Calibri"/>
-                <a:ea typeface="Calibri"/>
-                <a:hlinkClick r:id="rId9"/>
-              </a:rPr>
-              <a:t>to</a:t>
-            </a:r>
-            <a:r>
-              <a:rPr lang="pt-BR" sz="1200" b="0" u="sng" strike="noStrike" spc="-1" dirty="0">
-                <a:solidFill>
-                  <a:srgbClr val="0563C1"/>
-                </a:solidFill>
-                <a:uFillTx/>
-                <a:latin typeface="Calibri"/>
-                <a:ea typeface="Calibri"/>
-                <a:hlinkClick r:id="rId9"/>
+                <a:hlinkClick r:id="rId8"/>
               </a:rPr>
               <a:t>…</a:t>
             </a:r>
@@ -8162,9 +8011,79 @@
                 <a:uFillTx/>
                 <a:latin typeface="Calibri"/>
                 <a:ea typeface="Calibri"/>
+                <a:hlinkClick r:id="rId9"/>
+              </a:rPr>
+              <a:t>018. Not…</a:t>
+            </a:r>
+            <a:r>
+              <a:rPr lang="pt-BR" sz="1200" b="0" u="sng" strike="noStrike" spc="-1" dirty="0" err="1">
+                <a:solidFill>
+                  <a:srgbClr val="0563C1"/>
+                </a:solidFill>
+                <a:uFillTx/>
+                <a:latin typeface="Calibri"/>
+                <a:ea typeface="Calibri"/>
+                <a:hlinkClick r:id="rId9"/>
+              </a:rPr>
+              <a:t>until</a:t>
+            </a:r>
+            <a:r>
+              <a:rPr lang="pt-BR" sz="1200" b="0" u="sng" strike="noStrike" spc="-1" dirty="0">
+                <a:solidFill>
+                  <a:srgbClr val="0563C1"/>
+                </a:solidFill>
+                <a:uFillTx/>
+                <a:latin typeface="Calibri"/>
+                <a:ea typeface="Calibri"/>
+                <a:hlinkClick r:id="rId9"/>
+              </a:rPr>
+              <a:t>…</a:t>
+            </a:r>
+            <a:r>
+              <a:rPr lang="pt-BR" sz="1200" b="0" u="sng" strike="noStrike" spc="-1" dirty="0">
+                <a:solidFill>
+                  <a:srgbClr val="000000"/>
+                </a:solidFill>
+                <a:uFillTx/>
+                <a:latin typeface="Calibri"/>
+                <a:ea typeface="Calibri"/>
+              </a:rPr>
+              <a:t> </a:t>
+            </a:r>
+            <a:r>
+              <a:rPr lang="en-US" sz="1200" b="0" u="sng" strike="noStrike" spc="-1" dirty="0">
+                <a:solidFill>
+                  <a:srgbClr val="000000"/>
+                </a:solidFill>
+                <a:uFillTx/>
+                <a:latin typeface="Calibri"/>
+                <a:ea typeface="Calibri"/>
+              </a:rPr>
+              <a:t>/ </a:t>
+            </a:r>
+            <a:r>
+              <a:rPr lang="pt-BR" sz="1200" b="0" u="sng" strike="noStrike" spc="-1" dirty="0">
+                <a:solidFill>
+                  <a:srgbClr val="0563C1"/>
+                </a:solidFill>
+                <a:uFillTx/>
+                <a:latin typeface="Calibri"/>
+                <a:ea typeface="Calibri"/>
                 <a:hlinkClick r:id="rId10"/>
               </a:rPr>
-              <a:t>018</a:t>
+              <a:t>064. No </a:t>
+            </a:r>
+            <a:r>
+              <a:rPr lang="pt-BR" sz="1200" b="0" u="sng" strike="noStrike" spc="-1" dirty="0" err="1">
+                <a:solidFill>
+                  <a:srgbClr val="0563C1"/>
+                </a:solidFill>
+                <a:uFillTx/>
+                <a:latin typeface="Calibri"/>
+                <a:ea typeface="Calibri"/>
+                <a:hlinkClick r:id="rId10"/>
+              </a:rPr>
+              <a:t>matter</a:t>
             </a:r>
             <a:r>
               <a:rPr lang="pt-BR" sz="1200" b="0" u="sng" strike="noStrike" spc="-1" dirty="0">
@@ -8176,137 +8095,7 @@
                 <a:ea typeface="Calibri"/>
                 <a:hlinkClick r:id="rId10"/>
               </a:rPr>
-              <a:t>. </a:t>
-            </a:r>
-            <a:r>
-              <a:rPr lang="pt-BR" sz="1200" b="0" u="sng" strike="noStrike" spc="-1" dirty="0">
-                <a:solidFill>
-                  <a:srgbClr val="0563C1"/>
-                </a:solidFill>
-                <a:uFillTx/>
-                <a:latin typeface="Calibri"/>
-                <a:ea typeface="Calibri"/>
-                <a:hlinkClick r:id="rId10"/>
-              </a:rPr>
-              <a:t>Not</a:t>
-            </a:r>
-            <a:r>
-              <a:rPr lang="pt-BR" sz="1200" b="0" u="sng" strike="noStrike" spc="-1" dirty="0">
-                <a:solidFill>
-                  <a:srgbClr val="0563C1"/>
-                </a:solidFill>
-                <a:uFillTx/>
-                <a:latin typeface="Calibri"/>
-                <a:ea typeface="Calibri"/>
-                <a:hlinkClick r:id="rId10"/>
-              </a:rPr>
-              <a:t>…</a:t>
-            </a:r>
-            <a:r>
-              <a:rPr lang="pt-BR" sz="1200" b="0" u="sng" strike="noStrike" spc="-1" dirty="0" err="1">
-                <a:solidFill>
-                  <a:srgbClr val="0563C1"/>
-                </a:solidFill>
-                <a:uFillTx/>
-                <a:latin typeface="Calibri"/>
-                <a:ea typeface="Calibri"/>
-                <a:hlinkClick r:id="rId10"/>
-              </a:rPr>
-              <a:t>until</a:t>
-            </a:r>
-            <a:r>
-              <a:rPr lang="pt-BR" sz="1200" b="0" u="sng" strike="noStrike" spc="-1" dirty="0">
-                <a:solidFill>
-                  <a:srgbClr val="0563C1"/>
-                </a:solidFill>
-                <a:uFillTx/>
-                <a:latin typeface="Calibri"/>
-                <a:ea typeface="Calibri"/>
-                <a:hlinkClick r:id="rId10"/>
-              </a:rPr>
-              <a:t>…</a:t>
-            </a:r>
-            <a:r>
-              <a:rPr lang="pt-BR" sz="1200" b="0" u="sng" strike="noStrike" spc="-1" dirty="0">
-                <a:solidFill>
-                  <a:srgbClr val="000000"/>
-                </a:solidFill>
-                <a:uFillTx/>
-                <a:latin typeface="Calibri"/>
-                <a:ea typeface="Calibri"/>
-              </a:rPr>
-              <a:t> </a:t>
-            </a:r>
-            <a:r>
-              <a:rPr lang="en-US" sz="1200" b="0" u="sng" strike="noStrike" spc="-1" dirty="0">
-                <a:solidFill>
-                  <a:srgbClr val="000000"/>
-                </a:solidFill>
-                <a:uFillTx/>
-                <a:latin typeface="Calibri"/>
-                <a:ea typeface="Calibri"/>
-              </a:rPr>
-              <a:t>/ </a:t>
-            </a:r>
-            <a:r>
-              <a:rPr lang="pt-BR" sz="1200" b="0" u="sng" strike="noStrike" spc="-1" dirty="0">
-                <a:solidFill>
-                  <a:srgbClr val="0563C1"/>
-                </a:solidFill>
-                <a:uFillTx/>
-                <a:latin typeface="Calibri"/>
-                <a:ea typeface="Calibri"/>
-                <a:hlinkClick r:id="rId11"/>
-              </a:rPr>
-              <a:t>064. No </a:t>
-            </a:r>
-            <a:r>
-              <a:rPr lang="pt-BR" sz="1200" b="0" u="sng" strike="noStrike" spc="-1" dirty="0" err="1">
-                <a:solidFill>
-                  <a:srgbClr val="0563C1"/>
-                </a:solidFill>
-                <a:uFillTx/>
-                <a:latin typeface="Calibri"/>
-                <a:ea typeface="Calibri"/>
-                <a:hlinkClick r:id="rId11"/>
-              </a:rPr>
-              <a:t>matter</a:t>
-            </a:r>
-            <a:r>
-              <a:rPr lang="pt-BR" sz="1200" b="0" u="sng" strike="noStrike" spc="-1" dirty="0">
-                <a:solidFill>
-                  <a:srgbClr val="0563C1"/>
-                </a:solidFill>
-                <a:uFillTx/>
-                <a:latin typeface="Calibri"/>
-                <a:ea typeface="Calibri"/>
-                <a:hlinkClick r:id="rId11"/>
-              </a:rPr>
-              <a:t> </a:t>
-            </a:r>
-            <a:r>
-              <a:rPr lang="pt-BR" sz="1200" b="0" u="sng" strike="noStrike" spc="-1" dirty="0">
-                <a:solidFill>
-                  <a:srgbClr val="0563C1"/>
-                </a:solidFill>
-                <a:uFillTx/>
-                <a:latin typeface="Calibri"/>
-                <a:ea typeface="Calibri"/>
-                <a:hlinkClick r:id="rId11"/>
-              </a:rPr>
-              <a:t>what</a:t>
-            </a:r>
-            <a:r>
-              <a:rPr lang="pt-BR" sz="1200" b="0" u="sng" strike="noStrike" spc="-1" dirty="0">
-                <a:solidFill>
-                  <a:srgbClr val="0563C1"/>
-                </a:solidFill>
-                <a:uFillTx/>
-                <a:latin typeface="Calibri"/>
-                <a:ea typeface="Calibri"/>
-                <a:hlinkClick r:id="rId11"/>
-              </a:rPr>
-              <a:t>…</a:t>
+              <a:t> what…</a:t>
             </a:r>
             <a:endParaRPr lang="pt-BR" sz="1200" b="0" strike="noStrike" spc="-1" dirty="0">
               <a:latin typeface="Arial"/>
@@ -8343,68 +8132,30 @@
                 <a:uFillTx/>
                 <a:latin typeface="Calibri"/>
                 <a:ea typeface="Calibri"/>
-                <a:hlinkClick r:id="rId12"/>
-              </a:rPr>
-              <a:t>021. He is so… that</a:t>
+              </a:rPr>
+              <a:t>021. He is so… that…</a:t>
             </a:r>
             <a:r>
               <a:rPr lang="en-US" sz="1200" b="0" u="sng" strike="noStrike" spc="-1" dirty="0">
                 <a:solidFill>
+                  <a:srgbClr val="000000"/>
+                </a:solidFill>
+                <a:uFillTx/>
+                <a:latin typeface="Calibri"/>
+                <a:ea typeface="Calibri"/>
+              </a:rPr>
+              <a:t> /  </a:t>
+            </a:r>
+            <a:r>
+              <a:rPr lang="en-US" sz="1200" b="0" u="sng" strike="noStrike" spc="-1" dirty="0">
+                <a:solidFill>
                   <a:srgbClr val="0563C1"/>
                 </a:solidFill>
                 <a:uFillTx/>
                 <a:latin typeface="Calibri"/>
                 <a:ea typeface="Calibri"/>
-                <a:hlinkClick r:id="rId12"/>
-              </a:rPr>
-              <a:t>…</a:t>
-            </a:r>
-            <a:r>
-              <a:rPr lang="en-US" sz="1200" b="0" u="sng" strike="noStrike" spc="-1" dirty="0">
-                <a:solidFill>
-                  <a:srgbClr val="000000"/>
-                </a:solidFill>
-                <a:uFillTx/>
-                <a:latin typeface="Calibri"/>
-                <a:ea typeface="Calibri"/>
-              </a:rPr>
-              <a:t> /  </a:t>
-            </a:r>
-            <a:r>
-              <a:rPr lang="en-US" sz="1200" b="0" u="sng" strike="noStrike" spc="-1" dirty="0">
-                <a:solidFill>
-                  <a:srgbClr val="0563C1"/>
-                </a:solidFill>
-                <a:uFillTx/>
-                <a:latin typeface="Calibri"/>
-                <a:ea typeface="Calibri"/>
-                <a:hlinkClick r:id="rId13"/>
-              </a:rPr>
-              <a:t>022</a:t>
-            </a:r>
-            <a:r>
-              <a:rPr lang="en-US" sz="1200" b="0" u="sng" strike="noStrike" spc="-1" dirty="0">
-                <a:solidFill>
-                  <a:srgbClr val="0563C1"/>
-                </a:solidFill>
-                <a:uFillTx/>
-                <a:latin typeface="Calibri"/>
-                <a:ea typeface="Calibri"/>
-                <a:hlinkClick r:id="rId13"/>
-              </a:rPr>
-              <a:t>. He is not only</a:t>
-            </a:r>
-            <a:r>
-              <a:rPr lang="en-US" sz="1200" b="0" u="sng" strike="noStrike" spc="-1" dirty="0">
-                <a:solidFill>
-                  <a:srgbClr val="0563C1"/>
-                </a:solidFill>
-                <a:uFillTx/>
-                <a:latin typeface="Calibri"/>
-                <a:ea typeface="Calibri"/>
-                <a:hlinkClick r:id="rId13"/>
-              </a:rPr>
-              <a:t>……</a:t>
+              </a:rPr>
+              <a:t>022. He is not only……</a:t>
             </a:r>
             <a:r>
               <a:rPr lang="en-US" sz="1200" b="0" u="sng" strike="noStrike" spc="-1" dirty="0">
@@ -8452,7 +8203,7 @@
                 <a:uFillTx/>
                 <a:latin typeface="Calibri"/>
                 <a:ea typeface="Calibri"/>
-                <a:hlinkClick r:id="rId14"/>
+                <a:hlinkClick r:id="rId11"/>
               </a:rPr>
               <a:t>025. </a:t>
             </a:r>
@@ -8464,7 +8215,7 @@
                 <a:uFillTx/>
                 <a:latin typeface="Calibri"/>
                 <a:ea typeface="Calibri"/>
-                <a:hlinkClick r:id="rId14"/>
+                <a:hlinkClick r:id="rId11"/>
               </a:rPr>
               <a:t>How</a:t>
             </a:r>
@@ -8476,32 +8227,68 @@
                 <a:uFillTx/>
                 <a:latin typeface="Calibri"/>
                 <a:ea typeface="Calibri"/>
-                <a:hlinkClick r:id="rId14"/>
-              </a:rPr>
-              <a:t> come</a:t>
+                <a:hlinkClick r:id="rId11"/>
+              </a:rPr>
+              <a:t> come…?</a:t>
             </a:r>
             <a:r>
               <a:rPr lang="pt-BR" sz="1200" b="0" u="sng" strike="noStrike" spc="-1" dirty="0">
                 <a:solidFill>
+                  <a:srgbClr val="000000"/>
+                </a:solidFill>
+                <a:uFillTx/>
+                <a:latin typeface="Calibri"/>
+                <a:ea typeface="Calibri"/>
+              </a:rPr>
+              <a:t> / </a:t>
+            </a:r>
+            <a:r>
+              <a:rPr lang="pt-BR" sz="1200" b="0" u="sng" strike="noStrike" spc="-1" dirty="0">
+                <a:solidFill>
                   <a:srgbClr val="0563C1"/>
                 </a:solidFill>
                 <a:uFillTx/>
                 <a:latin typeface="Calibri"/>
                 <a:ea typeface="Calibri"/>
-                <a:hlinkClick r:id="rId14"/>
-              </a:rPr>
-              <a:t>…?</a:t>
+                <a:hlinkClick r:id="rId12"/>
+              </a:rPr>
+              <a:t>026. </a:t>
+            </a:r>
+            <a:r>
+              <a:rPr lang="pt-BR" sz="1200" b="0" u="sng" strike="noStrike" spc="-1" dirty="0" err="1">
+                <a:solidFill>
+                  <a:srgbClr val="0563C1"/>
+                </a:solidFill>
+                <a:uFillTx/>
+                <a:latin typeface="Calibri"/>
+                <a:ea typeface="Calibri"/>
+                <a:hlinkClick r:id="rId12"/>
+              </a:rPr>
+              <a:t>How</a:t>
             </a:r>
             <a:r>
               <a:rPr lang="pt-BR" sz="1200" b="0" u="sng" strike="noStrike" spc="-1" dirty="0">
                 <a:solidFill>
-                  <a:srgbClr val="000000"/>
-                </a:solidFill>
-                <a:uFillTx/>
-                <a:latin typeface="Calibri"/>
-                <a:ea typeface="Calibri"/>
-              </a:rPr>
-              <a:t> / </a:t>
+                  <a:srgbClr val="0563C1"/>
+                </a:solidFill>
+                <a:uFillTx/>
+                <a:latin typeface="Calibri"/>
+                <a:ea typeface="Calibri"/>
+                <a:hlinkClick r:id="rId12"/>
+              </a:rPr>
+              <a:t> </a:t>
+            </a:r>
+            <a:r>
+              <a:rPr lang="pt-BR" sz="1200" b="0" u="sng" strike="noStrike" spc="-1" dirty="0" err="1">
+                <a:solidFill>
+                  <a:srgbClr val="0563C1"/>
+                </a:solidFill>
+                <a:uFillTx/>
+                <a:latin typeface="Calibri"/>
+                <a:ea typeface="Calibri"/>
+                <a:hlinkClick r:id="rId12"/>
+              </a:rPr>
+              <a:t>dare</a:t>
             </a:r>
             <a:r>
               <a:rPr lang="pt-BR" sz="1200" b="0" u="sng" strike="noStrike" spc="-1" dirty="0">
@@ -8511,93 +8298,9 @@
                 <a:uFillTx/>
                 <a:latin typeface="Calibri"/>
                 <a:ea typeface="Calibri"/>
-                <a:hlinkClick r:id="rId15"/>
-              </a:rPr>
-              <a:t>026</a:t>
-            </a:r>
-            <a:r>
-              <a:rPr lang="pt-BR" sz="1200" b="0" u="sng" strike="noStrike" spc="-1" dirty="0">
-                <a:solidFill>
-                  <a:srgbClr val="0563C1"/>
-                </a:solidFill>
-                <a:uFillTx/>
-                <a:latin typeface="Calibri"/>
-                <a:ea typeface="Calibri"/>
-                <a:hlinkClick r:id="rId15"/>
-              </a:rPr>
-              <a:t>. </a:t>
-            </a:r>
-            <a:r>
-              <a:rPr lang="pt-BR" sz="1200" b="0" u="sng" strike="noStrike" spc="-1" dirty="0" err="1">
-                <a:solidFill>
-                  <a:srgbClr val="0563C1"/>
-                </a:solidFill>
-                <a:uFillTx/>
-                <a:latin typeface="Calibri"/>
-                <a:ea typeface="Calibri"/>
-                <a:hlinkClick r:id="rId15"/>
-              </a:rPr>
-              <a:t>How</a:t>
-            </a:r>
-            <a:r>
-              <a:rPr lang="pt-BR" sz="1200" b="0" u="sng" strike="noStrike" spc="-1" dirty="0">
-                <a:solidFill>
-                  <a:srgbClr val="0563C1"/>
-                </a:solidFill>
-                <a:uFillTx/>
-                <a:latin typeface="Calibri"/>
-                <a:ea typeface="Calibri"/>
-                <a:hlinkClick r:id="rId15"/>
-              </a:rPr>
-              <a:t> </a:t>
-            </a:r>
-            <a:r>
-              <a:rPr lang="pt-BR" sz="1200" b="0" u="sng" strike="noStrike" spc="-1" dirty="0" err="1">
-                <a:solidFill>
-                  <a:srgbClr val="0563C1"/>
-                </a:solidFill>
-                <a:uFillTx/>
-                <a:latin typeface="Calibri"/>
-                <a:ea typeface="Calibri"/>
-                <a:hlinkClick r:id="rId15"/>
-              </a:rPr>
-              <a:t>dare</a:t>
-            </a:r>
-            <a:r>
-              <a:rPr lang="pt-BR" sz="1200" b="0" u="sng" strike="noStrike" spc="-1" dirty="0">
-                <a:solidFill>
-                  <a:srgbClr val="0563C1"/>
-                </a:solidFill>
-                <a:uFillTx/>
-                <a:latin typeface="Calibri"/>
-                <a:ea typeface="Calibri"/>
-                <a:hlinkClick r:id="rId15"/>
-              </a:rPr>
-              <a:t> </a:t>
-            </a:r>
-            <a:r>
-              <a:rPr lang="pt-BR" sz="1200" b="0" u="sng" strike="noStrike" spc="-1" dirty="0" err="1">
-                <a:solidFill>
-                  <a:srgbClr val="0563C1"/>
-                </a:solidFill>
-                <a:uFillTx/>
-                <a:latin typeface="Calibri"/>
-                <a:ea typeface="Calibri"/>
-                <a:hlinkClick r:id="rId15"/>
-              </a:rPr>
-              <a:t>you</a:t>
-            </a:r>
-            <a:r>
-              <a:rPr lang="pt-BR" sz="1200" b="0" u="sng" strike="noStrike" spc="-1" dirty="0">
-                <a:solidFill>
-                  <a:srgbClr val="0563C1"/>
-                </a:solidFill>
-                <a:uFillTx/>
-                <a:latin typeface="Calibri"/>
-                <a:ea typeface="Calibri"/>
-                <a:hlinkClick r:id="rId15"/>
-              </a:rPr>
-              <a:t>…!</a:t>
+                <a:hlinkClick r:id="rId12"/>
+              </a:rPr>
+              <a:t> you…!</a:t>
             </a:r>
             <a:r>
               <a:rPr lang="pt-BR" sz="1200" b="0" u="sng" strike="noStrike" spc="-1" dirty="0">
@@ -8656,9 +8359,21 @@
                 <a:uFillTx/>
                 <a:latin typeface="Calibri"/>
                 <a:ea typeface="Calibri"/>
-                <a:hlinkClick r:id="rId16"/>
-              </a:rPr>
-              <a:t>030</a:t>
+                <a:hlinkClick r:id="rId13"/>
+              </a:rPr>
+              <a:t>030. I </a:t>
+            </a:r>
+            <a:r>
+              <a:rPr lang="pt-BR" sz="1200" b="0" u="sng" strike="noStrike" spc="-1" dirty="0" err="1">
+                <a:solidFill>
+                  <a:srgbClr val="0563C1"/>
+                </a:solidFill>
+                <a:uFillTx/>
+                <a:latin typeface="Calibri"/>
+                <a:ea typeface="Calibri"/>
+                <a:hlinkClick r:id="rId13"/>
+              </a:rPr>
+              <a:t>bet</a:t>
             </a:r>
             <a:r>
               <a:rPr lang="pt-BR" sz="1200" b="0" u="sng" strike="noStrike" spc="-1" dirty="0">
@@ -8668,9 +8383,55 @@
                 <a:uFillTx/>
                 <a:latin typeface="Calibri"/>
                 <a:ea typeface="Calibri"/>
-                <a:hlinkClick r:id="rId16"/>
-              </a:rPr>
-              <a:t>. I </a:t>
+                <a:hlinkClick r:id="rId13"/>
+              </a:rPr>
+              <a:t>…</a:t>
+            </a:r>
+            <a:r>
+              <a:rPr lang="pt-BR" sz="1200" b="0" u="sng" strike="noStrike" spc="-1" dirty="0">
+                <a:solidFill>
+                  <a:srgbClr val="000000"/>
+                </a:solidFill>
+                <a:uFillTx/>
+                <a:latin typeface="Calibri"/>
+                <a:ea typeface="Calibri"/>
+              </a:rPr>
+              <a:t> / </a:t>
+            </a:r>
+            <a:r>
+              <a:rPr lang="en-US" sz="1200" b="0" u="sng" strike="noStrike" spc="-1" dirty="0">
+                <a:solidFill>
+                  <a:srgbClr val="0563C1"/>
+                </a:solidFill>
+                <a:uFillTx/>
+                <a:latin typeface="Calibri"/>
+                <a:ea typeface="Calibri"/>
+                <a:hlinkClick r:id="rId14"/>
+              </a:rPr>
+              <a:t>031. I can hardly believe that…</a:t>
+            </a:r>
+            <a:r>
+              <a:rPr lang="en-US" sz="1200" b="0" u="sng" strike="noStrike" spc="-1" dirty="0">
+                <a:solidFill>
+                  <a:srgbClr val="000000"/>
+                </a:solidFill>
+                <a:uFillTx/>
+                <a:latin typeface="Calibri"/>
+                <a:ea typeface="Calibri"/>
+              </a:rPr>
+              <a:t>  / </a:t>
+            </a:r>
+            <a:r>
+              <a:rPr lang="pt-BR" sz="1200" b="0" u="sng" strike="noStrike" spc="-1" dirty="0">
+                <a:solidFill>
+                  <a:srgbClr val="0563C1"/>
+                </a:solidFill>
+                <a:uFillTx/>
+                <a:latin typeface="Calibri"/>
+                <a:ea typeface="Calibri"/>
+                <a:hlinkClick r:id="rId15"/>
+              </a:rPr>
+              <a:t>032. I </a:t>
             </a:r>
             <a:r>
               <a:rPr lang="pt-BR" sz="1200" b="0" u="sng" strike="noStrike" spc="-1" dirty="0" err="1">
@@ -8680,9 +8441,9 @@
                 <a:uFillTx/>
                 <a:latin typeface="Calibri"/>
                 <a:ea typeface="Calibri"/>
-                <a:hlinkClick r:id="rId16"/>
-              </a:rPr>
-              <a:t>bet</a:t>
+                <a:hlinkClick r:id="rId15"/>
+              </a:rPr>
+              <a:t>can’t</a:t>
             </a:r>
             <a:r>
               <a:rPr lang="pt-BR" sz="1200" b="0" u="sng" strike="noStrike" spc="-1" dirty="0">
@@ -8692,101 +8453,7 @@
                 <a:uFillTx/>
                 <a:latin typeface="Calibri"/>
                 <a:ea typeface="Calibri"/>
-                <a:hlinkClick r:id="rId16"/>
-              </a:rPr>
-              <a:t>…</a:t>
-            </a:r>
-            <a:r>
-              <a:rPr lang="pt-BR" sz="1200" b="0" u="sng" strike="noStrike" spc="-1" dirty="0">
-                <a:solidFill>
-                  <a:srgbClr val="000000"/>
-                </a:solidFill>
-                <a:uFillTx/>
-                <a:latin typeface="Calibri"/>
-                <a:ea typeface="Calibri"/>
-              </a:rPr>
-              <a:t> / </a:t>
-            </a:r>
-            <a:r>
-              <a:rPr lang="en-US" sz="1200" b="0" u="sng" strike="noStrike" spc="-1" dirty="0">
-                <a:solidFill>
-                  <a:srgbClr val="0563C1"/>
-                </a:solidFill>
-                <a:uFillTx/>
-                <a:latin typeface="Calibri"/>
-                <a:ea typeface="Calibri"/>
-                <a:hlinkClick r:id="rId17"/>
-              </a:rPr>
-              <a:t>031</a:t>
-            </a:r>
-            <a:r>
-              <a:rPr lang="en-US" sz="1200" b="0" u="sng" strike="noStrike" spc="-1" dirty="0">
-                <a:solidFill>
-                  <a:srgbClr val="0563C1"/>
-                </a:solidFill>
-                <a:uFillTx/>
-                <a:latin typeface="Calibri"/>
-                <a:ea typeface="Calibri"/>
-                <a:hlinkClick r:id="rId17"/>
-              </a:rPr>
-              <a:t>. I can hardly believe that</a:t>
-            </a:r>
-            <a:r>
-              <a:rPr lang="en-US" sz="1200" b="0" u="sng" strike="noStrike" spc="-1" dirty="0">
-                <a:solidFill>
-                  <a:srgbClr val="0563C1"/>
-                </a:solidFill>
-                <a:uFillTx/>
-                <a:latin typeface="Calibri"/>
-                <a:ea typeface="Calibri"/>
-                <a:hlinkClick r:id="rId17"/>
-              </a:rPr>
-              <a:t>…</a:t>
-            </a:r>
-            <a:r>
-              <a:rPr lang="en-US" sz="1200" b="0" u="sng" strike="noStrike" spc="-1" dirty="0">
-                <a:solidFill>
-                  <a:srgbClr val="000000"/>
-                </a:solidFill>
-                <a:uFillTx/>
-                <a:latin typeface="Calibri"/>
-                <a:ea typeface="Calibri"/>
-              </a:rPr>
-              <a:t>  / </a:t>
-            </a:r>
-            <a:r>
-              <a:rPr lang="pt-BR" sz="1200" b="0" u="sng" strike="noStrike" spc="-1" dirty="0">
-                <a:solidFill>
-                  <a:srgbClr val="0563C1"/>
-                </a:solidFill>
-                <a:uFillTx/>
-                <a:latin typeface="Calibri"/>
-                <a:ea typeface="Calibri"/>
-                <a:hlinkClick r:id="rId18"/>
-              </a:rPr>
-              <a:t>032. I </a:t>
-            </a:r>
-            <a:r>
-              <a:rPr lang="pt-BR" sz="1200" b="0" u="sng" strike="noStrike" spc="-1" dirty="0" err="1">
-                <a:solidFill>
-                  <a:srgbClr val="0563C1"/>
-                </a:solidFill>
-                <a:uFillTx/>
-                <a:latin typeface="Calibri"/>
-                <a:ea typeface="Calibri"/>
-                <a:hlinkClick r:id="rId18"/>
-              </a:rPr>
-              <a:t>can’t</a:t>
-            </a:r>
-            <a:r>
-              <a:rPr lang="pt-BR" sz="1200" b="0" u="sng" strike="noStrike" spc="-1" dirty="0">
-                <a:solidFill>
-                  <a:srgbClr val="0563C1"/>
-                </a:solidFill>
-                <a:uFillTx/>
-                <a:latin typeface="Calibri"/>
-                <a:ea typeface="Calibri"/>
-                <a:hlinkClick r:id="rId18"/>
+                <a:hlinkClick r:id="rId15"/>
               </a:rPr>
               <a:t> help…</a:t>
             </a:r>
@@ -8825,9 +8492,21 @@
                 <a:uFillTx/>
                 <a:latin typeface="Calibri"/>
                 <a:ea typeface="Calibri"/>
-                <a:hlinkClick r:id="rId19"/>
-              </a:rPr>
-              <a:t>033</a:t>
+                <a:hlinkClick r:id="rId16"/>
+              </a:rPr>
+              <a:t>033. I </a:t>
+            </a:r>
+            <a:r>
+              <a:rPr lang="pt-BR" sz="1200" b="0" u="sng" strike="noStrike" spc="-1" dirty="0" err="1">
+                <a:solidFill>
+                  <a:srgbClr val="0563C1"/>
+                </a:solidFill>
+                <a:uFillTx/>
+                <a:latin typeface="Calibri"/>
+                <a:ea typeface="Calibri"/>
+                <a:hlinkClick r:id="rId16"/>
+              </a:rPr>
+              <a:t>can’t</a:t>
             </a:r>
             <a:r>
               <a:rPr lang="pt-BR" sz="1200" b="0" u="sng" strike="noStrike" spc="-1" dirty="0">
@@ -8837,9 +8516,9 @@
                 <a:uFillTx/>
                 <a:latin typeface="Calibri"/>
                 <a:ea typeface="Calibri"/>
-                <a:hlinkClick r:id="rId19"/>
-              </a:rPr>
-              <a:t>. I </a:t>
+                <a:hlinkClick r:id="rId16"/>
+              </a:rPr>
+              <a:t> </a:t>
             </a:r>
             <a:r>
               <a:rPr lang="pt-BR" sz="1200" b="0" u="sng" strike="noStrike" spc="-1" dirty="0" err="1">
@@ -8849,9 +8528,9 @@
                 <a:uFillTx/>
                 <a:latin typeface="Calibri"/>
                 <a:ea typeface="Calibri"/>
-                <a:hlinkClick r:id="rId19"/>
-              </a:rPr>
-              <a:t>can’t</a:t>
+                <a:hlinkClick r:id="rId16"/>
+              </a:rPr>
+              <a:t>say</a:t>
             </a:r>
             <a:r>
               <a:rPr lang="pt-BR" sz="1200" b="0" u="sng" strike="noStrike" spc="-1" dirty="0">
@@ -8861,7 +8540,77 @@
                 <a:uFillTx/>
                 <a:latin typeface="Calibri"/>
                 <a:ea typeface="Calibri"/>
-                <a:hlinkClick r:id="rId19"/>
+                <a:hlinkClick r:id="rId16"/>
+              </a:rPr>
+              <a:t>…</a:t>
+            </a:r>
+            <a:r>
+              <a:rPr lang="pt-BR" sz="1200" b="0" u="sng" strike="noStrike" spc="-1" dirty="0">
+                <a:solidFill>
+                  <a:srgbClr val="FF6600"/>
+                </a:solidFill>
+                <a:uFillTx/>
+                <a:latin typeface="Calibri"/>
+                <a:ea typeface="Calibri"/>
+              </a:rPr>
+              <a:t> / </a:t>
+            </a:r>
+            <a:r>
+              <a:rPr lang="en-US" sz="1200" b="0" u="sng" strike="noStrike" spc="-1" dirty="0">
+                <a:solidFill>
+                  <a:srgbClr val="0563C1"/>
+                </a:solidFill>
+                <a:uFillTx/>
+                <a:latin typeface="Calibri"/>
+                <a:ea typeface="Calibri"/>
+                <a:hlinkClick r:id="rId17"/>
+              </a:rPr>
+              <a:t>034. I cannot wait to…</a:t>
+            </a:r>
+            <a:r>
+              <a:rPr lang="en-US" sz="1200" b="0" u="sng" strike="noStrike" spc="-1" dirty="0">
+                <a:solidFill>
+                  <a:srgbClr val="000000"/>
+                </a:solidFill>
+                <a:uFillTx/>
+                <a:latin typeface="Calibri"/>
+                <a:ea typeface="Calibri"/>
+              </a:rPr>
+              <a:t> / </a:t>
+            </a:r>
+            <a:r>
+              <a:rPr lang="pt-BR" sz="1200" b="0" u="sng" strike="noStrike" spc="-1" dirty="0">
+                <a:solidFill>
+                  <a:srgbClr val="0563C1"/>
+                </a:solidFill>
+                <a:uFillTx/>
+                <a:latin typeface="Calibri"/>
+                <a:ea typeface="Calibri"/>
+                <a:hlinkClick r:id="rId18"/>
+              </a:rPr>
+              <a:t>035. I </a:t>
+            </a:r>
+            <a:r>
+              <a:rPr lang="pt-BR" sz="1200" b="0" u="sng" strike="noStrike" spc="-1" dirty="0" err="1">
+                <a:solidFill>
+                  <a:srgbClr val="0563C1"/>
+                </a:solidFill>
+                <a:uFillTx/>
+                <a:latin typeface="Calibri"/>
+                <a:ea typeface="Calibri"/>
+                <a:hlinkClick r:id="rId18"/>
+              </a:rPr>
+              <a:t>dare</a:t>
+            </a:r>
+            <a:r>
+              <a:rPr lang="pt-BR" sz="1200" b="0" u="sng" strike="noStrike" spc="-1" dirty="0">
+                <a:solidFill>
+                  <a:srgbClr val="0563C1"/>
+                </a:solidFill>
+                <a:uFillTx/>
+                <a:latin typeface="Calibri"/>
+                <a:ea typeface="Calibri"/>
+                <a:hlinkClick r:id="rId18"/>
               </a:rPr>
               <a:t> </a:t>
             </a:r>
@@ -8873,7 +8622,7 @@
                 <a:uFillTx/>
                 <a:latin typeface="Calibri"/>
                 <a:ea typeface="Calibri"/>
-                <a:hlinkClick r:id="rId19"/>
+                <a:hlinkClick r:id="rId18"/>
               </a:rPr>
               <a:t>say</a:t>
             </a:r>
@@ -8885,125 +8634,7 @@
                 <a:uFillTx/>
                 <a:latin typeface="Calibri"/>
                 <a:ea typeface="Calibri"/>
-                <a:hlinkClick r:id="rId19"/>
-              </a:rPr>
-              <a:t>…</a:t>
-            </a:r>
-            <a:r>
-              <a:rPr lang="pt-BR" sz="1200" b="0" u="sng" strike="noStrike" spc="-1" dirty="0">
-                <a:solidFill>
-                  <a:srgbClr val="FF6600"/>
-                </a:solidFill>
-                <a:uFillTx/>
-                <a:latin typeface="Calibri"/>
-                <a:ea typeface="Calibri"/>
-              </a:rPr>
-              <a:t> / </a:t>
-            </a:r>
-            <a:r>
-              <a:rPr lang="en-US" sz="1200" b="0" u="sng" strike="noStrike" spc="-1" dirty="0">
-                <a:solidFill>
-                  <a:srgbClr val="0563C1"/>
-                </a:solidFill>
-                <a:uFillTx/>
-                <a:latin typeface="Calibri"/>
-                <a:ea typeface="Calibri"/>
-                <a:hlinkClick r:id="rId20"/>
-              </a:rPr>
-              <a:t>034. I cannot wait to</a:t>
-            </a:r>
-            <a:r>
-              <a:rPr lang="en-US" sz="1200" b="0" u="sng" strike="noStrike" spc="-1" dirty="0">
-                <a:solidFill>
-                  <a:srgbClr val="0563C1"/>
-                </a:solidFill>
-                <a:uFillTx/>
-                <a:latin typeface="Calibri"/>
-                <a:ea typeface="Calibri"/>
-                <a:hlinkClick r:id="rId20"/>
-              </a:rPr>
-              <a:t>…</a:t>
-            </a:r>
-            <a:r>
-              <a:rPr lang="en-US" sz="1200" b="0" u="sng" strike="noStrike" spc="-1" dirty="0">
-                <a:solidFill>
-                  <a:srgbClr val="000000"/>
-                </a:solidFill>
-                <a:uFillTx/>
-                <a:latin typeface="Calibri"/>
-                <a:ea typeface="Calibri"/>
-              </a:rPr>
-              <a:t> / </a:t>
-            </a:r>
-            <a:r>
-              <a:rPr lang="pt-BR" sz="1200" b="0" u="sng" strike="noStrike" spc="-1" dirty="0">
-                <a:solidFill>
-                  <a:srgbClr val="0563C1"/>
-                </a:solidFill>
-                <a:uFillTx/>
-                <a:latin typeface="Calibri"/>
-                <a:ea typeface="Calibri"/>
-                <a:hlinkClick r:id="rId21"/>
-              </a:rPr>
-              <a:t>035</a:t>
-            </a:r>
-            <a:r>
-              <a:rPr lang="pt-BR" sz="1200" b="0" u="sng" strike="noStrike" spc="-1" dirty="0">
-                <a:solidFill>
-                  <a:srgbClr val="0563C1"/>
-                </a:solidFill>
-                <a:uFillTx/>
-                <a:latin typeface="Calibri"/>
-                <a:ea typeface="Calibri"/>
-                <a:hlinkClick r:id="rId21"/>
-              </a:rPr>
-              <a:t>. I </a:t>
-            </a:r>
-            <a:r>
-              <a:rPr lang="pt-BR" sz="1200" b="0" u="sng" strike="noStrike" spc="-1" dirty="0" err="1">
-                <a:solidFill>
-                  <a:srgbClr val="0563C1"/>
-                </a:solidFill>
-                <a:uFillTx/>
-                <a:latin typeface="Calibri"/>
-                <a:ea typeface="Calibri"/>
-                <a:hlinkClick r:id="rId21"/>
-              </a:rPr>
-              <a:t>dare</a:t>
-            </a:r>
-            <a:r>
-              <a:rPr lang="pt-BR" sz="1200" b="0" u="sng" strike="noStrike" spc="-1" dirty="0">
-                <a:solidFill>
-                  <a:srgbClr val="0563C1"/>
-                </a:solidFill>
-                <a:uFillTx/>
-                <a:latin typeface="Calibri"/>
-                <a:ea typeface="Calibri"/>
-                <a:hlinkClick r:id="rId21"/>
-              </a:rPr>
-              <a:t> </a:t>
-            </a:r>
-            <a:r>
-              <a:rPr lang="pt-BR" sz="1200" b="0" u="sng" strike="noStrike" spc="-1" dirty="0" err="1">
-                <a:solidFill>
-                  <a:srgbClr val="0563C1"/>
-                </a:solidFill>
-                <a:uFillTx/>
-                <a:latin typeface="Calibri"/>
-                <a:ea typeface="Calibri"/>
-                <a:hlinkClick r:id="rId21"/>
-              </a:rPr>
-              <a:t>say</a:t>
-            </a:r>
-            <a:r>
-              <a:rPr lang="pt-BR" sz="1200" b="0" u="sng" strike="noStrike" spc="-1" dirty="0">
-                <a:solidFill>
-                  <a:srgbClr val="0563C1"/>
-                </a:solidFill>
-                <a:uFillTx/>
-                <a:latin typeface="Calibri"/>
-                <a:ea typeface="Calibri"/>
-                <a:hlinkClick r:id="rId21"/>
+                <a:hlinkClick r:id="rId18"/>
               </a:rPr>
               <a:t>…</a:t>
             </a:r>
@@ -9053,21 +8684,9 @@
                 <a:uFillTx/>
                 <a:latin typeface="Calibri"/>
                 <a:ea typeface="Calibri"/>
-                <a:hlinkClick r:id="rId22"/>
-              </a:rPr>
-              <a:t>037. I’d hate for you to</a:t>
-            </a:r>
-            <a:r>
-              <a:rPr lang="en-US" sz="1200" b="0" u="sng" strike="noStrike" spc="-1" dirty="0">
-                <a:solidFill>
-                  <a:srgbClr val="0563C1"/>
-                </a:solidFill>
-                <a:uFillTx/>
-                <a:latin typeface="Calibri"/>
-                <a:ea typeface="Calibri"/>
-                <a:hlinkClick r:id="rId22"/>
-              </a:rPr>
-              <a:t>…</a:t>
+                <a:hlinkClick r:id="rId19"/>
+              </a:rPr>
+              <a:t>037. I’d hate for you to…</a:t>
             </a:r>
             <a:r>
               <a:rPr lang="en-US" sz="1200" b="0" u="sng" strike="noStrike" spc="-1" dirty="0">
@@ -9126,80 +8745,44 @@
                 <a:uFillTx/>
                 <a:latin typeface="Calibri"/>
                 <a:ea typeface="Calibri"/>
-                <a:hlinkClick r:id="rId23"/>
-              </a:rPr>
-              <a:t>042</a:t>
+                <a:hlinkClick r:id="rId20"/>
+              </a:rPr>
+              <a:t>042…. as… as </a:t>
+            </a:r>
+            <a:r>
+              <a:rPr lang="pt-BR" sz="1200" b="0" u="sng" strike="noStrike" spc="-1" dirty="0" err="1">
+                <a:solidFill>
+                  <a:srgbClr val="0563C1"/>
+                </a:solidFill>
+                <a:uFillTx/>
+                <a:latin typeface="Calibri"/>
+                <a:ea typeface="Calibri"/>
+                <a:hlinkClick r:id="rId20"/>
+              </a:rPr>
+              <a:t>possible</a:t>
             </a:r>
             <a:r>
               <a:rPr lang="pt-BR" sz="1200" b="0" u="sng" strike="noStrike" spc="-1" dirty="0">
                 <a:solidFill>
+                  <a:srgbClr val="000000"/>
+                </a:solidFill>
+                <a:uFillTx/>
+                <a:latin typeface="Calibri"/>
+                <a:ea typeface="Calibri"/>
+              </a:rPr>
+              <a:t> / </a:t>
+            </a:r>
+            <a:r>
+              <a:rPr lang="en-US" sz="1200" b="0" u="sng" strike="noStrike" spc="-1" dirty="0">
+                <a:solidFill>
                   <a:srgbClr val="0563C1"/>
                 </a:solidFill>
                 <a:uFillTx/>
                 <a:latin typeface="Calibri"/>
                 <a:ea typeface="Calibri"/>
-                <a:hlinkClick r:id="rId23"/>
-              </a:rPr>
-              <a:t>…. as… as </a:t>
-            </a:r>
-            <a:r>
-              <a:rPr lang="pt-BR" sz="1200" b="0" u="sng" strike="noStrike" spc="-1" dirty="0" err="1">
-                <a:solidFill>
-                  <a:srgbClr val="0563C1"/>
-                </a:solidFill>
-                <a:uFillTx/>
-                <a:latin typeface="Calibri"/>
-                <a:ea typeface="Calibri"/>
-                <a:hlinkClick r:id="rId23"/>
-              </a:rPr>
-              <a:t>possible</a:t>
-            </a:r>
-            <a:r>
-              <a:rPr lang="pt-BR" sz="1200" b="0" u="sng" strike="noStrike" spc="-1" dirty="0">
-                <a:solidFill>
-                  <a:srgbClr val="000000"/>
-                </a:solidFill>
-                <a:uFillTx/>
-                <a:latin typeface="Calibri"/>
-                <a:ea typeface="Calibri"/>
-              </a:rPr>
-              <a:t> / </a:t>
-            </a:r>
-            <a:r>
-              <a:rPr lang="en-US" sz="1200" b="0" u="sng" strike="noStrike" spc="-1" dirty="0">
-                <a:solidFill>
-                  <a:srgbClr val="0563C1"/>
-                </a:solidFill>
-                <a:uFillTx/>
-                <a:latin typeface="Calibri"/>
-                <a:ea typeface="Calibri"/>
-                <a:hlinkClick r:id="rId24"/>
-              </a:rPr>
-              <a:t>043</a:t>
-            </a:r>
-            <a:r>
-              <a:rPr lang="en-US" sz="1200" b="0" u="sng" strike="noStrike" spc="-1" dirty="0">
-                <a:solidFill>
-                  <a:srgbClr val="0563C1"/>
-                </a:solidFill>
-                <a:uFillTx/>
-                <a:latin typeface="Calibri"/>
-                <a:ea typeface="Calibri"/>
-                <a:hlinkClick r:id="rId24"/>
-              </a:rPr>
-              <a:t>. I’ll let you know</a:t>
-            </a:r>
-            <a:r>
-              <a:rPr lang="en-US" sz="1200" b="0" u="sng" strike="noStrike" spc="-1" dirty="0">
-                <a:solidFill>
-                  <a:srgbClr val="0563C1"/>
-                </a:solidFill>
-                <a:uFillTx/>
-                <a:latin typeface="Calibri"/>
-                <a:ea typeface="Calibri"/>
-                <a:hlinkClick r:id="rId24"/>
-              </a:rPr>
-              <a:t>…</a:t>
+                <a:hlinkClick r:id="rId21"/>
+              </a:rPr>
+              <a:t>043. I’ll let you know…</a:t>
             </a:r>
             <a:endParaRPr lang="pt-BR" sz="1200" b="0" strike="noStrike" spc="-1" dirty="0">
               <a:latin typeface="Arial"/>
@@ -9236,7 +8819,7 @@
                 <a:uFillTx/>
                 <a:latin typeface="Calibri"/>
                 <a:ea typeface="Calibri"/>
-                <a:hlinkClick r:id="rId25"/>
+                <a:hlinkClick r:id="rId22"/>
               </a:rPr>
               <a:t>045. </a:t>
             </a:r>
@@ -9248,7 +8831,7 @@
                 <a:uFillTx/>
                 <a:latin typeface="Calibri"/>
                 <a:ea typeface="Calibri"/>
-                <a:hlinkClick r:id="rId25"/>
+                <a:hlinkClick r:id="rId22"/>
               </a:rPr>
               <a:t>I’m</a:t>
             </a:r>
@@ -9260,7 +8843,7 @@
                 <a:uFillTx/>
                 <a:latin typeface="Calibri"/>
                 <a:ea typeface="Calibri"/>
-                <a:hlinkClick r:id="rId25"/>
+                <a:hlinkClick r:id="rId22"/>
               </a:rPr>
               <a:t> </a:t>
             </a:r>
@@ -9272,7 +8855,7 @@
                 <a:uFillTx/>
                 <a:latin typeface="Calibri"/>
                 <a:ea typeface="Calibri"/>
-                <a:hlinkClick r:id="rId25"/>
+                <a:hlinkClick r:id="rId22"/>
               </a:rPr>
               <a:t>afraid</a:t>
             </a:r>
@@ -9284,7 +8867,7 @@
                 <a:uFillTx/>
                 <a:latin typeface="Calibri"/>
                 <a:ea typeface="Calibri"/>
-                <a:hlinkClick r:id="rId25"/>
+                <a:hlinkClick r:id="rId22"/>
               </a:rPr>
               <a:t>…</a:t>
             </a:r>
@@ -9307,7 +8890,7 @@
                 <a:uFillTx/>
                 <a:latin typeface="Calibri"/>
                 <a:ea typeface="Calibri"/>
-                <a:hlinkClick r:id="rId26"/>
+                <a:hlinkClick r:id="rId23"/>
               </a:rPr>
               <a:t>016. </a:t>
             </a:r>
@@ -9319,7 +8902,7 @@
                 <a:uFillTx/>
                 <a:latin typeface="Calibri"/>
                 <a:ea typeface="Calibri"/>
-                <a:hlinkClick r:id="rId26"/>
+                <a:hlinkClick r:id="rId23"/>
               </a:rPr>
               <a:t>Shouldn’t</a:t>
             </a:r>
@@ -9331,7 +8914,7 @@
                 <a:uFillTx/>
                 <a:latin typeface="Calibri"/>
                 <a:ea typeface="Calibri"/>
-                <a:hlinkClick r:id="rId26"/>
+                <a:hlinkClick r:id="rId23"/>
               </a:rPr>
               <a:t> </a:t>
             </a:r>
@@ -9343,7 +8926,7 @@
                 <a:uFillTx/>
                 <a:latin typeface="Calibri"/>
                 <a:ea typeface="Calibri"/>
-                <a:hlinkClick r:id="rId26"/>
+                <a:hlinkClick r:id="rId23"/>
               </a:rPr>
               <a:t>we</a:t>
             </a:r>
@@ -9355,7 +8938,7 @@
                 <a:uFillTx/>
                 <a:latin typeface="Calibri"/>
                 <a:ea typeface="Calibri"/>
-                <a:hlinkClick r:id="rId26"/>
+                <a:hlinkClick r:id="rId23"/>
               </a:rPr>
               <a:t>…?</a:t>
             </a:r>
@@ -9405,7 +8988,7 @@
                 <a:uFillTx/>
                 <a:latin typeface="Calibri"/>
                 <a:ea typeface="Calibri"/>
-                <a:hlinkClick r:id="rId27"/>
+                <a:hlinkClick r:id="rId24"/>
               </a:rPr>
               <a:t>049. </a:t>
             </a:r>
@@ -9417,7 +9000,7 @@
                 <a:uFillTx/>
                 <a:latin typeface="Calibri"/>
                 <a:ea typeface="Calibri"/>
-                <a:hlinkClick r:id="rId27"/>
+                <a:hlinkClick r:id="rId24"/>
               </a:rPr>
               <a:t>I’m</a:t>
             </a:r>
@@ -9429,7 +9012,7 @@
                 <a:uFillTx/>
                 <a:latin typeface="Calibri"/>
                 <a:ea typeface="Calibri"/>
-                <a:hlinkClick r:id="rId27"/>
+                <a:hlinkClick r:id="rId24"/>
               </a:rPr>
               <a:t> </a:t>
             </a:r>
@@ -9441,7 +9024,7 @@
                 <a:uFillTx/>
                 <a:latin typeface="Calibri"/>
                 <a:ea typeface="Calibri"/>
-                <a:hlinkClick r:id="rId27"/>
+                <a:hlinkClick r:id="rId24"/>
               </a:rPr>
               <a:t>thinking</a:t>
             </a:r>
@@ -9453,7 +9036,7 @@
                 <a:uFillTx/>
                 <a:latin typeface="Calibri"/>
                 <a:ea typeface="Calibri"/>
-                <a:hlinkClick r:id="rId27"/>
+                <a:hlinkClick r:id="rId24"/>
               </a:rPr>
               <a:t> </a:t>
             </a:r>
@@ -9465,7 +9048,7 @@
                 <a:uFillTx/>
                 <a:latin typeface="Calibri"/>
                 <a:ea typeface="Calibri"/>
-                <a:hlinkClick r:id="rId27"/>
+                <a:hlinkClick r:id="rId24"/>
               </a:rPr>
               <a:t>about</a:t>
             </a:r>
@@ -9477,7 +9060,7 @@
                 <a:uFillTx/>
                 <a:latin typeface="Calibri"/>
                 <a:ea typeface="Calibri"/>
-                <a:hlinkClick r:id="rId27"/>
+                <a:hlinkClick r:id="rId24"/>
               </a:rPr>
               <a:t>…</a:t>
             </a:r>
@@ -9500,33 +9083,9 @@
                 <a:uFillTx/>
                 <a:latin typeface="Calibri"/>
                 <a:ea typeface="Calibri"/>
-                <a:hlinkClick r:id="rId28"/>
-              </a:rPr>
-              <a:t>050</a:t>
-            </a:r>
-            <a:r>
-              <a:rPr lang="en-US" sz="1200" b="0" u="sng" strike="noStrike" spc="-1" dirty="0">
-                <a:solidFill>
-                  <a:srgbClr val="0563C1"/>
-                </a:solidFill>
-                <a:uFillTx/>
-                <a:latin typeface="Calibri"/>
-                <a:ea typeface="Calibri"/>
-                <a:hlinkClick r:id="rId28"/>
-              </a:rPr>
-              <a:t>. I really go for</a:t>
-            </a:r>
-            <a:r>
-              <a:rPr lang="en-US" sz="1200" b="0" u="sng" strike="noStrike" spc="-1" dirty="0">
-                <a:solidFill>
-                  <a:srgbClr val="0563C1"/>
-                </a:solidFill>
-                <a:uFillTx/>
-                <a:latin typeface="Calibri"/>
-                <a:ea typeface="Calibri"/>
-                <a:hlinkClick r:id="rId28"/>
-              </a:rPr>
-              <a:t>…</a:t>
+                <a:hlinkClick r:id="rId25"/>
+              </a:rPr>
+              <a:t>050. I really go for…</a:t>
             </a:r>
             <a:r>
               <a:rPr lang="en-US" sz="1200" b="0" u="sng" strike="noStrike" spc="-1" dirty="0">
@@ -9574,32 +9133,44 @@
                 <a:uFillTx/>
                 <a:latin typeface="Calibri"/>
                 <a:ea typeface="Calibri"/>
-                <a:hlinkClick r:id="rId29"/>
-              </a:rPr>
-              <a:t>053. It’s my fault for</a:t>
+                <a:hlinkClick r:id="rId26"/>
+              </a:rPr>
+              <a:t>053. It’s my fault for…</a:t>
             </a:r>
             <a:r>
               <a:rPr lang="en-US" sz="1200" b="0" u="sng" strike="noStrike" spc="-1" dirty="0">
                 <a:solidFill>
+                  <a:srgbClr val="000000"/>
+                </a:solidFill>
+                <a:uFillTx/>
+                <a:latin typeface="Calibri"/>
+                <a:ea typeface="Calibri"/>
+              </a:rPr>
+              <a:t>  / </a:t>
+            </a:r>
+            <a:r>
+              <a:rPr lang="pt-BR" sz="1200" b="0" u="sng" strike="noStrike" spc="-1" dirty="0">
+                <a:solidFill>
                   <a:srgbClr val="0563C1"/>
                 </a:solidFill>
                 <a:uFillTx/>
                 <a:latin typeface="Calibri"/>
                 <a:ea typeface="Calibri"/>
-                <a:hlinkClick r:id="rId29"/>
-              </a:rPr>
-              <a:t>…</a:t>
-            </a:r>
-            <a:r>
-              <a:rPr lang="en-US" sz="1200" b="0" u="sng" strike="noStrike" spc="-1" dirty="0">
-                <a:solidFill>
-                  <a:srgbClr val="000000"/>
-                </a:solidFill>
-                <a:uFillTx/>
-                <a:latin typeface="Calibri"/>
-                <a:ea typeface="Calibri"/>
-              </a:rPr>
-              <a:t>  / </a:t>
+                <a:hlinkClick r:id="rId27"/>
+              </a:rPr>
+              <a:t>056. </a:t>
+            </a:r>
+            <a:r>
+              <a:rPr lang="pt-BR" sz="1200" b="0" u="sng" strike="noStrike" spc="-1" dirty="0" err="1">
+                <a:solidFill>
+                  <a:srgbClr val="0563C1"/>
+                </a:solidFill>
+                <a:uFillTx/>
+                <a:latin typeface="Calibri"/>
+                <a:ea typeface="Calibri"/>
+                <a:hlinkClick r:id="rId27"/>
+              </a:rPr>
+              <a:t>It’s</a:t>
             </a:r>
             <a:r>
               <a:rPr lang="pt-BR" sz="1200" b="0" u="sng" strike="noStrike" spc="-1" dirty="0">
@@ -9609,9 +9180,21 @@
                 <a:uFillTx/>
                 <a:latin typeface="Calibri"/>
                 <a:ea typeface="Calibri"/>
-                <a:hlinkClick r:id="rId30"/>
-              </a:rPr>
-              <a:t>056</a:t>
+                <a:hlinkClick r:id="rId27"/>
+              </a:rPr>
+              <a:t> </a:t>
+            </a:r>
+            <a:r>
+              <a:rPr lang="pt-BR" sz="1200" b="0" u="sng" strike="noStrike" spc="-1" dirty="0" err="1">
+                <a:solidFill>
+                  <a:srgbClr val="0563C1"/>
+                </a:solidFill>
+                <a:uFillTx/>
+                <a:latin typeface="Calibri"/>
+                <a:ea typeface="Calibri"/>
+                <a:hlinkClick r:id="rId27"/>
+              </a:rPr>
+              <a:t>said</a:t>
             </a:r>
             <a:r>
               <a:rPr lang="pt-BR" sz="1200" b="0" u="sng" strike="noStrike" spc="-1" dirty="0">
@@ -9621,9 +9204,9 @@
                 <a:uFillTx/>
                 <a:latin typeface="Calibri"/>
                 <a:ea typeface="Calibri"/>
-                <a:hlinkClick r:id="rId30"/>
-              </a:rPr>
-              <a:t>. </a:t>
+                <a:hlinkClick r:id="rId27"/>
+              </a:rPr>
+              <a:t> </a:t>
             </a:r>
             <a:r>
               <a:rPr lang="pt-BR" sz="1200" b="0" u="sng" strike="noStrike" spc="-1" dirty="0" err="1">
@@ -9633,9 +9216,9 @@
                 <a:uFillTx/>
                 <a:latin typeface="Calibri"/>
                 <a:ea typeface="Calibri"/>
-                <a:hlinkClick r:id="rId30"/>
-              </a:rPr>
-              <a:t>It’s</a:t>
+                <a:hlinkClick r:id="rId27"/>
+              </a:rPr>
+              <a:t>that</a:t>
             </a:r>
             <a:r>
               <a:rPr lang="pt-BR" sz="1200" b="0" u="sng" strike="noStrike" spc="-1" dirty="0">
@@ -9645,55 +9228,7 @@
                 <a:uFillTx/>
                 <a:latin typeface="Calibri"/>
                 <a:ea typeface="Calibri"/>
-                <a:hlinkClick r:id="rId30"/>
-              </a:rPr>
-              <a:t> </a:t>
-            </a:r>
-            <a:r>
-              <a:rPr lang="pt-BR" sz="1200" b="0" u="sng" strike="noStrike" spc="-1" dirty="0" err="1">
-                <a:solidFill>
-                  <a:srgbClr val="0563C1"/>
-                </a:solidFill>
-                <a:uFillTx/>
-                <a:latin typeface="Calibri"/>
-                <a:ea typeface="Calibri"/>
-                <a:hlinkClick r:id="rId30"/>
-              </a:rPr>
-              <a:t>said</a:t>
-            </a:r>
-            <a:r>
-              <a:rPr lang="pt-BR" sz="1200" b="0" u="sng" strike="noStrike" spc="-1" dirty="0">
-                <a:solidFill>
-                  <a:srgbClr val="0563C1"/>
-                </a:solidFill>
-                <a:uFillTx/>
-                <a:latin typeface="Calibri"/>
-                <a:ea typeface="Calibri"/>
-                <a:hlinkClick r:id="rId30"/>
-              </a:rPr>
-              <a:t> </a:t>
-            </a:r>
-            <a:r>
-              <a:rPr lang="pt-BR" sz="1200" b="0" u="sng" strike="noStrike" spc="-1" dirty="0" err="1">
-                <a:solidFill>
-                  <a:srgbClr val="0563C1"/>
-                </a:solidFill>
-                <a:uFillTx/>
-                <a:latin typeface="Calibri"/>
-                <a:ea typeface="Calibri"/>
-                <a:hlinkClick r:id="rId30"/>
-              </a:rPr>
-              <a:t>that</a:t>
-            </a:r>
-            <a:r>
-              <a:rPr lang="pt-BR" sz="1200" b="0" u="sng" strike="noStrike" spc="-1" dirty="0">
-                <a:solidFill>
-                  <a:srgbClr val="0563C1"/>
-                </a:solidFill>
-                <a:uFillTx/>
-                <a:latin typeface="Calibri"/>
-                <a:ea typeface="Calibri"/>
-                <a:hlinkClick r:id="rId30"/>
+                <a:hlinkClick r:id="rId27"/>
               </a:rPr>
               <a:t>…</a:t>
             </a:r>
@@ -9732,7 +9267,7 @@
                 <a:uFillTx/>
                 <a:latin typeface="Calibri"/>
                 <a:ea typeface="Calibri"/>
-                <a:hlinkClick r:id="rId31"/>
+                <a:hlinkClick r:id="rId28"/>
               </a:rPr>
               <a:t>057. </a:t>
             </a:r>
@@ -9744,7 +9279,7 @@
                 <a:uFillTx/>
                 <a:latin typeface="Calibri"/>
                 <a:ea typeface="Calibri"/>
-                <a:hlinkClick r:id="rId31"/>
+                <a:hlinkClick r:id="rId28"/>
               </a:rPr>
               <a:t>It’s</a:t>
             </a:r>
@@ -9756,7 +9291,7 @@
                 <a:uFillTx/>
                 <a:latin typeface="Calibri"/>
                 <a:ea typeface="Calibri"/>
-                <a:hlinkClick r:id="rId31"/>
+                <a:hlinkClick r:id="rId28"/>
               </a:rPr>
               <a:t> </a:t>
             </a:r>
@@ -9768,7 +9303,7 @@
                 <a:uFillTx/>
                 <a:latin typeface="Calibri"/>
                 <a:ea typeface="Calibri"/>
-                <a:hlinkClick r:id="rId31"/>
+                <a:hlinkClick r:id="rId28"/>
               </a:rPr>
               <a:t>up</a:t>
             </a:r>
@@ -9780,7 +9315,7 @@
                 <a:uFillTx/>
                 <a:latin typeface="Calibri"/>
                 <a:ea typeface="Calibri"/>
-                <a:hlinkClick r:id="rId31"/>
+                <a:hlinkClick r:id="rId28"/>
               </a:rPr>
               <a:t> </a:t>
             </a:r>
@@ -9792,7 +9327,7 @@
                 <a:uFillTx/>
                 <a:latin typeface="Calibri"/>
                 <a:ea typeface="Calibri"/>
-                <a:hlinkClick r:id="rId31"/>
+                <a:hlinkClick r:id="rId28"/>
               </a:rPr>
               <a:t>to</a:t>
             </a:r>
@@ -9804,7 +9339,7 @@
                 <a:uFillTx/>
                 <a:latin typeface="Calibri"/>
                 <a:ea typeface="Calibri"/>
-                <a:hlinkClick r:id="rId31"/>
+                <a:hlinkClick r:id="rId28"/>
               </a:rPr>
               <a:t>…</a:t>
             </a:r>
@@ -9827,33 +9362,9 @@
                 <a:uFillTx/>
                 <a:latin typeface="Calibri"/>
                 <a:ea typeface="Calibri"/>
-                <a:hlinkClick r:id="rId32"/>
-              </a:rPr>
-              <a:t>059</a:t>
-            </a:r>
-            <a:r>
-              <a:rPr lang="en-US" sz="1200" b="0" u="sng" strike="noStrike" spc="-1" dirty="0">
-                <a:solidFill>
-                  <a:srgbClr val="0563C1"/>
-                </a:solidFill>
-                <a:uFillTx/>
-                <a:latin typeface="Calibri"/>
-                <a:ea typeface="Calibri"/>
-                <a:hlinkClick r:id="rId32"/>
-              </a:rPr>
-              <a:t>. It may surprise you, but</a:t>
-            </a:r>
-            <a:r>
-              <a:rPr lang="en-US" sz="1200" b="0" u="sng" strike="noStrike" spc="-1" dirty="0">
-                <a:solidFill>
-                  <a:srgbClr val="0563C1"/>
-                </a:solidFill>
-                <a:uFillTx/>
-                <a:latin typeface="Calibri"/>
-                <a:ea typeface="Calibri"/>
-                <a:hlinkClick r:id="rId32"/>
-              </a:rPr>
-              <a:t>…</a:t>
+                <a:hlinkClick r:id="rId29"/>
+              </a:rPr>
+              <a:t>059. It may surprise you, but…</a:t>
             </a:r>
             <a:endParaRPr lang="pt-BR" sz="1200" b="0" strike="noStrike" spc="-1" dirty="0">
               <a:latin typeface="Arial"/>
@@ -9901,9 +9412,21 @@
                 <a:uFillTx/>
                 <a:latin typeface="Calibri"/>
                 <a:ea typeface="Calibri"/>
-                <a:hlinkClick r:id="rId33"/>
-              </a:rPr>
-              <a:t>062</a:t>
+                <a:hlinkClick r:id="rId30"/>
+              </a:rPr>
+              <a:t>062. I </a:t>
+            </a:r>
+            <a:r>
+              <a:rPr lang="pt-BR" sz="1200" b="0" u="sng" strike="noStrike" spc="-1" dirty="0" err="1">
+                <a:solidFill>
+                  <a:srgbClr val="0563C1"/>
+                </a:solidFill>
+                <a:uFillTx/>
+                <a:latin typeface="Calibri"/>
+                <a:ea typeface="Calibri"/>
+                <a:hlinkClick r:id="rId30"/>
+              </a:rPr>
+              <a:t>wonder</a:t>
             </a:r>
             <a:r>
               <a:rPr lang="pt-BR" sz="1200" b="0" u="sng" strike="noStrike" spc="-1" dirty="0">
@@ -9913,57 +9436,9 @@
                 <a:uFillTx/>
                 <a:latin typeface="Calibri"/>
                 <a:ea typeface="Calibri"/>
-                <a:hlinkClick r:id="rId33"/>
-              </a:rPr>
-              <a:t>. I </a:t>
-            </a:r>
-            <a:r>
-              <a:rPr lang="pt-BR" sz="1200" b="0" u="sng" strike="noStrike" spc="-1" dirty="0" err="1">
-                <a:solidFill>
-                  <a:srgbClr val="0563C1"/>
-                </a:solidFill>
-                <a:uFillTx/>
-                <a:latin typeface="Calibri"/>
-                <a:ea typeface="Calibri"/>
-                <a:hlinkClick r:id="rId33"/>
-              </a:rPr>
-              <a:t>wonder</a:t>
-            </a:r>
-            <a:r>
-              <a:rPr lang="pt-BR" sz="1200" b="0" u="sng" strike="noStrike" spc="-1" dirty="0">
-                <a:solidFill>
-                  <a:srgbClr val="0563C1"/>
-                </a:solidFill>
-                <a:uFillTx/>
-                <a:latin typeface="Calibri"/>
-                <a:ea typeface="Calibri"/>
-                <a:hlinkClick r:id="rId33"/>
-              </a:rPr>
-              <a:t> </a:t>
-            </a:r>
-            <a:r>
-              <a:rPr lang="pt-BR" sz="1200" b="0" u="sng" strike="noStrike" spc="-1" dirty="0">
-                <a:solidFill>
-                  <a:srgbClr val="0563C1"/>
-                </a:solidFill>
-                <a:uFillTx/>
-                <a:latin typeface="Calibri"/>
-                <a:ea typeface="Calibri"/>
-                <a:hlinkClick r:id="rId33"/>
-              </a:rPr>
-              <a:t>if</a:t>
-            </a:r>
-            <a:r>
-              <a:rPr lang="pt-BR" sz="1200" b="0" u="sng" strike="noStrike" spc="-1" dirty="0">
-                <a:solidFill>
-                  <a:srgbClr val="0563C1"/>
-                </a:solidFill>
-                <a:uFillTx/>
-                <a:latin typeface="Calibri"/>
-                <a:ea typeface="Calibri"/>
-                <a:hlinkClick r:id="rId33"/>
-              </a:rPr>
-              <a:t>…？</a:t>
+                <a:hlinkClick r:id="rId30"/>
+              </a:rPr>
+              <a:t> if…？</a:t>
             </a:r>
             <a:endParaRPr lang="pt-BR" sz="1200" b="0" strike="noStrike" spc="-1" dirty="0">
               <a:latin typeface="Arial"/>
@@ -10000,7 +9475,7 @@
                 <a:uFillTx/>
                 <a:latin typeface="Calibri"/>
                 <a:ea typeface="Calibri"/>
-                <a:hlinkClick r:id="rId34"/>
+                <a:hlinkClick r:id="rId31"/>
               </a:rPr>
               <a:t>065. No </a:t>
             </a:r>
@@ -10012,7 +9487,7 @@
                 <a:uFillTx/>
                 <a:latin typeface="Calibri"/>
                 <a:ea typeface="Calibri"/>
-                <a:hlinkClick r:id="rId34"/>
+                <a:hlinkClick r:id="rId31"/>
               </a:rPr>
               <a:t>wonder</a:t>
             </a:r>
@@ -10024,7 +9499,7 @@
                 <a:uFillTx/>
                 <a:latin typeface="Calibri"/>
                 <a:ea typeface="Calibri"/>
-                <a:hlinkClick r:id="rId34"/>
+                <a:hlinkClick r:id="rId31"/>
               </a:rPr>
               <a:t>…</a:t>
             </a:r>
@@ -10058,7 +9533,7 @@
                 <a:uFillTx/>
                 <a:latin typeface="Calibri"/>
                 <a:ea typeface="Calibri"/>
-                <a:hlinkClick r:id="rId35"/>
+                <a:hlinkClick r:id="rId32"/>
               </a:rPr>
               <a:t>067. </a:t>
             </a:r>
@@ -10070,7 +9545,7 @@
                 <a:uFillTx/>
                 <a:latin typeface="Calibri"/>
                 <a:ea typeface="Calibri"/>
-                <a:hlinkClick r:id="rId35"/>
+                <a:hlinkClick r:id="rId32"/>
               </a:rPr>
               <a:t>Once</a:t>
             </a:r>
@@ -10082,33 +9557,9 @@
                 <a:uFillTx/>
                 <a:latin typeface="Calibri"/>
                 <a:ea typeface="Calibri"/>
-                <a:hlinkClick r:id="rId35"/>
-              </a:rPr>
-              <a:t> </a:t>
-            </a:r>
-            <a:r>
-              <a:rPr lang="pt-BR" sz="1200" b="0" u="sng" strike="noStrike" spc="-1" dirty="0" err="1">
-                <a:solidFill>
-                  <a:srgbClr val="0563C1"/>
-                </a:solidFill>
-                <a:uFillTx/>
-                <a:latin typeface="Calibri"/>
-                <a:ea typeface="Calibri"/>
-                <a:hlinkClick r:id="rId35"/>
-              </a:rPr>
-              <a:t>you</a:t>
-            </a:r>
-            <a:r>
-              <a:rPr lang="pt-BR" sz="1200" b="0" u="sng" strike="noStrike" spc="-1" dirty="0">
-                <a:solidFill>
-                  <a:srgbClr val="0563C1"/>
-                </a:solidFill>
-                <a:uFillTx/>
-                <a:latin typeface="Calibri"/>
-                <a:ea typeface="Calibri"/>
-                <a:hlinkClick r:id="rId35"/>
-              </a:rPr>
-              <a:t>…</a:t>
+                <a:hlinkClick r:id="rId32"/>
+              </a:rPr>
+              <a:t> you…</a:t>
             </a:r>
             <a:r>
               <a:rPr lang="pt-BR" sz="1200" b="0" u="sng" strike="noStrike" spc="-1" dirty="0">
@@ -10156,32 +9607,44 @@
                 <a:uFillTx/>
                 <a:latin typeface="Calibri"/>
                 <a:ea typeface="Calibri"/>
-                <a:hlinkClick r:id="rId36"/>
-              </a:rPr>
-              <a:t>069. On one hand…on the other hand</a:t>
+                <a:hlinkClick r:id="rId33"/>
+              </a:rPr>
+              <a:t>069. On one hand…on the other hand…</a:t>
             </a:r>
             <a:r>
               <a:rPr lang="en-US" sz="1200" b="0" u="sng" strike="noStrike" spc="-1" dirty="0">
                 <a:solidFill>
+                  <a:srgbClr val="000000"/>
+                </a:solidFill>
+                <a:uFillTx/>
+                <a:latin typeface="Calibri"/>
+                <a:ea typeface="Calibri"/>
+              </a:rPr>
+              <a:t> / </a:t>
+            </a:r>
+            <a:r>
+              <a:rPr lang="pt-BR" sz="1200" b="0" u="sng" strike="noStrike" spc="-1" dirty="0">
+                <a:solidFill>
                   <a:srgbClr val="0563C1"/>
                 </a:solidFill>
                 <a:uFillTx/>
                 <a:latin typeface="Calibri"/>
                 <a:ea typeface="Calibri"/>
-                <a:hlinkClick r:id="rId36"/>
-              </a:rPr>
-              <a:t>…</a:t>
-            </a:r>
-            <a:r>
-              <a:rPr lang="en-US" sz="1200" b="0" u="sng" strike="noStrike" spc="-1" dirty="0">
-                <a:solidFill>
-                  <a:srgbClr val="000000"/>
-                </a:solidFill>
-                <a:uFillTx/>
-                <a:latin typeface="Calibri"/>
-                <a:ea typeface="Calibri"/>
-              </a:rPr>
-              <a:t> / </a:t>
+                <a:hlinkClick r:id="rId34"/>
+              </a:rPr>
+              <a:t>070. </a:t>
+            </a:r>
+            <a:r>
+              <a:rPr lang="pt-BR" sz="1200" b="0" u="sng" strike="noStrike" spc="-1" dirty="0" err="1">
+                <a:solidFill>
+                  <a:srgbClr val="0563C1"/>
+                </a:solidFill>
+                <a:uFillTx/>
+                <a:latin typeface="Calibri"/>
+                <a:ea typeface="Calibri"/>
+                <a:hlinkClick r:id="rId34"/>
+              </a:rPr>
+              <a:t>See</a:t>
             </a:r>
             <a:r>
               <a:rPr lang="pt-BR" sz="1200" b="0" u="sng" strike="noStrike" spc="-1" dirty="0">
@@ -10191,9 +9654,21 @@
                 <a:uFillTx/>
                 <a:latin typeface="Calibri"/>
                 <a:ea typeface="Calibri"/>
-                <a:hlinkClick r:id="rId37"/>
-              </a:rPr>
-              <a:t>070</a:t>
+                <a:hlinkClick r:id="rId34"/>
+              </a:rPr>
+              <a:t> </a:t>
+            </a:r>
+            <a:r>
+              <a:rPr lang="pt-BR" sz="1200" b="0" u="sng" strike="noStrike" spc="-1" dirty="0" err="1">
+                <a:solidFill>
+                  <a:srgbClr val="0563C1"/>
+                </a:solidFill>
+                <a:uFillTx/>
+                <a:latin typeface="Calibri"/>
+                <a:ea typeface="Calibri"/>
+                <a:hlinkClick r:id="rId34"/>
+              </a:rPr>
+              <a:t>that</a:t>
             </a:r>
             <a:r>
               <a:rPr lang="pt-BR" sz="1200" b="0" u="sng" strike="noStrike" spc="-1" dirty="0">
@@ -10203,55 +9678,7 @@
                 <a:uFillTx/>
                 <a:latin typeface="Calibri"/>
                 <a:ea typeface="Calibri"/>
-                <a:hlinkClick r:id="rId37"/>
-              </a:rPr>
-              <a:t>. </a:t>
-            </a:r>
-            <a:r>
-              <a:rPr lang="pt-BR" sz="1200" b="0" u="sng" strike="noStrike" spc="-1" dirty="0" err="1">
-                <a:solidFill>
-                  <a:srgbClr val="0563C1"/>
-                </a:solidFill>
-                <a:uFillTx/>
-                <a:latin typeface="Calibri"/>
-                <a:ea typeface="Calibri"/>
-                <a:hlinkClick r:id="rId37"/>
-              </a:rPr>
-              <a:t>See</a:t>
-            </a:r>
-            <a:r>
-              <a:rPr lang="pt-BR" sz="1200" b="0" u="sng" strike="noStrike" spc="-1" dirty="0">
-                <a:solidFill>
-                  <a:srgbClr val="0563C1"/>
-                </a:solidFill>
-                <a:uFillTx/>
-                <a:latin typeface="Calibri"/>
-                <a:ea typeface="Calibri"/>
-                <a:hlinkClick r:id="rId37"/>
-              </a:rPr>
-              <a:t> </a:t>
-            </a:r>
-            <a:r>
-              <a:rPr lang="pt-BR" sz="1200" b="0" u="sng" strike="noStrike" spc="-1" dirty="0" err="1">
-                <a:solidFill>
-                  <a:srgbClr val="0563C1"/>
-                </a:solidFill>
-                <a:uFillTx/>
-                <a:latin typeface="Calibri"/>
-                <a:ea typeface="Calibri"/>
-                <a:hlinkClick r:id="rId37"/>
-              </a:rPr>
-              <a:t>that</a:t>
-            </a:r>
-            <a:r>
-              <a:rPr lang="pt-BR" sz="1200" b="0" u="sng" strike="noStrike" spc="-1" dirty="0">
-                <a:solidFill>
-                  <a:srgbClr val="0563C1"/>
-                </a:solidFill>
-                <a:uFillTx/>
-                <a:latin typeface="Calibri"/>
-                <a:ea typeface="Calibri"/>
-                <a:hlinkClick r:id="rId37"/>
+                <a:hlinkClick r:id="rId34"/>
               </a:rPr>
               <a:t>…</a:t>
             </a:r>
@@ -10334,33 +9761,9 @@
                 <a:uFillTx/>
                 <a:latin typeface="Calibri"/>
                 <a:ea typeface="Calibri"/>
-                <a:hlinkClick r:id="rId38"/>
-              </a:rPr>
-              <a:t>076</a:t>
-            </a:r>
-            <a:r>
-              <a:rPr lang="en-US" sz="1200" b="0" u="sng" strike="noStrike" spc="-1" dirty="0">
-                <a:solidFill>
-                  <a:srgbClr val="0563C1"/>
-                </a:solidFill>
-                <a:uFillTx/>
-                <a:latin typeface="Calibri"/>
-                <a:ea typeface="Calibri"/>
-                <a:hlinkClick r:id="rId38"/>
-              </a:rPr>
-              <a:t>. There is nothing as…as</a:t>
-            </a:r>
-            <a:r>
-              <a:rPr lang="en-US" sz="1200" b="0" u="sng" strike="noStrike" spc="-1" dirty="0">
-                <a:solidFill>
-                  <a:srgbClr val="0563C1"/>
-                </a:solidFill>
-                <a:uFillTx/>
-                <a:latin typeface="Calibri"/>
-                <a:ea typeface="Calibri"/>
-                <a:hlinkClick r:id="rId38"/>
-              </a:rPr>
-              <a:t>…</a:t>
+                <a:hlinkClick r:id="rId35"/>
+              </a:rPr>
+              <a:t>076. There is nothing as…as…</a:t>
             </a:r>
             <a:endParaRPr lang="pt-BR" sz="1200" b="0" strike="noStrike" spc="-1" dirty="0">
               <a:latin typeface="Arial"/>
@@ -10408,7 +9811,7 @@
                 <a:uFillTx/>
                 <a:latin typeface="Calibri"/>
                 <a:ea typeface="Calibri"/>
-                <a:hlinkClick r:id="rId39"/>
+                <a:hlinkClick r:id="rId36"/>
               </a:rPr>
               <a:t>028. How long </a:t>
             </a:r>
@@ -10420,7 +9823,7 @@
                 <a:uFillTx/>
                 <a:latin typeface="Calibri"/>
                 <a:ea typeface="Calibri"/>
-                <a:hlinkClick r:id="rId39"/>
+                <a:hlinkClick r:id="rId36"/>
               </a:rPr>
               <a:t>dit</a:t>
             </a:r>
@@ -10432,21 +9835,9 @@
                 <a:uFillTx/>
                 <a:latin typeface="Calibri"/>
                 <a:ea typeface="Calibri"/>
-                <a:hlinkClick r:id="rId39"/>
-              </a:rPr>
-              <a:t> take</a:t>
-            </a:r>
-            <a:r>
-              <a:rPr lang="en-US" sz="1200" b="0" u="sng" strike="noStrike" spc="-1" dirty="0">
-                <a:solidFill>
-                  <a:srgbClr val="0563C1"/>
-                </a:solidFill>
-                <a:uFillTx/>
-                <a:latin typeface="Calibri"/>
-                <a:ea typeface="Calibri"/>
-                <a:hlinkClick r:id="rId39"/>
-              </a:rPr>
-              <a:t>…?</a:t>
+                <a:hlinkClick r:id="rId36"/>
+              </a:rPr>
+              <a:t> take…?</a:t>
             </a:r>
             <a:endParaRPr lang="pt-BR" sz="1200" b="0" strike="noStrike" spc="-1" dirty="0">
               <a:latin typeface="Arial"/>
@@ -10483,44 +9874,44 @@
                 <a:uFillTx/>
                 <a:latin typeface="Calibri"/>
                 <a:ea typeface="Calibri"/>
-                <a:hlinkClick r:id="rId40"/>
-              </a:rPr>
-              <a:t>082</a:t>
+                <a:hlinkClick r:id="rId37"/>
+              </a:rPr>
+              <a:t>082. What can I do for…？</a:t>
             </a:r>
             <a:r>
               <a:rPr lang="en-US" sz="1200" b="0" u="sng" strike="noStrike" spc="-1" dirty="0">
                 <a:solidFill>
+                  <a:srgbClr val="000000"/>
+                </a:solidFill>
+                <a:uFillTx/>
+                <a:latin typeface="Calibri"/>
+                <a:ea typeface="Calibri"/>
+              </a:rPr>
+              <a:t>/ </a:t>
+            </a:r>
+            <a:r>
+              <a:rPr lang="pt-BR" sz="1200" b="0" u="sng" strike="noStrike" spc="-1" dirty="0">
+                <a:solidFill>
                   <a:srgbClr val="0563C1"/>
                 </a:solidFill>
                 <a:uFillTx/>
                 <a:latin typeface="Calibri"/>
                 <a:ea typeface="Calibri"/>
-                <a:hlinkClick r:id="rId40"/>
-              </a:rPr>
-              <a:t>. What can I do for</a:t>
-            </a:r>
-            <a:r>
-              <a:rPr lang="en-US" sz="1200" b="0" u="sng" strike="noStrike" spc="-1" dirty="0">
+                <a:hlinkClick r:id="rId38"/>
+              </a:rPr>
+              <a:t>044. </a:t>
+            </a:r>
+            <a:r>
+              <a:rPr lang="pt-BR" sz="1200" b="0" u="sng" strike="noStrike" spc="-1" dirty="0" err="1">
                 <a:solidFill>
                   <a:srgbClr val="0563C1"/>
                 </a:solidFill>
                 <a:uFillTx/>
                 <a:latin typeface="Calibri"/>
                 <a:ea typeface="Calibri"/>
-                <a:hlinkClick r:id="rId40"/>
-              </a:rPr>
-              <a:t>…？</a:t>
-            </a:r>
-            <a:r>
-              <a:rPr lang="en-US" sz="1200" b="0" u="sng" strike="noStrike" spc="-1" dirty="0">
-                <a:solidFill>
-                  <a:srgbClr val="000000"/>
-                </a:solidFill>
-                <a:uFillTx/>
-                <a:latin typeface="Calibri"/>
-                <a:ea typeface="Calibri"/>
-              </a:rPr>
-              <a:t>/ </a:t>
+                <a:hlinkClick r:id="rId38"/>
+              </a:rPr>
+              <a:t>I’d</a:t>
             </a:r>
             <a:r>
               <a:rPr lang="pt-BR" sz="1200" b="0" u="sng" strike="noStrike" spc="-1" dirty="0">
@@ -10530,9 +9921,21 @@
                 <a:uFillTx/>
                 <a:latin typeface="Calibri"/>
                 <a:ea typeface="Calibri"/>
-                <a:hlinkClick r:id="rId41"/>
-              </a:rPr>
-              <a:t>044</a:t>
+                <a:hlinkClick r:id="rId38"/>
+              </a:rPr>
+              <a:t> </a:t>
+            </a:r>
+            <a:r>
+              <a:rPr lang="pt-BR" sz="1200" b="0" u="sng" strike="noStrike" spc="-1" dirty="0" err="1">
+                <a:solidFill>
+                  <a:srgbClr val="0563C1"/>
+                </a:solidFill>
+                <a:uFillTx/>
+                <a:latin typeface="Calibri"/>
+                <a:ea typeface="Calibri"/>
+                <a:hlinkClick r:id="rId38"/>
+              </a:rPr>
+              <a:t>be</a:t>
             </a:r>
             <a:r>
               <a:rPr lang="pt-BR" sz="1200" b="0" u="sng" strike="noStrike" spc="-1" dirty="0">
@@ -10542,9 +9945,9 @@
                 <a:uFillTx/>
                 <a:latin typeface="Calibri"/>
                 <a:ea typeface="Calibri"/>
-                <a:hlinkClick r:id="rId41"/>
-              </a:rPr>
-              <a:t>. </a:t>
+                <a:hlinkClick r:id="rId38"/>
+              </a:rPr>
+              <a:t> </a:t>
             </a:r>
             <a:r>
               <a:rPr lang="pt-BR" sz="1200" b="0" u="sng" strike="noStrike" spc="-1" dirty="0" err="1">
@@ -10554,9 +9957,9 @@
                 <a:uFillTx/>
                 <a:latin typeface="Calibri"/>
                 <a:ea typeface="Calibri"/>
-                <a:hlinkClick r:id="rId41"/>
-              </a:rPr>
-              <a:t>I’d</a:t>
+                <a:hlinkClick r:id="rId38"/>
+              </a:rPr>
+              <a:t>grateful</a:t>
             </a:r>
             <a:r>
               <a:rPr lang="pt-BR" sz="1200" b="0" u="sng" strike="noStrike" spc="-1" dirty="0">
@@ -10566,55 +9969,7 @@
                 <a:uFillTx/>
                 <a:latin typeface="Calibri"/>
                 <a:ea typeface="Calibri"/>
-                <a:hlinkClick r:id="rId41"/>
-              </a:rPr>
-              <a:t> </a:t>
-            </a:r>
-            <a:r>
-              <a:rPr lang="pt-BR" sz="1200" b="0" u="sng" strike="noStrike" spc="-1" dirty="0" err="1">
-                <a:solidFill>
-                  <a:srgbClr val="0563C1"/>
-                </a:solidFill>
-                <a:uFillTx/>
-                <a:latin typeface="Calibri"/>
-                <a:ea typeface="Calibri"/>
-                <a:hlinkClick r:id="rId41"/>
-              </a:rPr>
-              <a:t>be</a:t>
-            </a:r>
-            <a:r>
-              <a:rPr lang="pt-BR" sz="1200" b="0" u="sng" strike="noStrike" spc="-1" dirty="0">
-                <a:solidFill>
-                  <a:srgbClr val="0563C1"/>
-                </a:solidFill>
-                <a:uFillTx/>
-                <a:latin typeface="Calibri"/>
-                <a:ea typeface="Calibri"/>
-                <a:hlinkClick r:id="rId41"/>
-              </a:rPr>
-              <a:t> </a:t>
-            </a:r>
-            <a:r>
-              <a:rPr lang="pt-BR" sz="1200" b="0" u="sng" strike="noStrike" spc="-1" dirty="0" err="1">
-                <a:solidFill>
-                  <a:srgbClr val="0563C1"/>
-                </a:solidFill>
-                <a:uFillTx/>
-                <a:latin typeface="Calibri"/>
-                <a:ea typeface="Calibri"/>
-                <a:hlinkClick r:id="rId41"/>
-              </a:rPr>
-              <a:t>grateful</a:t>
-            </a:r>
-            <a:r>
-              <a:rPr lang="pt-BR" sz="1200" b="0" u="sng" strike="noStrike" spc="-1" dirty="0">
-                <a:solidFill>
-                  <a:srgbClr val="0563C1"/>
-                </a:solidFill>
-                <a:uFillTx/>
-                <a:latin typeface="Calibri"/>
-                <a:ea typeface="Calibri"/>
-                <a:hlinkClick r:id="rId41"/>
+                <a:hlinkClick r:id="rId38"/>
               </a:rPr>
               <a:t>…</a:t>
             </a:r>
@@ -10653,68 +10008,32 @@
                 <a:uFillTx/>
                 <a:latin typeface="Calibri"/>
                 <a:ea typeface="Calibri"/>
-                <a:hlinkClick r:id="rId42"/>
-              </a:rPr>
-              <a:t>085. What do you </a:t>
+                <a:hlinkClick r:id="rId39"/>
+              </a:rPr>
+              <a:t>085. What do you say about?</a:t>
             </a:r>
             <a:r>
               <a:rPr lang="en-US" sz="1200" b="0" u="sng" strike="noStrike" spc="-1" dirty="0">
                 <a:solidFill>
+                  <a:srgbClr val="000000"/>
+                </a:solidFill>
+                <a:uFillTx/>
+                <a:latin typeface="Calibri"/>
+                <a:ea typeface="Calibri"/>
+              </a:rPr>
+              <a:t> / </a:t>
+            </a:r>
+            <a:r>
+              <a:rPr lang="en-US" sz="1200" b="0" u="sng" strike="noStrike" spc="-1" dirty="0">
+                <a:solidFill>
                   <a:srgbClr val="0563C1"/>
                 </a:solidFill>
                 <a:uFillTx/>
                 <a:latin typeface="Calibri"/>
                 <a:ea typeface="Calibri"/>
-                <a:hlinkClick r:id="rId42"/>
-              </a:rPr>
-              <a:t>say about?</a:t>
-            </a:r>
-            <a:r>
-              <a:rPr lang="en-US" sz="1200" b="0" u="sng" strike="noStrike" spc="-1" dirty="0">
-                <a:solidFill>
-                  <a:srgbClr val="000000"/>
-                </a:solidFill>
-                <a:uFillTx/>
-                <a:latin typeface="Calibri"/>
-                <a:ea typeface="Calibri"/>
-              </a:rPr>
-              <a:t> / </a:t>
-            </a:r>
-            <a:r>
-              <a:rPr lang="en-US" sz="1200" b="0" u="sng" strike="noStrike" spc="-1" dirty="0">
-                <a:solidFill>
-                  <a:srgbClr val="0563C1"/>
-                </a:solidFill>
-                <a:uFillTx/>
-                <a:latin typeface="Calibri"/>
-                <a:ea typeface="Calibri"/>
-                <a:hlinkClick r:id="rId43"/>
-              </a:rPr>
-              <a:t>088</a:t>
-            </a:r>
-            <a:r>
-              <a:rPr lang="en-US" sz="1200" b="0" u="sng" strike="noStrike" spc="-1" dirty="0">
-                <a:solidFill>
-                  <a:srgbClr val="0563C1"/>
-                </a:solidFill>
-                <a:uFillTx/>
-                <a:latin typeface="Calibri"/>
-                <a:ea typeface="Calibri"/>
-                <a:hlinkClick r:id="rId43"/>
-              </a:rPr>
-              <a:t>. What I’m trying to say is</a:t>
-            </a:r>
-            <a:r>
-              <a:rPr lang="en-US" sz="1200" b="0" u="sng" strike="noStrike" spc="-1" dirty="0">
-                <a:solidFill>
-                  <a:srgbClr val="0563C1"/>
-                </a:solidFill>
-                <a:uFillTx/>
-                <a:latin typeface="Calibri"/>
-                <a:ea typeface="Calibri"/>
-                <a:hlinkClick r:id="rId43"/>
-              </a:rPr>
-              <a:t>…</a:t>
+                <a:hlinkClick r:id="rId40"/>
+              </a:rPr>
+              <a:t>088. What I’m trying to say is…</a:t>
             </a:r>
             <a:endParaRPr lang="pt-BR" sz="1200" b="0" strike="noStrike" spc="-1" dirty="0">
               <a:latin typeface="Arial"/>
@@ -10751,68 +10070,32 @@
                 <a:uFillTx/>
                 <a:latin typeface="Calibri"/>
                 <a:ea typeface="Calibri"/>
-                <a:hlinkClick r:id="rId44"/>
-              </a:rPr>
-              <a:t>089. What’s </a:t>
+                <a:hlinkClick r:id="rId41"/>
+              </a:rPr>
+              <a:t>089. What’s the matter with?</a:t>
             </a:r>
             <a:r>
               <a:rPr lang="en-US" sz="1200" b="0" u="sng" strike="noStrike" spc="-1" dirty="0">
                 <a:solidFill>
+                  <a:srgbClr val="000000"/>
+                </a:solidFill>
+                <a:uFillTx/>
+                <a:latin typeface="Calibri"/>
+                <a:ea typeface="Calibri"/>
+              </a:rPr>
+              <a:t> / </a:t>
+            </a:r>
+            <a:r>
+              <a:rPr lang="en-US" sz="1200" b="0" u="sng" strike="noStrike" spc="-1" dirty="0">
+                <a:solidFill>
                   <a:srgbClr val="0563C1"/>
                 </a:solidFill>
                 <a:uFillTx/>
                 <a:latin typeface="Calibri"/>
                 <a:ea typeface="Calibri"/>
-                <a:hlinkClick r:id="rId44"/>
-              </a:rPr>
-              <a:t>the matter with?</a:t>
-            </a:r>
-            <a:r>
-              <a:rPr lang="en-US" sz="1200" b="0" u="sng" strike="noStrike" spc="-1" dirty="0">
-                <a:solidFill>
-                  <a:srgbClr val="000000"/>
-                </a:solidFill>
-                <a:uFillTx/>
-                <a:latin typeface="Calibri"/>
-                <a:ea typeface="Calibri"/>
-              </a:rPr>
-              <a:t> / </a:t>
-            </a:r>
-            <a:r>
-              <a:rPr lang="en-US" sz="1200" b="0" u="sng" strike="noStrike" spc="-1" dirty="0">
-                <a:solidFill>
-                  <a:srgbClr val="0563C1"/>
-                </a:solidFill>
-                <a:uFillTx/>
-                <a:latin typeface="Calibri"/>
-                <a:ea typeface="Calibri"/>
-                <a:hlinkClick r:id="rId45"/>
-              </a:rPr>
-              <a:t>091</a:t>
-            </a:r>
-            <a:r>
-              <a:rPr lang="en-US" sz="1200" b="0" u="sng" strike="noStrike" spc="-1" dirty="0">
-                <a:solidFill>
-                  <a:srgbClr val="0563C1"/>
-                </a:solidFill>
-                <a:uFillTx/>
-                <a:latin typeface="Calibri"/>
-                <a:ea typeface="Calibri"/>
-                <a:hlinkClick r:id="rId45"/>
-              </a:rPr>
-              <a:t>. What’s the use of</a:t>
-            </a:r>
-            <a:r>
-              <a:rPr lang="en-US" sz="1200" b="0" u="sng" strike="noStrike" spc="-1" dirty="0">
-                <a:solidFill>
-                  <a:srgbClr val="0563C1"/>
-                </a:solidFill>
-                <a:uFillTx/>
-                <a:latin typeface="Calibri"/>
-                <a:ea typeface="Calibri"/>
-                <a:hlinkClick r:id="rId45"/>
-              </a:rPr>
-              <a:t>…?</a:t>
+                <a:hlinkClick r:id="rId42"/>
+              </a:rPr>
+              <a:t>091. What’s the use of…?</a:t>
             </a:r>
             <a:r>
               <a:rPr lang="en-US" sz="1200" b="0" u="sng" strike="noStrike" spc="-1" dirty="0">
@@ -10860,9 +10143,21 @@
                 <a:uFillTx/>
                 <a:latin typeface="Calibri"/>
                 <a:ea typeface="Calibri"/>
-                <a:hlinkClick r:id="rId46"/>
-              </a:rPr>
-              <a:t>096</a:t>
+                <a:hlinkClick r:id="rId43"/>
+              </a:rPr>
+              <a:t>096. </a:t>
+            </a:r>
+            <a:r>
+              <a:rPr lang="pt-BR" sz="1200" b="0" u="sng" strike="noStrike" spc="-1" dirty="0" err="1">
+                <a:solidFill>
+                  <a:srgbClr val="0563C1"/>
+                </a:solidFill>
+                <a:uFillTx/>
+                <a:latin typeface="Calibri"/>
+                <a:ea typeface="Calibri"/>
+                <a:hlinkClick r:id="rId43"/>
+              </a:rPr>
+              <a:t>Why</a:t>
             </a:r>
             <a:r>
               <a:rPr lang="pt-BR" sz="1200" b="0" u="sng" strike="noStrike" spc="-1" dirty="0">
@@ -10872,9 +10167,32 @@
                 <a:uFillTx/>
                 <a:latin typeface="Calibri"/>
                 <a:ea typeface="Calibri"/>
-                <a:hlinkClick r:id="rId46"/>
-              </a:rPr>
-              <a:t>. </a:t>
+                <a:hlinkClick r:id="rId43"/>
+              </a:rPr>
+              <a:t> not…?</a:t>
+            </a:r>
+            <a:r>
+              <a:rPr lang="pt-BR" sz="1200" b="0" u="sng" strike="noStrike" spc="-1" dirty="0">
+                <a:solidFill>
+                  <a:srgbClr val="000000"/>
+                </a:solidFill>
+                <a:uFillTx/>
+                <a:latin typeface="Calibri"/>
+                <a:ea typeface="Calibri"/>
+              </a:rPr>
+              <a:t> / </a:t>
+            </a:r>
+            <a:r>
+              <a:rPr lang="pt-BR" sz="1200" b="0" u="sng" strike="noStrike" spc="-1" dirty="0">
+                <a:solidFill>
+                  <a:srgbClr val="0563C1"/>
+                </a:solidFill>
+                <a:uFillTx/>
+                <a:latin typeface="Calibri"/>
+                <a:ea typeface="Calibri"/>
+                <a:hlinkClick r:id="rId44"/>
+              </a:rPr>
+              <a:t>071. </a:t>
             </a:r>
             <a:r>
               <a:rPr lang="pt-BR" sz="1200" b="0" u="sng" strike="noStrike" spc="-1" dirty="0" err="1">
@@ -10884,9 +10202,9 @@
                 <a:uFillTx/>
                 <a:latin typeface="Calibri"/>
                 <a:ea typeface="Calibri"/>
-                <a:hlinkClick r:id="rId46"/>
-              </a:rPr>
-              <a:t>Why</a:t>
+                <a:hlinkClick r:id="rId44"/>
+              </a:rPr>
+              <a:t>Speaking</a:t>
             </a:r>
             <a:r>
               <a:rPr lang="pt-BR" sz="1200" b="0" u="sng" strike="noStrike" spc="-1" dirty="0">
@@ -10896,11 +10214,23 @@
                 <a:uFillTx/>
                 <a:latin typeface="Calibri"/>
                 <a:ea typeface="Calibri"/>
-                <a:hlinkClick r:id="rId46"/>
+                <a:hlinkClick r:id="rId44"/>
               </a:rPr>
               <a:t> </a:t>
             </a:r>
             <a:r>
+              <a:rPr lang="pt-BR" sz="1200" b="0" u="sng" strike="noStrike" spc="-1" dirty="0" err="1">
+                <a:solidFill>
+                  <a:srgbClr val="0563C1"/>
+                </a:solidFill>
+                <a:uFillTx/>
+                <a:latin typeface="Calibri"/>
+                <a:ea typeface="Calibri"/>
+                <a:hlinkClick r:id="rId44"/>
+              </a:rPr>
+              <a:t>of</a:t>
+            </a:r>
+            <a:r>
               <a:rPr lang="pt-BR" sz="1200" b="0" u="sng" strike="noStrike" spc="-1" dirty="0">
                 <a:solidFill>
                   <a:srgbClr val="0563C1"/>
@@ -10908,90 +10238,7 @@
                 <a:uFillTx/>
                 <a:latin typeface="Calibri"/>
                 <a:ea typeface="Calibri"/>
-                <a:hlinkClick r:id="rId46"/>
-              </a:rPr>
-              <a:t>not</a:t>
-            </a:r>
-            <a:r>
-              <a:rPr lang="pt-BR" sz="1200" b="0" u="sng" strike="noStrike" spc="-1" dirty="0">
-                <a:solidFill>
-                  <a:srgbClr val="0563C1"/>
-                </a:solidFill>
-                <a:uFillTx/>
-                <a:latin typeface="Calibri"/>
-                <a:ea typeface="Calibri"/>
-                <a:hlinkClick r:id="rId46"/>
-              </a:rPr>
-              <a:t>…?</a:t>
-            </a:r>
-            <a:r>
-              <a:rPr lang="pt-BR" sz="1200" b="0" u="sng" strike="noStrike" spc="-1" dirty="0">
-                <a:solidFill>
-                  <a:srgbClr val="000000"/>
-                </a:solidFill>
-                <a:uFillTx/>
-                <a:latin typeface="Calibri"/>
-                <a:ea typeface="Calibri"/>
-              </a:rPr>
-              <a:t> / </a:t>
-            </a:r>
-            <a:r>
-              <a:rPr lang="pt-BR" sz="1200" b="0" u="sng" strike="noStrike" spc="-1" dirty="0">
-                <a:solidFill>
-                  <a:srgbClr val="0563C1"/>
-                </a:solidFill>
-                <a:uFillTx/>
-                <a:latin typeface="Calibri"/>
-                <a:ea typeface="Calibri"/>
-                <a:hlinkClick r:id="rId47"/>
-              </a:rPr>
-              <a:t>071. </a:t>
-            </a:r>
-            <a:r>
-              <a:rPr lang="pt-BR" sz="1200" b="0" u="sng" strike="noStrike" spc="-1" dirty="0" err="1">
-                <a:solidFill>
-                  <a:srgbClr val="0563C1"/>
-                </a:solidFill>
-                <a:uFillTx/>
-                <a:latin typeface="Calibri"/>
-                <a:ea typeface="Calibri"/>
-                <a:hlinkClick r:id="rId47"/>
-              </a:rPr>
-              <a:t>Speaking</a:t>
-            </a:r>
-            <a:r>
-              <a:rPr lang="pt-BR" sz="1200" b="0" u="sng" strike="noStrike" spc="-1" dirty="0">
-                <a:solidFill>
-                  <a:srgbClr val="0563C1"/>
-                </a:solidFill>
-                <a:uFillTx/>
-                <a:latin typeface="Calibri"/>
-                <a:ea typeface="Calibri"/>
-                <a:hlinkClick r:id="rId47"/>
-              </a:rPr>
-              <a:t> </a:t>
-            </a:r>
-            <a:r>
-              <a:rPr lang="pt-BR" sz="1200" b="0" u="sng" strike="noStrike" spc="-1" dirty="0" err="1">
-                <a:solidFill>
-                  <a:srgbClr val="0563C1"/>
-                </a:solidFill>
-                <a:uFillTx/>
-                <a:latin typeface="Calibri"/>
-                <a:ea typeface="Calibri"/>
-                <a:hlinkClick r:id="rId47"/>
-              </a:rPr>
-              <a:t>of</a:t>
-            </a:r>
-            <a:r>
-              <a:rPr lang="pt-BR" sz="1200" b="0" u="sng" strike="noStrike" spc="-1" dirty="0">
-                <a:solidFill>
-                  <a:srgbClr val="0563C1"/>
-                </a:solidFill>
-                <a:uFillTx/>
-                <a:latin typeface="Calibri"/>
-                <a:ea typeface="Calibri"/>
-                <a:hlinkClick r:id="rId47"/>
+                <a:hlinkClick r:id="rId44"/>
               </a:rPr>
               <a:t>…</a:t>
             </a:r>
@@ -11034,347 +10281,6 @@
           </a:p>
         </p:txBody>
       </p:sp>
-      <p:graphicFrame>
-        <p:nvGraphicFramePr>
-          <p:cNvPr id="88" name="Table 3"/>
-          <p:cNvGraphicFramePr/>
-          <p:nvPr/>
-        </p:nvGraphicFramePr>
-        <p:xfrm>
-          <a:off x="-3104640" y="550800"/>
-          <a:ext cx="2552760" cy="1830600"/>
-        </p:xfrm>
-        <a:graphic>
-          <a:graphicData uri="http://schemas.openxmlformats.org/drawingml/2006/table">
-            <a:tbl>
-              <a:tblPr/>
-              <a:tblGrid>
-                <a:gridCol w="2552760">
-                  <a:extLst>
-                    <a:ext uri="{9D8B030D-6E8A-4147-A177-3AD203B41FA5}">
-                      <a16:colId xmlns:a16="http://schemas.microsoft.com/office/drawing/2014/main" val="20000"/>
-                    </a:ext>
-                  </a:extLst>
-                </a:gridCol>
-              </a:tblGrid>
-              <a:tr h="366120">
-                <a:tc>
-                  <a:txBody>
-                    <a:bodyPr/>
-                    <a:lstStyle/>
-                    <a:p>
-                      <a:endParaRPr lang="pt-BR"/>
-                    </a:p>
-                  </a:txBody>
-                  <a:tcPr marL="45720" marR="45720">
-                    <a:lnL w="9360">
-                      <a:solidFill>
-                        <a:srgbClr val="FFFCFA"/>
-                      </a:solidFill>
-                    </a:lnL>
-                    <a:lnR w="9360">
-                      <a:solidFill>
-                        <a:srgbClr val="FFFCFA"/>
-                      </a:solidFill>
-                    </a:lnR>
-                    <a:lnT w="9360">
-                      <a:solidFill>
-                        <a:srgbClr val="FFFCFA"/>
-                      </a:solidFill>
-                    </a:lnT>
-                    <a:lnB w="9360">
-                      <a:solidFill>
-                        <a:srgbClr val="FFFCFA"/>
-                      </a:solidFill>
-                    </a:lnB>
-                    <a:solidFill>
-                      <a:srgbClr val="FFFFFF"/>
-                    </a:solidFill>
-                  </a:tcPr>
-                </a:tc>
-                <a:extLst>
-                  <a:ext uri="{0D108BD9-81ED-4DB2-BD59-A6C34878D82A}">
-                    <a16:rowId xmlns:a16="http://schemas.microsoft.com/office/drawing/2014/main" val="10000"/>
-                  </a:ext>
-                </a:extLst>
-              </a:tr>
-              <a:tr h="366120">
-                <a:tc>
-                  <a:txBody>
-                    <a:bodyPr/>
-                    <a:lstStyle/>
-                    <a:p>
-                      <a:endParaRPr lang="pt-BR"/>
-                    </a:p>
-                  </a:txBody>
-                  <a:tcPr marL="45720" marR="45720">
-                    <a:lnL w="9360">
-                      <a:solidFill>
-                        <a:srgbClr val="FFFCFA"/>
-                      </a:solidFill>
-                    </a:lnL>
-                    <a:lnR w="9360">
-                      <a:solidFill>
-                        <a:srgbClr val="FFFCFA"/>
-                      </a:solidFill>
-                    </a:lnR>
-                    <a:lnT w="9360">
-                      <a:solidFill>
-                        <a:srgbClr val="FFFCFA"/>
-                      </a:solidFill>
-                    </a:lnT>
-                    <a:lnB w="9360">
-                      <a:solidFill>
-                        <a:srgbClr val="FFFCFA"/>
-                      </a:solidFill>
-                    </a:lnB>
-                    <a:solidFill>
-                      <a:srgbClr val="FFFFFF"/>
-                    </a:solidFill>
-                  </a:tcPr>
-                </a:tc>
-                <a:extLst>
-                  <a:ext uri="{0D108BD9-81ED-4DB2-BD59-A6C34878D82A}">
-                    <a16:rowId xmlns:a16="http://schemas.microsoft.com/office/drawing/2014/main" val="10001"/>
-                  </a:ext>
-                </a:extLst>
-              </a:tr>
-              <a:tr h="366120">
-                <a:tc>
-                  <a:txBody>
-                    <a:bodyPr/>
-                    <a:lstStyle/>
-                    <a:p>
-                      <a:endParaRPr lang="pt-BR"/>
-                    </a:p>
-                  </a:txBody>
-                  <a:tcPr marL="45720" marR="45720">
-                    <a:lnL w="9360">
-                      <a:solidFill>
-                        <a:srgbClr val="FFFCFA"/>
-                      </a:solidFill>
-                    </a:lnL>
-                    <a:lnR w="9360">
-                      <a:solidFill>
-                        <a:srgbClr val="FFFCFA"/>
-                      </a:solidFill>
-                    </a:lnR>
-                    <a:lnT w="9360">
-                      <a:solidFill>
-                        <a:srgbClr val="FFFCFA"/>
-                      </a:solidFill>
-                    </a:lnT>
-                    <a:lnB w="9360">
-                      <a:solidFill>
-                        <a:srgbClr val="FFFCFA"/>
-                      </a:solidFill>
-                    </a:lnB>
-                    <a:solidFill>
-                      <a:srgbClr val="FFFFFF"/>
-                    </a:solidFill>
-                  </a:tcPr>
-                </a:tc>
-                <a:extLst>
-                  <a:ext uri="{0D108BD9-81ED-4DB2-BD59-A6C34878D82A}">
-                    <a16:rowId xmlns:a16="http://schemas.microsoft.com/office/drawing/2014/main" val="10002"/>
-                  </a:ext>
-                </a:extLst>
-              </a:tr>
-              <a:tr h="366120">
-                <a:tc>
-                  <a:txBody>
-                    <a:bodyPr/>
-                    <a:lstStyle/>
-                    <a:p>
-                      <a:endParaRPr lang="pt-BR"/>
-                    </a:p>
-                  </a:txBody>
-                  <a:tcPr marL="45720" marR="45720">
-                    <a:lnL w="9360">
-                      <a:solidFill>
-                        <a:srgbClr val="FFFCFA"/>
-                      </a:solidFill>
-                    </a:lnL>
-                    <a:lnR w="9360">
-                      <a:solidFill>
-                        <a:srgbClr val="FFFCFA"/>
-                      </a:solidFill>
-                    </a:lnR>
-                    <a:lnT w="9360">
-                      <a:solidFill>
-                        <a:srgbClr val="FFFCFA"/>
-                      </a:solidFill>
-                    </a:lnT>
-                    <a:lnB w="9360">
-                      <a:solidFill>
-                        <a:srgbClr val="FFFCFA"/>
-                      </a:solidFill>
-                    </a:lnB>
-                    <a:solidFill>
-                      <a:srgbClr val="FFFFFF"/>
-                    </a:solidFill>
-                  </a:tcPr>
-                </a:tc>
-                <a:extLst>
-                  <a:ext uri="{0D108BD9-81ED-4DB2-BD59-A6C34878D82A}">
-                    <a16:rowId xmlns:a16="http://schemas.microsoft.com/office/drawing/2014/main" val="10003"/>
-                  </a:ext>
-                </a:extLst>
-              </a:tr>
-              <a:tr h="366120">
-                <a:tc>
-                  <a:txBody>
-                    <a:bodyPr/>
-                    <a:lstStyle/>
-                    <a:p>
-                      <a:endParaRPr lang="pt-BR"/>
-                    </a:p>
-                  </a:txBody>
-                  <a:tcPr marL="45720" marR="45720">
-                    <a:lnL w="9360">
-                      <a:solidFill>
-                        <a:srgbClr val="FFFCFA"/>
-                      </a:solidFill>
-                    </a:lnL>
-                    <a:lnR w="9360">
-                      <a:solidFill>
-                        <a:srgbClr val="FFFCFA"/>
-                      </a:solidFill>
-                    </a:lnR>
-                    <a:lnT w="9360">
-                      <a:solidFill>
-                        <a:srgbClr val="FFFCFA"/>
-                      </a:solidFill>
-                    </a:lnT>
-                    <a:lnB w="9360">
-                      <a:solidFill>
-                        <a:srgbClr val="FFFCFA"/>
-                      </a:solidFill>
-                    </a:lnB>
-                    <a:solidFill>
-                      <a:srgbClr val="FFFFFF"/>
-                    </a:solidFill>
-                  </a:tcPr>
-                </a:tc>
-                <a:extLst>
-                  <a:ext uri="{0D108BD9-81ED-4DB2-BD59-A6C34878D82A}">
-                    <a16:rowId xmlns:a16="http://schemas.microsoft.com/office/drawing/2014/main" val="10004"/>
-                  </a:ext>
-                </a:extLst>
-              </a:tr>
-            </a:tbl>
-          </a:graphicData>
-        </a:graphic>
-      </p:graphicFrame>
-      <p:graphicFrame>
-        <p:nvGraphicFramePr>
-          <p:cNvPr id="89" name="Table 4"/>
-          <p:cNvGraphicFramePr/>
-          <p:nvPr/>
-        </p:nvGraphicFramePr>
-        <p:xfrm>
-          <a:off x="-2678400" y="626040"/>
-          <a:ext cx="2237040" cy="732240"/>
-        </p:xfrm>
-        <a:graphic>
-          <a:graphicData uri="http://schemas.openxmlformats.org/drawingml/2006/table">
-            <a:tbl>
-              <a:tblPr/>
-              <a:tblGrid>
-                <a:gridCol w="2237040">
-                  <a:extLst>
-                    <a:ext uri="{9D8B030D-6E8A-4147-A177-3AD203B41FA5}">
-                      <a16:colId xmlns:a16="http://schemas.microsoft.com/office/drawing/2014/main" val="20000"/>
-                    </a:ext>
-                  </a:extLst>
-                </a:gridCol>
-              </a:tblGrid>
-              <a:tr h="366120">
-                <a:tc>
-                  <a:txBody>
-                    <a:bodyPr/>
-                    <a:lstStyle/>
-                    <a:p>
-                      <a:endParaRPr lang="pt-BR"/>
-                    </a:p>
-                  </a:txBody>
-                  <a:tcPr marL="45720" marR="45720">
-                    <a:lnL w="9360">
-                      <a:solidFill>
-                        <a:srgbClr val="FFFCFA"/>
-                      </a:solidFill>
-                    </a:lnL>
-                    <a:lnR w="9360">
-                      <a:solidFill>
-                        <a:srgbClr val="FFFCFA"/>
-                      </a:solidFill>
-                    </a:lnR>
-                    <a:lnT w="9360">
-                      <a:solidFill>
-                        <a:srgbClr val="FFFCFA"/>
-                      </a:solidFill>
-                    </a:lnT>
-                    <a:lnB w="9360">
-                      <a:solidFill>
-                        <a:srgbClr val="FFFCFA"/>
-                      </a:solidFill>
-                    </a:lnB>
-                    <a:solidFill>
-                      <a:srgbClr val="FFFFFF"/>
-                    </a:solidFill>
-                  </a:tcPr>
-                </a:tc>
-                <a:extLst>
-                  <a:ext uri="{0D108BD9-81ED-4DB2-BD59-A6C34878D82A}">
-                    <a16:rowId xmlns:a16="http://schemas.microsoft.com/office/drawing/2014/main" val="10000"/>
-                  </a:ext>
-                </a:extLst>
-              </a:tr>
-              <a:tr h="366120">
-                <a:tc>
-                  <a:txBody>
-                    <a:bodyPr/>
-                    <a:lstStyle/>
-                    <a:p>
-                      <a:endParaRPr lang="pt-BR"/>
-                    </a:p>
-                  </a:txBody>
-                  <a:tcPr marL="45720" marR="45720">
-                    <a:lnL w="9360">
-                      <a:solidFill>
-                        <a:srgbClr val="FFFCFA"/>
-                      </a:solidFill>
-                    </a:lnL>
-                    <a:lnR w="9360">
-                      <a:solidFill>
-                        <a:srgbClr val="FFFCFA"/>
-                      </a:solidFill>
-                    </a:lnR>
-                    <a:lnT w="9360">
-                      <a:solidFill>
-                        <a:srgbClr val="FFFCFA"/>
-                      </a:solidFill>
-                    </a:lnT>
-                    <a:lnB w="9360">
-                      <a:solidFill>
-                        <a:srgbClr val="FFFCFA"/>
-                      </a:solidFill>
-                    </a:lnB>
-                    <a:solidFill>
-                      <a:srgbClr val="FFFFFF"/>
-                    </a:solidFill>
-                  </a:tcPr>
-                </a:tc>
-                <a:extLst>
-                  <a:ext uri="{0D108BD9-81ED-4DB2-BD59-A6C34878D82A}">
-                    <a16:rowId xmlns:a16="http://schemas.microsoft.com/office/drawing/2014/main" val="10001"/>
-                  </a:ext>
-                </a:extLst>
-              </a:tr>
-            </a:tbl>
-          </a:graphicData>
-        </a:graphic>
-      </p:graphicFrame>
     </p:spTree>
   </p:cSld>
   <p:clrMapOvr>
@@ -11408,8 +10314,8 @@
         </p:nvSpPr>
         <p:spPr>
           <a:xfrm>
-            <a:off x="95760" y="84960"/>
-            <a:ext cx="1557360" cy="577080"/>
+            <a:off x="3655031" y="3801575"/>
+            <a:ext cx="1327841" cy="583321"/>
           </a:xfrm>
           <a:prstGeom prst="rect">
             <a:avLst/>
@@ -11445,257 +10351,52 @@
               </a:lnSpc>
             </a:pPr>
             <a:r>
-              <a:rPr lang="pt-BR" sz="1600" b="1" strike="noStrike" spc="-1">
+              <a:rPr lang="pt-BR" sz="1600" b="1" strike="noStrike" spc="-1" dirty="0" err="1">
                 <a:solidFill>
                   <a:srgbClr val="C00000"/>
                 </a:solidFill>
                 <a:latin typeface="Calibri"/>
               </a:rPr>
-              <a:t>Phrasal Verbs</a:t>
-            </a:r>
-            <a:endParaRPr lang="pt-BR" sz="1600" b="0" strike="noStrike" spc="-1">
-              <a:latin typeface="Arial"/>
-            </a:endParaRPr>
-          </a:p>
-          <a:p>
-            <a:pPr>
-              <a:lnSpc>
-                <a:spcPct val="100000"/>
-              </a:lnSpc>
-            </a:pPr>
-            <a:r>
-              <a:rPr lang="pt-BR" sz="1600" b="1" strike="noStrike" spc="-1">
+              <a:t>Phrasal</a:t>
+            </a:r>
+            <a:r>
+              <a:rPr lang="pt-BR" sz="1600" b="1" strike="noStrike" spc="-1" dirty="0">
                 <a:solidFill>
                   <a:srgbClr val="C00000"/>
                 </a:solidFill>
                 <a:latin typeface="Calibri"/>
               </a:rPr>
+              <a:t> </a:t>
+            </a:r>
+            <a:r>
+              <a:rPr lang="pt-BR" sz="1600" b="1" strike="noStrike" spc="-1" dirty="0" err="1">
+                <a:solidFill>
+                  <a:srgbClr val="C00000"/>
+                </a:solidFill>
+                <a:latin typeface="Calibri"/>
+              </a:rPr>
+              <a:t>Verbs</a:t>
+            </a:r>
+            <a:endParaRPr lang="pt-BR" sz="1600" b="0" strike="noStrike" spc="-1" dirty="0">
+              <a:latin typeface="Arial"/>
+            </a:endParaRPr>
+          </a:p>
+          <a:p>
+            <a:pPr>
+              <a:lnSpc>
+                <a:spcPct val="100000"/>
+              </a:lnSpc>
+            </a:pPr>
+            <a:r>
+              <a:rPr lang="pt-BR" sz="1600" b="1" strike="noStrike" spc="-1" dirty="0">
+                <a:solidFill>
+                  <a:srgbClr val="C00000"/>
+                </a:solidFill>
+                <a:latin typeface="Calibri"/>
+              </a:rPr>
               <a:t>120 </a:t>
             </a:r>
-            <a:endParaRPr lang="pt-BR" sz="1600" b="0" strike="noStrike" spc="-1">
-              <a:latin typeface="Arial"/>
-            </a:endParaRPr>
-          </a:p>
-        </p:txBody>
-      </p:sp>
-      <p:sp>
-        <p:nvSpPr>
-          <p:cNvPr id="91" name="CustomShape 2"/>
-          <p:cNvSpPr/>
-          <p:nvPr/>
-        </p:nvSpPr>
-        <p:spPr>
-          <a:xfrm>
-            <a:off x="4095720" y="4404600"/>
-            <a:ext cx="2258640" cy="1995480"/>
-          </a:xfrm>
-          <a:prstGeom prst="rect">
-            <a:avLst/>
-          </a:prstGeom>
-          <a:noFill/>
-          <a:ln>
-            <a:solidFill>
-              <a:schemeClr val="accent2"/>
-            </a:solidFill>
-          </a:ln>
-        </p:spPr>
-        <p:style>
-          <a:lnRef idx="0">
-            <a:scrgbClr r="0" g="0" b="0"/>
-          </a:lnRef>
-          <a:fillRef idx="0">
-            <a:scrgbClr r="0" g="0" b="0"/>
-          </a:fillRef>
-          <a:effectRef idx="0">
-            <a:scrgbClr r="0" g="0" b="0"/>
-          </a:effectRef>
-          <a:fontRef idx="minor"/>
-        </p:style>
-        <p:txBody>
-          <a:bodyPr wrap="none" lIns="90000" tIns="45000" rIns="90000" bIns="45000">
-            <a:spAutoFit/>
-          </a:bodyPr>
-          <a:lstStyle/>
-          <a:p>
-            <a:pPr>
-              <a:lnSpc>
-                <a:spcPct val="100000"/>
-              </a:lnSpc>
-            </a:pPr>
-            <a:r>
-              <a:rPr lang="pt-BR" sz="1600" b="1" strike="noStrike" spc="-1">
-                <a:solidFill>
-                  <a:srgbClr val="C00000"/>
-                </a:solidFill>
-                <a:latin typeface="Calibri"/>
-              </a:rPr>
-              <a:t>Serie</a:t>
-            </a:r>
-            <a:endParaRPr lang="pt-BR" sz="1600" b="0" strike="noStrike" spc="-1">
-              <a:latin typeface="Arial"/>
-            </a:endParaRPr>
-          </a:p>
-          <a:p>
-            <a:pPr marL="343080" indent="-342720">
-              <a:lnSpc>
-                <a:spcPct val="100000"/>
-              </a:lnSpc>
-              <a:buClr>
-                <a:srgbClr val="000000"/>
-              </a:buClr>
-              <a:buFont typeface="Calibri Light"/>
-              <a:buAutoNum type="arabicPeriod"/>
-            </a:pPr>
-            <a:r>
-              <a:rPr lang="pt-BR" sz="1350" b="0" strike="noStrike" spc="-1">
-                <a:solidFill>
-                  <a:srgbClr val="000000"/>
-                </a:solidFill>
-                <a:latin typeface="Calibri"/>
-              </a:rPr>
-              <a:t>My Wife and Kids</a:t>
-            </a:r>
-            <a:endParaRPr lang="pt-BR" sz="1350" b="0" strike="noStrike" spc="-1">
-              <a:latin typeface="Arial"/>
-            </a:endParaRPr>
-          </a:p>
-          <a:p>
-            <a:pPr marL="343080" indent="-342720">
-              <a:lnSpc>
-                <a:spcPct val="100000"/>
-              </a:lnSpc>
-              <a:buClr>
-                <a:srgbClr val="000000"/>
-              </a:buClr>
-              <a:buFont typeface="Calibri Light"/>
-              <a:buAutoNum type="arabicPeriod"/>
-            </a:pPr>
-            <a:r>
-              <a:rPr lang="pt-BR" sz="1350" b="0" strike="noStrike" spc="-1">
-                <a:solidFill>
-                  <a:srgbClr val="000000"/>
-                </a:solidFill>
-                <a:latin typeface="Calibri"/>
-              </a:rPr>
-              <a:t>Greys Anatomy</a:t>
-            </a:r>
-            <a:endParaRPr lang="pt-BR" sz="1350" b="0" strike="noStrike" spc="-1">
-              <a:latin typeface="Arial"/>
-            </a:endParaRPr>
-          </a:p>
-          <a:p>
-            <a:pPr marL="343080" indent="-342720">
-              <a:lnSpc>
-                <a:spcPct val="100000"/>
-              </a:lnSpc>
-              <a:buClr>
-                <a:srgbClr val="000000"/>
-              </a:buClr>
-              <a:buFont typeface="Calibri Light"/>
-              <a:buAutoNum type="arabicPeriod"/>
-            </a:pPr>
-            <a:r>
-              <a:rPr lang="pt-BR" sz="1350" b="0" strike="noStrike" spc="-1">
-                <a:solidFill>
-                  <a:srgbClr val="000000"/>
-                </a:solidFill>
-                <a:latin typeface="Calibri"/>
-              </a:rPr>
-              <a:t>Friends</a:t>
-            </a:r>
-            <a:endParaRPr lang="pt-BR" sz="1350" b="0" strike="noStrike" spc="-1">
-              <a:latin typeface="Arial"/>
-            </a:endParaRPr>
-          </a:p>
-          <a:p>
-            <a:pPr marL="343080" indent="-342720">
-              <a:lnSpc>
-                <a:spcPct val="100000"/>
-              </a:lnSpc>
-              <a:buClr>
-                <a:srgbClr val="000000"/>
-              </a:buClr>
-              <a:buFont typeface="Calibri Light"/>
-              <a:buAutoNum type="arabicPeriod"/>
-            </a:pPr>
-            <a:r>
-              <a:rPr lang="pt-BR" sz="1400" b="0" strike="noStrike" spc="-1">
-                <a:solidFill>
-                  <a:srgbClr val="000000"/>
-                </a:solidFill>
-                <a:latin typeface="Calibri"/>
-              </a:rPr>
-              <a:t>The Big Bang Theory</a:t>
-            </a:r>
-            <a:endParaRPr lang="pt-BR" sz="1400" b="0" strike="noStrike" spc="-1">
-              <a:latin typeface="Arial"/>
-            </a:endParaRPr>
-          </a:p>
-          <a:p>
-            <a:pPr marL="343080" indent="-342720">
-              <a:lnSpc>
-                <a:spcPct val="100000"/>
-              </a:lnSpc>
-              <a:buClr>
-                <a:srgbClr val="000000"/>
-              </a:buClr>
-              <a:buFont typeface="Calibri Light"/>
-              <a:buAutoNum type="arabicPeriod"/>
-            </a:pPr>
-            <a:r>
-              <a:rPr lang="pt-BR" sz="1400" b="0" strike="noStrike" spc="-1">
-                <a:solidFill>
-                  <a:srgbClr val="000000"/>
-                </a:solidFill>
-                <a:latin typeface="Calibri"/>
-              </a:rPr>
-              <a:t>The Good Wife</a:t>
-            </a:r>
-            <a:endParaRPr lang="pt-BR" sz="1400" b="0" strike="noStrike" spc="-1">
-              <a:latin typeface="Arial"/>
-            </a:endParaRPr>
-          </a:p>
-          <a:p>
-            <a:pPr marL="343080" indent="-342720">
-              <a:lnSpc>
-                <a:spcPct val="100000"/>
-              </a:lnSpc>
-              <a:buClr>
-                <a:srgbClr val="000000"/>
-              </a:buClr>
-              <a:buFont typeface="Calibri Light"/>
-              <a:buAutoNum type="arabicPeriod"/>
-            </a:pPr>
-            <a:r>
-              <a:rPr lang="pt-BR" sz="1400" b="0" strike="noStrike" spc="-1">
-                <a:solidFill>
-                  <a:srgbClr val="000000"/>
-                </a:solidFill>
-                <a:latin typeface="Calibri"/>
-              </a:rPr>
-              <a:t>House </a:t>
-            </a:r>
-            <a:endParaRPr lang="pt-BR" sz="1400" b="0" strike="noStrike" spc="-1">
-              <a:latin typeface="Arial"/>
-            </a:endParaRPr>
-          </a:p>
-          <a:p>
-            <a:pPr>
-              <a:lnSpc>
-                <a:spcPct val="100000"/>
-              </a:lnSpc>
-            </a:pPr>
-            <a:endParaRPr lang="pt-BR" sz="1400" b="0" strike="noStrike" spc="-1">
-              <a:latin typeface="Arial"/>
-            </a:endParaRPr>
-          </a:p>
-          <a:p>
-            <a:pPr>
-              <a:lnSpc>
-                <a:spcPct val="100000"/>
-              </a:lnSpc>
-            </a:pPr>
-            <a:endParaRPr lang="pt-BR" sz="1400" b="0" strike="noStrike" spc="-1">
+            <a:endParaRPr lang="pt-BR" sz="1600" b="0" strike="noStrike" spc="-1" dirty="0">
               <a:latin typeface="Arial"/>
             </a:endParaRPr>
           </a:p>
@@ -11709,7 +10410,7 @@
         </p:nvSpPr>
         <p:spPr>
           <a:xfrm>
-            <a:off x="208440" y="4946040"/>
+            <a:off x="221322" y="6013964"/>
             <a:ext cx="2086920" cy="1063800"/>
           </a:xfrm>
           <a:prstGeom prst="rect">
@@ -11746,7 +10447,7 @@
               </a:lnSpc>
             </a:pPr>
             <a:r>
-              <a:rPr lang="pt-BR" sz="1600" b="1" strike="noStrike" spc="-1">
+              <a:rPr lang="pt-BR" sz="1600" b="1" strike="noStrike" spc="-1" dirty="0">
                 <a:solidFill>
                   <a:srgbClr val="C00000"/>
                 </a:solidFill>
@@ -11754,7 +10455,7 @@
               </a:rPr>
               <a:t>Songs</a:t>
             </a:r>
-            <a:endParaRPr lang="pt-BR" sz="1600" b="0" strike="noStrike" spc="-1">
+            <a:endParaRPr lang="pt-BR" sz="1600" b="0" strike="noStrike" spc="-1" dirty="0">
               <a:latin typeface="Arial"/>
             </a:endParaRPr>
           </a:p>
@@ -11770,7 +10471,7 @@
               <a:buAutoNum type="arabicPeriod"/>
             </a:pPr>
             <a:r>
-              <a:rPr lang="pt-BR" sz="1200" b="0" strike="noStrike" spc="-1">
+              <a:rPr lang="pt-BR" sz="1200" b="0" strike="noStrike" spc="-1" dirty="0">
                 <a:solidFill>
                   <a:srgbClr val="70AD47"/>
                 </a:solidFill>
@@ -11779,7 +10480,7 @@
               </a:rPr>
               <a:t>Oceans</a:t>
             </a:r>
-            <a:endParaRPr lang="pt-BR" sz="1200" b="0" strike="noStrike" spc="-1">
+            <a:endParaRPr lang="pt-BR" sz="1200" b="0" strike="noStrike" spc="-1" dirty="0">
               <a:latin typeface="Arial"/>
             </a:endParaRPr>
           </a:p>
@@ -11795,16 +10496,36 @@
               <a:buAutoNum type="arabicPeriod"/>
             </a:pPr>
             <a:r>
-              <a:rPr lang="pt-BR" sz="1200" b="0" strike="noStrike" spc="-1">
+              <a:rPr lang="pt-BR" sz="1200" b="0" strike="noStrike" spc="-1" dirty="0">
                 <a:solidFill>
                   <a:srgbClr val="70AD47"/>
                 </a:solidFill>
                 <a:latin typeface="Calibri"/>
                 <a:ea typeface="Calibri"/>
               </a:rPr>
-              <a:t>I will Always love you</a:t>
-            </a:r>
-            <a:endParaRPr lang="pt-BR" sz="1200" b="0" strike="noStrike" spc="-1">
+              <a:t>I will Always </a:t>
+            </a:r>
+            <a:r>
+              <a:rPr lang="pt-BR" sz="1200" b="0" strike="noStrike" spc="-1" dirty="0" err="1">
+                <a:solidFill>
+                  <a:srgbClr val="70AD47"/>
+                </a:solidFill>
+                <a:latin typeface="Calibri"/>
+                <a:ea typeface="Calibri"/>
+              </a:rPr>
+              <a:t>love</a:t>
+            </a:r>
+            <a:r>
+              <a:rPr lang="pt-BR" sz="1200" b="0" strike="noStrike" spc="-1" dirty="0">
+                <a:solidFill>
+                  <a:srgbClr val="70AD47"/>
+                </a:solidFill>
+                <a:latin typeface="Calibri"/>
+                <a:ea typeface="Calibri"/>
+              </a:rPr>
+              <a:t> you</a:t>
+            </a:r>
+            <a:endParaRPr lang="pt-BR" sz="1200" b="0" strike="noStrike" spc="-1" dirty="0">
               <a:latin typeface="Arial"/>
             </a:endParaRPr>
           </a:p>
@@ -11820,7 +10541,7 @@
               <a:buAutoNum type="arabicPeriod"/>
             </a:pPr>
             <a:r>
-              <a:rPr lang="pt-BR" sz="1200" b="0" strike="noStrike" spc="-1">
+              <a:rPr lang="pt-BR" sz="1200" b="0" strike="noStrike" spc="-1" dirty="0">
                 <a:solidFill>
                   <a:srgbClr val="70AD47"/>
                 </a:solidFill>
@@ -11829,17 +10550,17 @@
               </a:rPr>
               <a:t>Let it go</a:t>
             </a:r>
-            <a:endParaRPr lang="pt-BR" sz="1200" b="0" strike="noStrike" spc="-1">
-              <a:latin typeface="Arial"/>
-            </a:endParaRPr>
-          </a:p>
-          <a:p>
-            <a:pPr>
-              <a:lnSpc>
-                <a:spcPct val="100000"/>
-              </a:lnSpc>
-            </a:pPr>
-            <a:endParaRPr lang="pt-BR" sz="1200" b="0" strike="noStrike" spc="-1">
+            <a:endParaRPr lang="pt-BR" sz="1200" b="0" strike="noStrike" spc="-1" dirty="0">
+              <a:latin typeface="Arial"/>
+            </a:endParaRPr>
+          </a:p>
+          <a:p>
+            <a:pPr>
+              <a:lnSpc>
+                <a:spcPct val="100000"/>
+              </a:lnSpc>
+            </a:pPr>
+            <a:endParaRPr lang="pt-BR" sz="1200" b="0" strike="noStrike" spc="-1" dirty="0">
               <a:latin typeface="Arial"/>
             </a:endParaRPr>
           </a:p>
@@ -11853,8 +10574,8 @@
         </p:nvSpPr>
         <p:spPr>
           <a:xfrm>
-            <a:off x="5540040" y="243360"/>
-            <a:ext cx="908280" cy="538200"/>
+            <a:off x="3642662" y="84960"/>
+            <a:ext cx="2459964" cy="752599"/>
           </a:xfrm>
           <a:prstGeom prst="rect">
             <a:avLst/>
@@ -11879,7 +10600,7 @@
           <a:fontRef idx="minor"/>
         </p:style>
         <p:txBody>
-          <a:bodyPr wrap="none" lIns="90000" tIns="45000" rIns="90000" bIns="45000">
+          <a:bodyPr wrap="square" lIns="90000" tIns="45000" rIns="90000" bIns="45000">
             <a:spAutoFit/>
           </a:bodyPr>
           <a:lstStyle/>
@@ -11890,41 +10611,52 @@
               </a:lnSpc>
             </a:pPr>
             <a:r>
-              <a:rPr lang="pt-BR" sz="1600" b="1" strike="noStrike" spc="-1">
+              <a:rPr lang="pt-BR" sz="1600" b="1" spc="-1" dirty="0" err="1">
                 <a:solidFill>
                   <a:srgbClr val="C00000"/>
                 </a:solidFill>
                 <a:latin typeface="Calibri"/>
               </a:rPr>
-              <a:t>Quotes</a:t>
-            </a:r>
-            <a:endParaRPr lang="pt-BR" sz="1600" b="0" strike="noStrike" spc="-1">
-              <a:latin typeface="Arial"/>
-            </a:endParaRPr>
-          </a:p>
-          <a:p>
-            <a:pPr marL="343080" indent="-342720">
-              <a:lnSpc>
-                <a:spcPct val="100000"/>
-              </a:lnSpc>
-              <a:buClr>
-                <a:srgbClr val="000000"/>
-              </a:buClr>
-              <a:buFont typeface="Calibri Light"/>
-              <a:buAutoNum type="arabicPeriod"/>
-            </a:pPr>
-            <a:r>
-              <a:rPr lang="pt-BR" sz="1350" b="0" strike="noStrike" spc="-1">
-                <a:solidFill>
-                  <a:srgbClr val="000000"/>
-                </a:solidFill>
-                <a:latin typeface="Calibri"/>
-              </a:rPr>
-              <a:t>m</a:t>
-            </a:r>
-            <a:endParaRPr lang="pt-BR" sz="1350" b="0" strike="noStrike" spc="-1">
-              <a:latin typeface="Arial"/>
-            </a:endParaRPr>
+              <a:t>Motivational</a:t>
+            </a:r>
+            <a:r>
+              <a:rPr lang="pt-BR" sz="1600" b="1" spc="-1" dirty="0">
+                <a:solidFill>
+                  <a:srgbClr val="C00000"/>
+                </a:solidFill>
+                <a:latin typeface="Calibri"/>
+              </a:rPr>
+              <a:t> Quotes</a:t>
+            </a:r>
+          </a:p>
+          <a:p>
+            <a:pPr>
+              <a:lnSpc>
+                <a:spcPct val="100000"/>
+              </a:lnSpc>
+            </a:pPr>
+            <a:endParaRPr lang="pt-BR" sz="1350" spc="-1" dirty="0">
+              <a:solidFill>
+                <a:srgbClr val="C00000"/>
+              </a:solidFill>
+              <a:latin typeface="Arial"/>
+            </a:endParaRPr>
+          </a:p>
+          <a:p>
+            <a:pPr>
+              <a:lnSpc>
+                <a:spcPct val="100000"/>
+              </a:lnSpc>
+            </a:pPr>
+            <a:r>
+              <a:rPr lang="pt-BR" sz="1350" spc="-1" dirty="0">
+                <a:solidFill>
+                  <a:srgbClr val="C00000"/>
+                </a:solidFill>
+                <a:latin typeface="Arial"/>
+              </a:rPr>
+              <a:t>240 Frases </a:t>
+            </a:r>
           </a:p>
         </p:txBody>
       </p:sp>
@@ -11936,7 +10668,7 @@
         </p:nvSpPr>
         <p:spPr>
           <a:xfrm>
-            <a:off x="2087280" y="243360"/>
+            <a:off x="221322" y="2360001"/>
             <a:ext cx="2177640" cy="3254040"/>
           </a:xfrm>
           <a:prstGeom prst="rect">
@@ -11973,7 +10705,7 @@
               </a:lnSpc>
             </a:pPr>
             <a:r>
-              <a:rPr lang="pt-BR" sz="1600" b="1" strike="noStrike" spc="-1">
+              <a:rPr lang="pt-BR" sz="1600" b="1" strike="noStrike" spc="-1" dirty="0" err="1">
                 <a:solidFill>
                   <a:srgbClr val="C00000"/>
                 </a:solidFill>
@@ -11981,7 +10713,7 @@
               </a:rPr>
               <a:t>Movies</a:t>
             </a:r>
-            <a:endParaRPr lang="pt-BR" sz="1600" b="0" strike="noStrike" spc="-1">
+            <a:endParaRPr lang="pt-BR" sz="1600" b="0" strike="noStrike" spc="-1" dirty="0">
               <a:latin typeface="Arial"/>
             </a:endParaRPr>
           </a:p>
@@ -11997,16 +10729,26 @@
               <a:buAutoNum type="arabicPeriod"/>
             </a:pPr>
             <a:r>
-              <a:rPr lang="pt-BR" sz="1200" b="0" strike="noStrike" spc="-1">
+              <a:rPr lang="pt-BR" sz="1200" b="0" strike="noStrike" spc="-1" dirty="0">
                 <a:solidFill>
                   <a:srgbClr val="70AD47"/>
                 </a:solidFill>
                 <a:latin typeface="Calibri"/>
                 <a:ea typeface="Calibri"/>
               </a:rPr>
-              <a:t>The Intern</a:t>
-            </a:r>
-            <a:endParaRPr lang="pt-BR" sz="1200" b="0" strike="noStrike" spc="-1">
+              <a:t>The </a:t>
+            </a:r>
+            <a:r>
+              <a:rPr lang="pt-BR" sz="1200" b="0" strike="noStrike" spc="-1" dirty="0" err="1">
+                <a:solidFill>
+                  <a:srgbClr val="70AD47"/>
+                </a:solidFill>
+                <a:latin typeface="Calibri"/>
+                <a:ea typeface="Calibri"/>
+              </a:rPr>
+              <a:t>Intern</a:t>
+            </a:r>
+            <a:endParaRPr lang="pt-BR" sz="1200" b="0" strike="noStrike" spc="-1" dirty="0">
               <a:latin typeface="Arial"/>
             </a:endParaRPr>
           </a:p>
@@ -12022,16 +10764,36 @@
               <a:buAutoNum type="arabicPeriod"/>
             </a:pPr>
             <a:r>
-              <a:rPr lang="pt-BR" sz="1200" b="0" strike="noStrike" spc="-1">
+              <a:rPr lang="pt-BR" sz="1200" b="0" strike="noStrike" spc="-1" dirty="0">
                 <a:solidFill>
                   <a:srgbClr val="70AD47"/>
                 </a:solidFill>
                 <a:latin typeface="Calibri"/>
                 <a:ea typeface="Calibri"/>
               </a:rPr>
-              <a:t>The Greatest showman</a:t>
-            </a:r>
-            <a:endParaRPr lang="pt-BR" sz="1200" b="0" strike="noStrike" spc="-1">
+              <a:t>The </a:t>
+            </a:r>
+            <a:r>
+              <a:rPr lang="pt-BR" sz="1200" b="0" strike="noStrike" spc="-1" dirty="0" err="1">
+                <a:solidFill>
+                  <a:srgbClr val="70AD47"/>
+                </a:solidFill>
+                <a:latin typeface="Calibri"/>
+                <a:ea typeface="Calibri"/>
+              </a:rPr>
+              <a:t>Greatest</a:t>
+            </a:r>
+            <a:r>
+              <a:rPr lang="pt-BR" sz="1200" b="0" strike="noStrike" spc="-1" dirty="0">
+                <a:solidFill>
+                  <a:srgbClr val="70AD47"/>
+                </a:solidFill>
+                <a:latin typeface="Calibri"/>
+                <a:ea typeface="Calibri"/>
+              </a:rPr>
+              <a:t> showman</a:t>
+            </a:r>
+            <a:endParaRPr lang="pt-BR" sz="1200" b="0" strike="noStrike" spc="-1" dirty="0">
               <a:latin typeface="Arial"/>
             </a:endParaRPr>
           </a:p>
@@ -12047,7 +10809,7 @@
               <a:buAutoNum type="arabicPeriod"/>
             </a:pPr>
             <a:r>
-              <a:rPr lang="pt-BR" sz="1200" b="0" strike="noStrike" spc="-1">
+              <a:rPr lang="pt-BR" sz="1200" b="0" strike="noStrike" spc="-1" dirty="0">
                 <a:solidFill>
                   <a:srgbClr val="70AD47"/>
                 </a:solidFill>
@@ -12056,7 +10818,7 @@
               </a:rPr>
               <a:t>Me before you</a:t>
             </a:r>
-            <a:endParaRPr lang="pt-BR" sz="1200" b="0" strike="noStrike" spc="-1">
+            <a:endParaRPr lang="pt-BR" sz="1200" b="0" strike="noStrike" spc="-1" dirty="0">
               <a:latin typeface="Arial"/>
             </a:endParaRPr>
           </a:p>
@@ -12072,7 +10834,7 @@
               <a:buAutoNum type="arabicPeriod"/>
             </a:pPr>
             <a:r>
-              <a:rPr lang="pt-BR" sz="1200" b="0" strike="noStrike" spc="-1">
+              <a:rPr lang="pt-BR" sz="1200" b="0" strike="noStrike" spc="-1" dirty="0">
                 <a:solidFill>
                   <a:srgbClr val="70AD47"/>
                 </a:solidFill>
@@ -12081,7 +10843,7 @@
               </a:rPr>
               <a:t>Divertidamente</a:t>
             </a:r>
-            <a:endParaRPr lang="pt-BR" sz="1200" b="0" strike="noStrike" spc="-1">
+            <a:endParaRPr lang="pt-BR" sz="1200" b="0" strike="noStrike" spc="-1" dirty="0">
               <a:latin typeface="Arial"/>
             </a:endParaRPr>
           </a:p>
@@ -12097,7 +10859,7 @@
               <a:buAutoNum type="arabicPeriod"/>
             </a:pPr>
             <a:r>
-              <a:rPr lang="pt-BR" sz="1200" b="0" strike="noStrike" spc="-1">
+              <a:rPr lang="pt-BR" sz="1200" b="0" strike="noStrike" spc="-1" dirty="0">
                 <a:solidFill>
                   <a:srgbClr val="70AD47"/>
                 </a:solidFill>
@@ -12106,7 +10868,7 @@
               </a:rPr>
               <a:t>Frozen</a:t>
             </a:r>
-            <a:endParaRPr lang="pt-BR" sz="1200" b="0" strike="noStrike" spc="-1">
+            <a:endParaRPr lang="pt-BR" sz="1200" b="0" strike="noStrike" spc="-1" dirty="0">
               <a:latin typeface="Arial"/>
             </a:endParaRPr>
           </a:p>
@@ -12122,7 +10884,7 @@
               <a:buAutoNum type="arabicPeriod"/>
             </a:pPr>
             <a:r>
-              <a:rPr lang="pt-BR" sz="1200" b="0" strike="noStrike" spc="-1">
+              <a:rPr lang="pt-BR" sz="1200" b="0" strike="noStrike" spc="-1" dirty="0">
                 <a:solidFill>
                   <a:srgbClr val="70AD47"/>
                 </a:solidFill>
@@ -12131,7 +10893,7 @@
               </a:rPr>
               <a:t>Era do Gelo</a:t>
             </a:r>
-            <a:endParaRPr lang="pt-BR" sz="1200" b="0" strike="noStrike" spc="-1">
+            <a:endParaRPr lang="pt-BR" sz="1200" b="0" strike="noStrike" spc="-1" dirty="0">
               <a:latin typeface="Arial"/>
             </a:endParaRPr>
           </a:p>
@@ -12147,7 +10909,7 @@
               <a:buAutoNum type="arabicPeriod"/>
             </a:pPr>
             <a:r>
-              <a:rPr lang="pt-BR" sz="1200" b="0" strike="noStrike" spc="-1">
+              <a:rPr lang="pt-BR" sz="1200" b="0" strike="noStrike" spc="-1" dirty="0" err="1">
                 <a:solidFill>
                   <a:srgbClr val="70AD47"/>
                 </a:solidFill>
@@ -12156,7 +10918,7 @@
               </a:rPr>
               <a:t>Hitch</a:t>
             </a:r>
-            <a:endParaRPr lang="pt-BR" sz="1200" b="0" strike="noStrike" spc="-1">
+            <a:endParaRPr lang="pt-BR" sz="1200" b="0" strike="noStrike" spc="-1" dirty="0">
               <a:latin typeface="Arial"/>
             </a:endParaRPr>
           </a:p>
@@ -12172,7 +10934,7 @@
               <a:buAutoNum type="arabicPeriod"/>
             </a:pPr>
             <a:r>
-              <a:rPr lang="pt-BR" sz="1200" b="0" strike="noStrike" spc="-1">
+              <a:rPr lang="pt-BR" sz="1200" b="0" strike="noStrike" spc="-1" dirty="0" err="1">
                 <a:solidFill>
                   <a:srgbClr val="70AD47"/>
                 </a:solidFill>
@@ -12181,7 +10943,7 @@
               </a:rPr>
               <a:t>Jumanji</a:t>
             </a:r>
-            <a:endParaRPr lang="pt-BR" sz="1200" b="0" strike="noStrike" spc="-1">
+            <a:endParaRPr lang="pt-BR" sz="1200" b="0" strike="noStrike" spc="-1" dirty="0">
               <a:latin typeface="Arial"/>
             </a:endParaRPr>
           </a:p>
@@ -12197,7 +10959,7 @@
               <a:buAutoNum type="arabicPeriod"/>
             </a:pPr>
             <a:r>
-              <a:rPr lang="pt-BR" sz="1200" b="0" strike="noStrike" spc="-1">
+              <a:rPr lang="pt-BR" sz="1200" b="0" strike="noStrike" spc="-1" dirty="0">
                 <a:solidFill>
                   <a:srgbClr val="70AD47"/>
                 </a:solidFill>
@@ -12206,7 +10968,7 @@
               </a:rPr>
               <a:t>Oceans 11</a:t>
             </a:r>
-            <a:endParaRPr lang="pt-BR" sz="1200" b="0" strike="noStrike" spc="-1">
+            <a:endParaRPr lang="pt-BR" sz="1200" b="0" strike="noStrike" spc="-1" dirty="0">
               <a:latin typeface="Arial"/>
             </a:endParaRPr>
           </a:p>
@@ -12222,16 +10984,36 @@
               <a:buAutoNum type="arabicPeriod"/>
             </a:pPr>
             <a:r>
-              <a:rPr lang="pt-BR" sz="1200" b="0" strike="noStrike" spc="-1">
+              <a:rPr lang="pt-BR" sz="1200" b="0" strike="noStrike" spc="-1" dirty="0" err="1">
                 <a:solidFill>
                   <a:srgbClr val="70AD47"/>
                 </a:solidFill>
                 <a:latin typeface="Calibri"/>
                 <a:ea typeface="Calibri"/>
               </a:rPr>
-              <a:t>Beauty and the Beast</a:t>
-            </a:r>
-            <a:endParaRPr lang="pt-BR" sz="1200" b="0" strike="noStrike" spc="-1">
+              <a:t>Beauty</a:t>
+            </a:r>
+            <a:r>
+              <a:rPr lang="pt-BR" sz="1200" b="0" strike="noStrike" spc="-1" dirty="0">
+                <a:solidFill>
+                  <a:srgbClr val="70AD47"/>
+                </a:solidFill>
+                <a:latin typeface="Calibri"/>
+                <a:ea typeface="Calibri"/>
+              </a:rPr>
+              <a:t> and the </a:t>
+            </a:r>
+            <a:r>
+              <a:rPr lang="pt-BR" sz="1200" b="0" strike="noStrike" spc="-1" dirty="0" err="1">
+                <a:solidFill>
+                  <a:srgbClr val="70AD47"/>
+                </a:solidFill>
+                <a:latin typeface="Calibri"/>
+                <a:ea typeface="Calibri"/>
+              </a:rPr>
+              <a:t>Beast</a:t>
+            </a:r>
+            <a:endParaRPr lang="pt-BR" sz="1200" b="0" strike="noStrike" spc="-1" dirty="0">
               <a:latin typeface="Arial"/>
             </a:endParaRPr>
           </a:p>
@@ -12247,7 +11029,7 @@
               <a:buAutoNum type="arabicPeriod"/>
             </a:pPr>
             <a:r>
-              <a:rPr lang="pt-BR" sz="1200" b="0" strike="noStrike" spc="-1">
+              <a:rPr lang="pt-BR" sz="1200" b="0" strike="noStrike" spc="-1" dirty="0" err="1">
                 <a:solidFill>
                   <a:srgbClr val="70AD47"/>
                 </a:solidFill>
@@ -12256,7 +11038,7 @@
               </a:rPr>
               <a:t>Moana</a:t>
             </a:r>
-            <a:endParaRPr lang="pt-BR" sz="1200" b="0" strike="noStrike" spc="-1">
+            <a:endParaRPr lang="pt-BR" sz="1200" b="0" strike="noStrike" spc="-1" dirty="0">
               <a:latin typeface="Arial"/>
             </a:endParaRPr>
           </a:p>
@@ -12272,7 +11054,7 @@
               <a:buAutoNum type="arabicPeriod"/>
             </a:pPr>
             <a:r>
-              <a:rPr lang="pt-BR" sz="1200" b="0" strike="noStrike" spc="-1">
+              <a:rPr lang="pt-BR" sz="1200" b="0" strike="noStrike" spc="-1" dirty="0">
                 <a:solidFill>
                   <a:srgbClr val="70AD47"/>
                 </a:solidFill>
@@ -12281,49 +11063,799 @@
               </a:rPr>
               <a:t>Aladdin</a:t>
             </a:r>
-            <a:endParaRPr lang="pt-BR" sz="1200" b="0" strike="noStrike" spc="-1">
-              <a:latin typeface="Arial"/>
-            </a:endParaRPr>
-          </a:p>
-          <a:p>
-            <a:pPr>
-              <a:lnSpc>
-                <a:spcPct val="100000"/>
-              </a:lnSpc>
-            </a:pPr>
-            <a:endParaRPr lang="pt-BR" sz="1200" b="0" strike="noStrike" spc="-1">
-              <a:latin typeface="Arial"/>
-            </a:endParaRPr>
-          </a:p>
-          <a:p>
-            <a:pPr>
-              <a:lnSpc>
-                <a:spcPct val="100000"/>
-              </a:lnSpc>
-            </a:pPr>
-            <a:endParaRPr lang="pt-BR" sz="1200" b="0" strike="noStrike" spc="-1">
-              <a:latin typeface="Arial"/>
-            </a:endParaRPr>
-          </a:p>
-          <a:p>
-            <a:pPr>
-              <a:lnSpc>
-                <a:spcPct val="100000"/>
-              </a:lnSpc>
-            </a:pPr>
-            <a:endParaRPr lang="pt-BR" sz="1200" b="0" strike="noStrike" spc="-1">
-              <a:latin typeface="Arial"/>
-            </a:endParaRPr>
-          </a:p>
-          <a:p>
-            <a:pPr>
-              <a:lnSpc>
-                <a:spcPct val="100000"/>
-              </a:lnSpc>
-            </a:pPr>
-            <a:endParaRPr lang="pt-BR" sz="1200" b="0" strike="noStrike" spc="-1">
-              <a:latin typeface="Arial"/>
-            </a:endParaRPr>
+            <a:endParaRPr lang="pt-BR" sz="1200" b="0" strike="noStrike" spc="-1" dirty="0">
+              <a:latin typeface="Arial"/>
+            </a:endParaRPr>
+          </a:p>
+          <a:p>
+            <a:pPr>
+              <a:lnSpc>
+                <a:spcPct val="100000"/>
+              </a:lnSpc>
+            </a:pPr>
+            <a:endParaRPr lang="pt-BR" sz="1200" b="0" strike="noStrike" spc="-1" dirty="0">
+              <a:latin typeface="Arial"/>
+            </a:endParaRPr>
+          </a:p>
+          <a:p>
+            <a:pPr>
+              <a:lnSpc>
+                <a:spcPct val="100000"/>
+              </a:lnSpc>
+            </a:pPr>
+            <a:endParaRPr lang="pt-BR" sz="1200" b="0" strike="noStrike" spc="-1" dirty="0">
+              <a:latin typeface="Arial"/>
+            </a:endParaRPr>
+          </a:p>
+          <a:p>
+            <a:pPr>
+              <a:lnSpc>
+                <a:spcPct val="100000"/>
+              </a:lnSpc>
+            </a:pPr>
+            <a:endParaRPr lang="pt-BR" sz="1200" b="0" strike="noStrike" spc="-1" dirty="0">
+              <a:latin typeface="Arial"/>
+            </a:endParaRPr>
+          </a:p>
+          <a:p>
+            <a:pPr>
+              <a:lnSpc>
+                <a:spcPct val="100000"/>
+              </a:lnSpc>
+            </a:pPr>
+            <a:endParaRPr lang="pt-BR" sz="1200" b="0" strike="noStrike" spc="-1" dirty="0">
+              <a:latin typeface="Arial"/>
+            </a:endParaRPr>
+          </a:p>
+        </p:txBody>
+      </p:sp>
+      <p:sp>
+        <p:nvSpPr>
+          <p:cNvPr id="7" name="CustomShape 4">
+            <a:extLst>
+              <a:ext uri="{FF2B5EF4-FFF2-40B4-BE49-F238E27FC236}">
+                <a16:creationId xmlns:a16="http://schemas.microsoft.com/office/drawing/2014/main" id="{658B7117-ECE9-4CB9-A88C-7201B16C53FB}"/>
+              </a:ext>
+            </a:extLst>
+          </p:cNvPr>
+          <p:cNvSpPr/>
+          <p:nvPr/>
+        </p:nvSpPr>
+        <p:spPr>
+          <a:xfrm>
+            <a:off x="3655031" y="937363"/>
+            <a:ext cx="2832652" cy="752599"/>
+          </a:xfrm>
+          <a:prstGeom prst="rect">
+            <a:avLst/>
+          </a:prstGeom>
+          <a:noFill/>
+          <a:ln>
+            <a:solidFill>
+              <a:schemeClr val="accent2"/>
+            </a:solidFill>
+          </a:ln>
+        </p:spPr>
+        <p:style>
+          <a:lnRef idx="0">
+            <a:scrgbClr r="0" g="0" b="0"/>
+          </a:lnRef>
+          <a:fillRef idx="0">
+            <a:scrgbClr r="0" g="0" b="0"/>
+          </a:fillRef>
+          <a:effectRef idx="0">
+            <a:scrgbClr r="0" g="0" b="0"/>
+          </a:effectRef>
+          <a:fontRef idx="minor"/>
+        </p:style>
+        <p:txBody>
+          <a:bodyPr wrap="square" lIns="90000" tIns="45000" rIns="90000" bIns="45000">
+            <a:spAutoFit/>
+          </a:bodyPr>
+          <a:lstStyle/>
+          <a:p>
+            <a:pPr>
+              <a:lnSpc>
+                <a:spcPct val="100000"/>
+              </a:lnSpc>
+            </a:pPr>
+            <a:r>
+              <a:rPr lang="pt-BR" sz="1600" b="1" spc="-1" dirty="0" err="1">
+                <a:solidFill>
+                  <a:srgbClr val="C00000"/>
+                </a:solidFill>
+                <a:latin typeface="Calibri"/>
+              </a:rPr>
+              <a:t>Conversation</a:t>
+            </a:r>
+            <a:r>
+              <a:rPr lang="pt-BR" sz="1600" b="1" spc="-1" dirty="0">
+                <a:solidFill>
+                  <a:srgbClr val="C00000"/>
+                </a:solidFill>
+                <a:latin typeface="Calibri"/>
+              </a:rPr>
+              <a:t> </a:t>
+            </a:r>
+            <a:r>
+              <a:rPr lang="pt-BR" sz="1600" b="1" spc="-1" dirty="0" err="1">
+                <a:solidFill>
+                  <a:srgbClr val="C00000"/>
+                </a:solidFill>
+                <a:latin typeface="Calibri"/>
+              </a:rPr>
+              <a:t>Topics</a:t>
+            </a:r>
+            <a:endParaRPr lang="pt-BR" sz="1600" b="1" spc="-1" dirty="0">
+              <a:solidFill>
+                <a:srgbClr val="C00000"/>
+              </a:solidFill>
+              <a:latin typeface="Calibri"/>
+            </a:endParaRPr>
+          </a:p>
+          <a:p>
+            <a:pPr>
+              <a:lnSpc>
+                <a:spcPct val="100000"/>
+              </a:lnSpc>
+            </a:pPr>
+            <a:endParaRPr lang="pt-BR" sz="1350" spc="-1" dirty="0">
+              <a:solidFill>
+                <a:srgbClr val="C00000"/>
+              </a:solidFill>
+              <a:latin typeface="Arial"/>
+            </a:endParaRPr>
+          </a:p>
+          <a:p>
+            <a:pPr>
+              <a:lnSpc>
+                <a:spcPct val="100000"/>
+              </a:lnSpc>
+            </a:pPr>
+            <a:r>
+              <a:rPr lang="pt-BR" sz="1350" spc="-1" dirty="0">
+                <a:solidFill>
+                  <a:srgbClr val="C00000"/>
+                </a:solidFill>
+                <a:latin typeface="Arial"/>
+              </a:rPr>
+              <a:t>360 tópicos com 3600 perguntas </a:t>
+            </a:r>
+          </a:p>
+        </p:txBody>
+      </p:sp>
+      <p:sp>
+        <p:nvSpPr>
+          <p:cNvPr id="8" name="CustomShape 4">
+            <a:extLst>
+              <a:ext uri="{FF2B5EF4-FFF2-40B4-BE49-F238E27FC236}">
+                <a16:creationId xmlns:a16="http://schemas.microsoft.com/office/drawing/2014/main" id="{C1478314-2B5D-4448-AE19-6EECC451B140}"/>
+              </a:ext>
+            </a:extLst>
+          </p:cNvPr>
+          <p:cNvSpPr/>
+          <p:nvPr/>
+        </p:nvSpPr>
+        <p:spPr>
+          <a:xfrm>
+            <a:off x="3642662" y="1911729"/>
+            <a:ext cx="2459964" cy="752599"/>
+          </a:xfrm>
+          <a:prstGeom prst="rect">
+            <a:avLst/>
+          </a:prstGeom>
+          <a:noFill/>
+          <a:ln>
+            <a:solidFill>
+              <a:schemeClr val="accent2"/>
+            </a:solidFill>
+          </a:ln>
+        </p:spPr>
+        <p:style>
+          <a:lnRef idx="0">
+            <a:scrgbClr r="0" g="0" b="0"/>
+          </a:lnRef>
+          <a:fillRef idx="0">
+            <a:scrgbClr r="0" g="0" b="0"/>
+          </a:fillRef>
+          <a:effectRef idx="0">
+            <a:scrgbClr r="0" g="0" b="0"/>
+          </a:effectRef>
+          <a:fontRef idx="minor"/>
+        </p:style>
+        <p:txBody>
+          <a:bodyPr wrap="square" lIns="90000" tIns="45000" rIns="90000" bIns="45000">
+            <a:spAutoFit/>
+          </a:bodyPr>
+          <a:lstStyle/>
+          <a:p>
+            <a:pPr>
+              <a:lnSpc>
+                <a:spcPct val="100000"/>
+              </a:lnSpc>
+            </a:pPr>
+            <a:r>
+              <a:rPr lang="pt-BR" sz="1600" b="1" spc="-1" dirty="0">
+                <a:solidFill>
+                  <a:srgbClr val="C00000"/>
+                </a:solidFill>
+                <a:latin typeface="Calibri"/>
+              </a:rPr>
+              <a:t>Com se diz em Inglês</a:t>
+            </a:r>
+          </a:p>
+          <a:p>
+            <a:pPr>
+              <a:lnSpc>
+                <a:spcPct val="100000"/>
+              </a:lnSpc>
+            </a:pPr>
+            <a:endParaRPr lang="pt-BR" sz="1350" spc="-1" dirty="0">
+              <a:solidFill>
+                <a:srgbClr val="C00000"/>
+              </a:solidFill>
+              <a:latin typeface="Arial"/>
+            </a:endParaRPr>
+          </a:p>
+          <a:p>
+            <a:pPr>
+              <a:lnSpc>
+                <a:spcPct val="100000"/>
+              </a:lnSpc>
+            </a:pPr>
+            <a:r>
+              <a:rPr lang="pt-BR" sz="1350" spc="-1" dirty="0">
+                <a:solidFill>
+                  <a:srgbClr val="C00000"/>
+                </a:solidFill>
+                <a:latin typeface="Arial"/>
+              </a:rPr>
+              <a:t>240 Expressões</a:t>
+            </a:r>
+          </a:p>
+        </p:txBody>
+      </p:sp>
+      <p:sp>
+        <p:nvSpPr>
+          <p:cNvPr id="9" name="CustomShape 4">
+            <a:extLst>
+              <a:ext uri="{FF2B5EF4-FFF2-40B4-BE49-F238E27FC236}">
+                <a16:creationId xmlns:a16="http://schemas.microsoft.com/office/drawing/2014/main" id="{9AF1DF48-B6BE-4442-8A5E-A4D879B0ECEA}"/>
+              </a:ext>
+            </a:extLst>
+          </p:cNvPr>
+          <p:cNvSpPr/>
+          <p:nvPr/>
+        </p:nvSpPr>
+        <p:spPr>
+          <a:xfrm>
+            <a:off x="3664241" y="2873305"/>
+            <a:ext cx="2459964" cy="752599"/>
+          </a:xfrm>
+          <a:prstGeom prst="rect">
+            <a:avLst/>
+          </a:prstGeom>
+          <a:noFill/>
+          <a:ln>
+            <a:solidFill>
+              <a:schemeClr val="accent2"/>
+            </a:solidFill>
+          </a:ln>
+        </p:spPr>
+        <p:style>
+          <a:lnRef idx="0">
+            <a:scrgbClr r="0" g="0" b="0"/>
+          </a:lnRef>
+          <a:fillRef idx="0">
+            <a:scrgbClr r="0" g="0" b="0"/>
+          </a:fillRef>
+          <a:effectRef idx="0">
+            <a:scrgbClr r="0" g="0" b="0"/>
+          </a:effectRef>
+          <a:fontRef idx="minor"/>
+        </p:style>
+        <p:txBody>
+          <a:bodyPr wrap="square" lIns="90000" tIns="45000" rIns="90000" bIns="45000">
+            <a:spAutoFit/>
+          </a:bodyPr>
+          <a:lstStyle/>
+          <a:p>
+            <a:pPr>
+              <a:lnSpc>
+                <a:spcPct val="100000"/>
+              </a:lnSpc>
+            </a:pPr>
+            <a:r>
+              <a:rPr lang="pt-BR" sz="1600" b="1" spc="-1" dirty="0" err="1">
+                <a:solidFill>
+                  <a:srgbClr val="C00000"/>
+                </a:solidFill>
+                <a:latin typeface="Calibri"/>
+              </a:rPr>
+              <a:t>Commun</a:t>
+            </a:r>
+            <a:r>
+              <a:rPr lang="pt-BR" sz="1600" b="1" spc="-1" dirty="0">
+                <a:solidFill>
+                  <a:srgbClr val="C00000"/>
+                </a:solidFill>
+                <a:latin typeface="Calibri"/>
+              </a:rPr>
+              <a:t> </a:t>
+            </a:r>
+            <a:r>
+              <a:rPr lang="pt-BR" sz="1600" b="1" spc="-1" dirty="0" err="1">
+                <a:solidFill>
+                  <a:srgbClr val="C00000"/>
+                </a:solidFill>
+                <a:latin typeface="Calibri"/>
+              </a:rPr>
+              <a:t>Phrases</a:t>
+            </a:r>
+            <a:endParaRPr lang="pt-BR" sz="1600" b="1" spc="-1" dirty="0">
+              <a:solidFill>
+                <a:srgbClr val="C00000"/>
+              </a:solidFill>
+              <a:latin typeface="Calibri"/>
+            </a:endParaRPr>
+          </a:p>
+          <a:p>
+            <a:pPr>
+              <a:lnSpc>
+                <a:spcPct val="100000"/>
+              </a:lnSpc>
+            </a:pPr>
+            <a:endParaRPr lang="pt-BR" sz="1350" spc="-1" dirty="0">
+              <a:solidFill>
+                <a:srgbClr val="C00000"/>
+              </a:solidFill>
+              <a:latin typeface="Arial"/>
+            </a:endParaRPr>
+          </a:p>
+          <a:p>
+            <a:pPr>
+              <a:lnSpc>
+                <a:spcPct val="100000"/>
+              </a:lnSpc>
+            </a:pPr>
+            <a:r>
+              <a:rPr lang="pt-BR" sz="1350" spc="-1" dirty="0">
+                <a:solidFill>
+                  <a:srgbClr val="C00000"/>
+                </a:solidFill>
+                <a:latin typeface="Arial"/>
+              </a:rPr>
+              <a:t>400 Frases </a:t>
+            </a:r>
+          </a:p>
+        </p:txBody>
+      </p:sp>
+      <p:sp>
+        <p:nvSpPr>
+          <p:cNvPr id="10" name="CustomShape 4">
+            <a:extLst>
+              <a:ext uri="{FF2B5EF4-FFF2-40B4-BE49-F238E27FC236}">
+                <a16:creationId xmlns:a16="http://schemas.microsoft.com/office/drawing/2014/main" id="{A1B8A513-2A4D-4C5D-9CA3-D5CDC9E57204}"/>
+              </a:ext>
+            </a:extLst>
+          </p:cNvPr>
+          <p:cNvSpPr/>
+          <p:nvPr/>
+        </p:nvSpPr>
+        <p:spPr>
+          <a:xfrm>
+            <a:off x="3053972" y="4809247"/>
+            <a:ext cx="3404181" cy="1929844"/>
+          </a:xfrm>
+          <a:prstGeom prst="rect">
+            <a:avLst/>
+          </a:prstGeom>
+          <a:noFill/>
+          <a:ln>
+            <a:solidFill>
+              <a:schemeClr val="accent2"/>
+            </a:solidFill>
+          </a:ln>
+        </p:spPr>
+        <p:style>
+          <a:lnRef idx="0">
+            <a:scrgbClr r="0" g="0" b="0"/>
+          </a:lnRef>
+          <a:fillRef idx="0">
+            <a:scrgbClr r="0" g="0" b="0"/>
+          </a:fillRef>
+          <a:effectRef idx="0">
+            <a:scrgbClr r="0" g="0" b="0"/>
+          </a:effectRef>
+          <a:fontRef idx="minor"/>
+        </p:style>
+        <p:txBody>
+          <a:bodyPr wrap="square" lIns="90000" tIns="45000" rIns="90000" bIns="45000">
+            <a:spAutoFit/>
+          </a:bodyPr>
+          <a:lstStyle/>
+          <a:p>
+            <a:pPr>
+              <a:lnSpc>
+                <a:spcPct val="100000"/>
+              </a:lnSpc>
+            </a:pPr>
+            <a:r>
+              <a:rPr lang="pt-BR" sz="1600" b="1" spc="-1" dirty="0">
+                <a:solidFill>
+                  <a:srgbClr val="C00000"/>
+                </a:solidFill>
+                <a:latin typeface="Calibri"/>
+              </a:rPr>
+              <a:t>Livros PDF</a:t>
+            </a:r>
+          </a:p>
+          <a:p>
+            <a:pPr>
+              <a:lnSpc>
+                <a:spcPct val="100000"/>
+              </a:lnSpc>
+            </a:pPr>
+            <a:endParaRPr lang="pt-BR" sz="1600" spc="-1" dirty="0">
+              <a:latin typeface="Calibri"/>
+            </a:endParaRPr>
+          </a:p>
+          <a:p>
+            <a:pPr>
+              <a:lnSpc>
+                <a:spcPct val="100000"/>
+              </a:lnSpc>
+            </a:pPr>
+            <a:r>
+              <a:rPr lang="pt-BR" sz="1600" spc="-1" dirty="0">
+                <a:latin typeface="Calibri"/>
+              </a:rPr>
+              <a:t>English </a:t>
+            </a:r>
+            <a:r>
+              <a:rPr lang="pt-BR" sz="1600" spc="-1" dirty="0" err="1">
+                <a:latin typeface="Calibri"/>
+              </a:rPr>
+              <a:t>Grammar</a:t>
+            </a:r>
+            <a:r>
+              <a:rPr lang="pt-BR" sz="1600" spc="-1" dirty="0">
+                <a:latin typeface="Calibri"/>
+              </a:rPr>
+              <a:t> in Use (Essential) </a:t>
+            </a:r>
+          </a:p>
+          <a:p>
+            <a:pPr>
+              <a:lnSpc>
+                <a:spcPct val="100000"/>
+              </a:lnSpc>
+            </a:pPr>
+            <a:r>
+              <a:rPr lang="pt-BR" sz="1600" spc="-1" dirty="0">
+                <a:latin typeface="Calibri"/>
+              </a:rPr>
+              <a:t>English </a:t>
+            </a:r>
+            <a:r>
+              <a:rPr lang="pt-BR" sz="1600" spc="-1" dirty="0" err="1">
+                <a:latin typeface="Calibri"/>
+              </a:rPr>
+              <a:t>Grammar</a:t>
+            </a:r>
+            <a:r>
+              <a:rPr lang="pt-BR" sz="1600" spc="-1" dirty="0">
+                <a:latin typeface="Calibri"/>
+              </a:rPr>
+              <a:t> in Use (</a:t>
+            </a:r>
+            <a:r>
+              <a:rPr lang="pt-BR" sz="1600" spc="-1" dirty="0" err="1">
+                <a:latin typeface="Calibri"/>
+              </a:rPr>
+              <a:t>Intermediate</a:t>
+            </a:r>
+            <a:r>
+              <a:rPr lang="pt-BR" sz="1400" spc="-1" dirty="0">
+                <a:latin typeface="Calibri"/>
+              </a:rPr>
+              <a:t>)</a:t>
+            </a:r>
+          </a:p>
+          <a:p>
+            <a:pPr>
+              <a:lnSpc>
+                <a:spcPct val="100000"/>
+              </a:lnSpc>
+            </a:pPr>
+            <a:r>
+              <a:rPr lang="pt-BR" sz="1400" spc="-1" dirty="0">
+                <a:latin typeface="Calibri"/>
+              </a:rPr>
+              <a:t>American English File</a:t>
+            </a:r>
+          </a:p>
+          <a:p>
+            <a:pPr>
+              <a:lnSpc>
+                <a:spcPct val="100000"/>
+              </a:lnSpc>
+            </a:pPr>
+            <a:r>
+              <a:rPr lang="pt-BR" sz="1400" spc="-1" dirty="0">
+                <a:latin typeface="Calibri"/>
+              </a:rPr>
+              <a:t>English for Everyone</a:t>
+            </a:r>
+          </a:p>
+          <a:p>
+            <a:pPr>
+              <a:lnSpc>
+                <a:spcPct val="100000"/>
+              </a:lnSpc>
+            </a:pPr>
+            <a:r>
+              <a:rPr lang="pt-BR" sz="1400" spc="-1" dirty="0">
+                <a:latin typeface="Calibri"/>
+              </a:rPr>
+              <a:t>Vocabulary in Pictures</a:t>
+            </a:r>
+          </a:p>
+          <a:p>
+            <a:pPr>
+              <a:lnSpc>
+                <a:spcPct val="100000"/>
+              </a:lnSpc>
+            </a:pPr>
+            <a:endParaRPr lang="pt-BR" sz="1350" spc="-1" dirty="0">
+              <a:latin typeface="Arial"/>
+            </a:endParaRPr>
+          </a:p>
+        </p:txBody>
+      </p:sp>
+      <p:sp>
+        <p:nvSpPr>
+          <p:cNvPr id="11" name="CustomShape 4">
+            <a:extLst>
+              <a:ext uri="{FF2B5EF4-FFF2-40B4-BE49-F238E27FC236}">
+                <a16:creationId xmlns:a16="http://schemas.microsoft.com/office/drawing/2014/main" id="{9255AA14-E56F-488F-B2EA-3DA9B2B99018}"/>
+              </a:ext>
+            </a:extLst>
+          </p:cNvPr>
+          <p:cNvSpPr/>
+          <p:nvPr/>
+        </p:nvSpPr>
+        <p:spPr>
+          <a:xfrm>
+            <a:off x="221321" y="576444"/>
+            <a:ext cx="2832651" cy="1375846"/>
+          </a:xfrm>
+          <a:prstGeom prst="rect">
+            <a:avLst/>
+          </a:prstGeom>
+          <a:noFill/>
+          <a:ln>
+            <a:solidFill>
+              <a:schemeClr val="accent2"/>
+            </a:solidFill>
+          </a:ln>
+        </p:spPr>
+        <p:style>
+          <a:lnRef idx="0">
+            <a:scrgbClr r="0" g="0" b="0"/>
+          </a:lnRef>
+          <a:fillRef idx="0">
+            <a:scrgbClr r="0" g="0" b="0"/>
+          </a:fillRef>
+          <a:effectRef idx="0">
+            <a:scrgbClr r="0" g="0" b="0"/>
+          </a:effectRef>
+          <a:fontRef idx="minor"/>
+        </p:style>
+        <p:txBody>
+          <a:bodyPr wrap="square" lIns="90000" tIns="45000" rIns="90000" bIns="45000">
+            <a:spAutoFit/>
+          </a:bodyPr>
+          <a:lstStyle/>
+          <a:p>
+            <a:pPr>
+              <a:lnSpc>
+                <a:spcPct val="100000"/>
+              </a:lnSpc>
+            </a:pPr>
+            <a:r>
+              <a:rPr lang="pt-BR" sz="1600" b="1" spc="-1" dirty="0">
+                <a:solidFill>
+                  <a:srgbClr val="C00000"/>
+                </a:solidFill>
+                <a:latin typeface="Calibri"/>
+              </a:rPr>
+              <a:t>Site</a:t>
+            </a:r>
+          </a:p>
+          <a:p>
+            <a:pPr marL="285750" indent="-285750">
+              <a:lnSpc>
+                <a:spcPct val="100000"/>
+              </a:lnSpc>
+              <a:buFont typeface="Arial" panose="020B0604020202020204" pitchFamily="34" charset="0"/>
+              <a:buChar char="•"/>
+            </a:pPr>
+            <a:r>
+              <a:rPr lang="pt-BR" sz="1350" spc="-1" dirty="0" err="1">
+                <a:latin typeface="Arial"/>
+              </a:rPr>
+              <a:t>Videos</a:t>
+            </a:r>
+            <a:r>
+              <a:rPr lang="pt-BR" sz="1350" spc="-1" dirty="0">
+                <a:latin typeface="Arial"/>
+              </a:rPr>
+              <a:t> gramaticais</a:t>
+            </a:r>
+          </a:p>
+          <a:p>
+            <a:pPr marL="285750" indent="-285750">
+              <a:lnSpc>
+                <a:spcPct val="100000"/>
+              </a:lnSpc>
+              <a:buFont typeface="Arial" panose="020B0604020202020204" pitchFamily="34" charset="0"/>
+              <a:buChar char="•"/>
+            </a:pPr>
+            <a:r>
+              <a:rPr lang="pt-BR" sz="1350" spc="-1" dirty="0">
+                <a:latin typeface="Arial"/>
+              </a:rPr>
+              <a:t>Imagens Resumo Gramatical</a:t>
+            </a:r>
+          </a:p>
+          <a:p>
+            <a:pPr marL="285750" indent="-285750">
+              <a:lnSpc>
+                <a:spcPct val="100000"/>
+              </a:lnSpc>
+              <a:buFont typeface="Arial" panose="020B0604020202020204" pitchFamily="34" charset="0"/>
+              <a:buChar char="•"/>
+            </a:pPr>
+            <a:r>
+              <a:rPr lang="pt-BR" sz="1350" spc="-1" dirty="0">
+                <a:latin typeface="Arial"/>
+              </a:rPr>
+              <a:t>Frases de aprendizado</a:t>
+            </a:r>
+          </a:p>
+          <a:p>
+            <a:pPr marL="285750" indent="-285750">
+              <a:lnSpc>
+                <a:spcPct val="100000"/>
+              </a:lnSpc>
+              <a:buFont typeface="Arial" panose="020B0604020202020204" pitchFamily="34" charset="0"/>
+              <a:buChar char="•"/>
+            </a:pPr>
+            <a:r>
+              <a:rPr lang="pt-BR" sz="1350" spc="-1" dirty="0">
+                <a:latin typeface="Arial"/>
+              </a:rPr>
+              <a:t>Imagens Vocabulário</a:t>
+            </a:r>
+          </a:p>
+          <a:p>
+            <a:pPr marL="285750" indent="-285750">
+              <a:lnSpc>
+                <a:spcPct val="100000"/>
+              </a:lnSpc>
+              <a:buFont typeface="Arial" panose="020B0604020202020204" pitchFamily="34" charset="0"/>
+              <a:buChar char="•"/>
+            </a:pPr>
+            <a:r>
+              <a:rPr lang="pt-BR" sz="1350" spc="-1" dirty="0">
+                <a:latin typeface="Arial"/>
+              </a:rPr>
+              <a:t>Vocabulário (</a:t>
+            </a:r>
+            <a:r>
+              <a:rPr lang="pt-BR" sz="1350" spc="-1" dirty="0" err="1">
+                <a:latin typeface="Arial"/>
+              </a:rPr>
+              <a:t>audio</a:t>
+            </a:r>
+            <a:r>
+              <a:rPr lang="pt-BR" sz="1350" spc="-1" dirty="0">
+                <a:latin typeface="Arial"/>
+              </a:rPr>
+              <a:t> &amp; tradução)</a:t>
+            </a:r>
+          </a:p>
+        </p:txBody>
+      </p:sp>
+      <p:sp>
+        <p:nvSpPr>
+          <p:cNvPr id="12" name="CustomShape 4">
+            <a:extLst>
+              <a:ext uri="{FF2B5EF4-FFF2-40B4-BE49-F238E27FC236}">
+                <a16:creationId xmlns:a16="http://schemas.microsoft.com/office/drawing/2014/main" id="{6F6D3E90-FFEA-44A4-81E8-1A6AAF091D4D}"/>
+              </a:ext>
+            </a:extLst>
+          </p:cNvPr>
+          <p:cNvSpPr/>
+          <p:nvPr/>
+        </p:nvSpPr>
+        <p:spPr>
+          <a:xfrm>
+            <a:off x="5284151" y="3738498"/>
+            <a:ext cx="1174002" cy="752599"/>
+          </a:xfrm>
+          <a:prstGeom prst="rect">
+            <a:avLst/>
+          </a:prstGeom>
+          <a:noFill/>
+          <a:ln>
+            <a:solidFill>
+              <a:schemeClr val="accent2"/>
+            </a:solidFill>
+          </a:ln>
+        </p:spPr>
+        <p:style>
+          <a:lnRef idx="0">
+            <a:scrgbClr r="0" g="0" b="0"/>
+          </a:lnRef>
+          <a:fillRef idx="0">
+            <a:scrgbClr r="0" g="0" b="0"/>
+          </a:fillRef>
+          <a:effectRef idx="0">
+            <a:scrgbClr r="0" g="0" b="0"/>
+          </a:effectRef>
+          <a:fontRef idx="minor"/>
+        </p:style>
+        <p:txBody>
+          <a:bodyPr wrap="square" lIns="90000" tIns="45000" rIns="90000" bIns="45000">
+            <a:spAutoFit/>
+          </a:bodyPr>
+          <a:lstStyle/>
+          <a:p>
+            <a:pPr>
+              <a:lnSpc>
+                <a:spcPct val="100000"/>
+              </a:lnSpc>
+            </a:pPr>
+            <a:r>
+              <a:rPr lang="pt-BR" sz="1600" b="1" spc="-1" dirty="0">
+                <a:solidFill>
+                  <a:srgbClr val="C00000"/>
+                </a:solidFill>
+                <a:latin typeface="Calibri"/>
+              </a:rPr>
+              <a:t>Exercícios </a:t>
+            </a:r>
+          </a:p>
+          <a:p>
+            <a:pPr>
+              <a:lnSpc>
+                <a:spcPct val="100000"/>
+              </a:lnSpc>
+            </a:pPr>
+            <a:endParaRPr lang="pt-BR" sz="1350" spc="-1" dirty="0">
+              <a:solidFill>
+                <a:srgbClr val="C00000"/>
+              </a:solidFill>
+              <a:latin typeface="Arial"/>
+            </a:endParaRPr>
+          </a:p>
+          <a:p>
+            <a:pPr>
+              <a:lnSpc>
+                <a:spcPct val="100000"/>
+              </a:lnSpc>
+            </a:pPr>
+            <a:r>
+              <a:rPr lang="pt-BR" sz="1350" spc="-1" dirty="0">
+                <a:solidFill>
+                  <a:srgbClr val="C00000"/>
+                </a:solidFill>
+                <a:latin typeface="Arial"/>
+              </a:rPr>
+              <a:t>240 PDF</a:t>
+            </a:r>
           </a:p>
         </p:txBody>
       </p:sp>
@@ -16574,7 +16106,7 @@
               </a:lnSpc>
             </a:pPr>
             <a:r>
-              <a:rPr lang="pt-BR" sz="1200" b="1" i="1" strike="noStrike" spc="-1">
+              <a:rPr lang="pt-BR" sz="1200" b="1" i="1" strike="noStrike" spc="-1" dirty="0">
                 <a:solidFill>
                   <a:srgbClr val="C00000"/>
                 </a:solidFill>
@@ -16583,7 +16115,7 @@
               <a:t>The - </a:t>
             </a:r>
             <a:r>
-              <a:rPr lang="pt-BR" sz="1200" b="0" strike="noStrike" spc="-1">
+              <a:rPr lang="pt-BR" sz="1200" b="0" strike="noStrike" spc="-1" dirty="0" err="1">
                 <a:solidFill>
                   <a:srgbClr val="000000"/>
                 </a:solidFill>
@@ -16591,18 +16123,18 @@
               </a:rPr>
               <a:t>article</a:t>
             </a:r>
-            <a:endParaRPr lang="pt-BR" sz="1200" b="0" strike="noStrike" spc="-1">
-              <a:latin typeface="Arial"/>
-            </a:endParaRPr>
-          </a:p>
-          <a:p>
-            <a:pPr>
-              <a:lnSpc>
-                <a:spcPct val="100000"/>
-              </a:lnSpc>
-            </a:pPr>
-            <a:r>
-              <a:rPr lang="en-US" sz="1200" b="0" i="1" strike="noStrike" spc="-1">
+            <a:endParaRPr lang="pt-BR" sz="1200" b="0" strike="noStrike" spc="-1" dirty="0">
+              <a:latin typeface="Arial"/>
+            </a:endParaRPr>
+          </a:p>
+          <a:p>
+            <a:pPr>
+              <a:lnSpc>
+                <a:spcPct val="100000"/>
+              </a:lnSpc>
+            </a:pPr>
+            <a:r>
+              <a:rPr lang="en-US" sz="1200" b="0" i="1" strike="noStrike" spc="-1" dirty="0">
                 <a:solidFill>
                   <a:srgbClr val="C00000"/>
                 </a:solidFill>
@@ -16612,7 +16144,7 @@
               <a:t>there's - </a:t>
             </a:r>
             <a:r>
-              <a:rPr lang="en-US" sz="1200" b="0" strike="noStrike" spc="-1">
+              <a:rPr lang="en-US" sz="1200" b="0" strike="noStrike" spc="-1" dirty="0" err="1">
                 <a:solidFill>
                   <a:srgbClr val="000000"/>
                 </a:solidFill>
@@ -16621,18 +16153,18 @@
               </a:rPr>
               <a:t>existir</a:t>
             </a:r>
-            <a:endParaRPr lang="pt-BR" sz="1200" b="0" strike="noStrike" spc="-1">
-              <a:latin typeface="Arial"/>
-            </a:endParaRPr>
-          </a:p>
-          <a:p>
-            <a:pPr>
-              <a:lnSpc>
-                <a:spcPct val="100000"/>
-              </a:lnSpc>
-            </a:pPr>
-            <a:r>
-              <a:rPr lang="pt-BR" sz="1200" b="1" i="1" strike="noStrike" spc="-1">
+            <a:endParaRPr lang="pt-BR" sz="1200" b="0" strike="noStrike" spc="-1" dirty="0">
+              <a:latin typeface="Arial"/>
+            </a:endParaRPr>
+          </a:p>
+          <a:p>
+            <a:pPr>
+              <a:lnSpc>
+                <a:spcPct val="100000"/>
+              </a:lnSpc>
+            </a:pPr>
+            <a:r>
+              <a:rPr lang="pt-BR" sz="1200" b="1" i="1" strike="noStrike" spc="-1" dirty="0">
                 <a:solidFill>
                   <a:srgbClr val="C00000"/>
                 </a:solidFill>
@@ -16642,7 +16174,7 @@
               <a:t> </a:t>
             </a:r>
             <a:r>
-              <a:rPr lang="en-US" sz="1200" b="0" i="1" strike="noStrike" spc="-1">
+              <a:rPr lang="en-US" sz="1200" b="0" i="1" strike="noStrike" spc="-1" dirty="0">
                 <a:solidFill>
                   <a:srgbClr val="C00000"/>
                 </a:solidFill>
@@ -16652,7 +16184,7 @@
               <a:t>men - </a:t>
             </a:r>
             <a:r>
-              <a:rPr lang="en-US" sz="1200" b="0" strike="noStrike" spc="-1">
+              <a:rPr lang="en-US" sz="1200" b="0" strike="noStrike" spc="-1" dirty="0">
                 <a:solidFill>
                   <a:srgbClr val="000000"/>
                 </a:solidFill>
@@ -16661,18 +16193,18 @@
               </a:rPr>
               <a:t>plural</a:t>
             </a:r>
-            <a:endParaRPr lang="pt-BR" sz="1200" b="0" strike="noStrike" spc="-1">
-              <a:latin typeface="Arial"/>
-            </a:endParaRPr>
-          </a:p>
-          <a:p>
-            <a:pPr>
-              <a:lnSpc>
-                <a:spcPct val="100000"/>
-              </a:lnSpc>
-            </a:pPr>
-            <a:r>
-              <a:rPr lang="en-US" sz="1200" b="0" i="1" strike="noStrike" spc="-1">
+            <a:endParaRPr lang="pt-BR" sz="1200" b="0" strike="noStrike" spc="-1" dirty="0">
+              <a:latin typeface="Arial"/>
+            </a:endParaRPr>
+          </a:p>
+          <a:p>
+            <a:pPr>
+              <a:lnSpc>
+                <a:spcPct val="100000"/>
+              </a:lnSpc>
+            </a:pPr>
+            <a:r>
+              <a:rPr lang="en-US" sz="1200" b="0" i="1" strike="noStrike" spc="-1" dirty="0">
                 <a:solidFill>
                   <a:srgbClr val="C00000"/>
                 </a:solidFill>
@@ -16682,7 +16214,7 @@
               <a:t>I could use - </a:t>
             </a:r>
             <a:r>
-              <a:rPr lang="en-US" sz="1200" b="0" strike="noStrike" spc="-1">
+              <a:rPr lang="en-US" sz="1200" b="0" strike="noStrike" spc="-1" dirty="0">
                 <a:solidFill>
                   <a:srgbClr val="000000"/>
                 </a:solidFill>
@@ -16691,18 +16223,18 @@
               </a:rPr>
               <a:t>modal</a:t>
             </a:r>
-            <a:endParaRPr lang="pt-BR" sz="1200" b="0" strike="noStrike" spc="-1">
-              <a:latin typeface="Arial"/>
-            </a:endParaRPr>
-          </a:p>
-          <a:p>
-            <a:pPr>
-              <a:lnSpc>
-                <a:spcPct val="100000"/>
-              </a:lnSpc>
-            </a:pPr>
-            <a:r>
-              <a:rPr lang="en-US" sz="1200" b="0" i="1" strike="noStrike" spc="-1">
+            <a:endParaRPr lang="pt-BR" sz="1200" b="0" strike="noStrike" spc="-1" dirty="0">
+              <a:latin typeface="Arial"/>
+            </a:endParaRPr>
+          </a:p>
+          <a:p>
+            <a:pPr>
+              <a:lnSpc>
+                <a:spcPct val="100000"/>
+              </a:lnSpc>
+            </a:pPr>
+            <a:r>
+              <a:rPr lang="en-US" sz="1200" b="0" i="1" strike="noStrike" spc="-1" dirty="0">
                 <a:solidFill>
                   <a:srgbClr val="C00000"/>
                 </a:solidFill>
@@ -16712,27 +16244,57 @@
               <a:t>as old as </a:t>
             </a:r>
             <a:r>
-              <a:rPr lang="en-US" sz="1200" b="0" strike="noStrike" spc="-1">
-                <a:solidFill>
-                  <a:srgbClr val="000000"/>
-                </a:solidFill>
-                <a:latin typeface="Calibri"/>
-                <a:ea typeface="Open Sans"/>
-              </a:rPr>
-              <a:t>– tão velho</a:t>
-            </a:r>
-            <a:endParaRPr lang="pt-BR" sz="1200" b="0" strike="noStrike" spc="-1">
-              <a:latin typeface="Arial"/>
-            </a:endParaRPr>
-          </a:p>
-          <a:p>
-            <a:pPr>
-              <a:lnSpc>
-                <a:spcPct val="100000"/>
-              </a:lnSpc>
-            </a:pPr>
-            <a:r>
-              <a:rPr lang="en-US" sz="1200" b="0" strike="noStrike" spc="-1">
+              <a:rPr lang="en-US" sz="1200" b="0" strike="noStrike" spc="-1" dirty="0">
+                <a:solidFill>
+                  <a:srgbClr val="000000"/>
+                </a:solidFill>
+                <a:latin typeface="Calibri"/>
+                <a:ea typeface="Open Sans"/>
+              </a:rPr>
+              <a:t>– </a:t>
+            </a:r>
+            <a:r>
+              <a:rPr lang="en-US" sz="1200" b="0" strike="noStrike" spc="-1" dirty="0" err="1">
+                <a:solidFill>
+                  <a:srgbClr val="000000"/>
+                </a:solidFill>
+                <a:latin typeface="Calibri"/>
+                <a:ea typeface="Open Sans"/>
+              </a:rPr>
+              <a:t>tão</a:t>
+            </a:r>
+            <a:r>
+              <a:rPr lang="en-US" sz="1200" b="0" strike="noStrike" spc="-1" dirty="0">
+                <a:solidFill>
+                  <a:srgbClr val="000000"/>
+                </a:solidFill>
+                <a:latin typeface="Calibri"/>
+                <a:ea typeface="Open Sans"/>
+              </a:rPr>
+              <a:t> </a:t>
+            </a:r>
+            <a:r>
+              <a:rPr lang="en-US" sz="1200" b="0" strike="noStrike" spc="-1" dirty="0" err="1">
+                <a:solidFill>
+                  <a:srgbClr val="000000"/>
+                </a:solidFill>
+                <a:latin typeface="Calibri"/>
+                <a:ea typeface="Open Sans"/>
+              </a:rPr>
+              <a:t>velho</a:t>
+            </a:r>
+            <a:endParaRPr lang="pt-BR" sz="1200" b="0" strike="noStrike" spc="-1" dirty="0">
+              <a:latin typeface="Arial"/>
+            </a:endParaRPr>
+          </a:p>
+          <a:p>
+            <a:pPr>
+              <a:lnSpc>
+                <a:spcPct val="100000"/>
+              </a:lnSpc>
+            </a:pPr>
+            <a:r>
+              <a:rPr lang="en-US" sz="1200" b="0" strike="noStrike" spc="-1" dirty="0">
                 <a:solidFill>
                   <a:srgbClr val="000000"/>
                 </a:solidFill>
@@ -16741,38 +16303,58 @@
               </a:rPr>
               <a:t>(L 12 – Comparative)</a:t>
             </a:r>
-            <a:endParaRPr lang="pt-BR" sz="1200" b="0" strike="noStrike" spc="-1">
-              <a:latin typeface="Arial"/>
-            </a:endParaRPr>
-          </a:p>
-          <a:p>
-            <a:pPr>
-              <a:lnSpc>
-                <a:spcPct val="100000"/>
-              </a:lnSpc>
-            </a:pPr>
-            <a:endParaRPr lang="pt-BR" sz="1200" b="0" strike="noStrike" spc="-1">
-              <a:latin typeface="Arial"/>
-            </a:endParaRPr>
-          </a:p>
-          <a:p>
-            <a:pPr>
-              <a:lnSpc>
-                <a:spcPct val="100000"/>
-              </a:lnSpc>
-            </a:pPr>
-            <a:r>
-              <a:rPr lang="pt-BR" sz="1200" b="1" i="1" strike="noStrike" spc="-1">
+            <a:endParaRPr lang="pt-BR" sz="1200" b="0" strike="noStrike" spc="-1" dirty="0">
+              <a:latin typeface="Arial"/>
+            </a:endParaRPr>
+          </a:p>
+          <a:p>
+            <a:pPr>
+              <a:lnSpc>
+                <a:spcPct val="100000"/>
+              </a:lnSpc>
+            </a:pPr>
+            <a:endParaRPr lang="pt-BR" sz="1200" b="0" strike="noStrike" spc="-1" dirty="0">
+              <a:latin typeface="Arial"/>
+            </a:endParaRPr>
+          </a:p>
+          <a:p>
+            <a:pPr>
+              <a:lnSpc>
+                <a:spcPct val="100000"/>
+              </a:lnSpc>
+            </a:pPr>
+            <a:r>
+              <a:rPr lang="pt-BR" sz="1200" b="1" i="1" strike="noStrike" spc="-1" dirty="0">
                 <a:solidFill>
                   <a:srgbClr val="C00000"/>
                 </a:solidFill>
                 <a:latin typeface="Calibri"/>
                 <a:ea typeface="Open Sans"/>
               </a:rPr>
-              <a:t>You were – </a:t>
-            </a:r>
-            <a:r>
-              <a:rPr lang="pt-BR" sz="1200" b="0" strike="noStrike" spc="-1">
+              <a:t>You </a:t>
+            </a:r>
+            <a:r>
+              <a:rPr lang="pt-BR" sz="1200" b="1" i="1" strike="noStrike" spc="-1" dirty="0" err="1">
+                <a:solidFill>
+                  <a:srgbClr val="C00000"/>
+                </a:solidFill>
+                <a:latin typeface="Calibri"/>
+                <a:ea typeface="Open Sans"/>
+              </a:rPr>
+              <a:t>were</a:t>
+            </a:r>
+            <a:r>
+              <a:rPr lang="pt-BR" sz="1200" b="1" i="1" strike="noStrike" spc="-1" dirty="0">
+                <a:solidFill>
+                  <a:srgbClr val="C00000"/>
+                </a:solidFill>
+                <a:latin typeface="Calibri"/>
+                <a:ea typeface="Open Sans"/>
+              </a:rPr>
+              <a:t> – </a:t>
+            </a:r>
+            <a:r>
+              <a:rPr lang="pt-BR" sz="1200" b="0" strike="noStrike" spc="-1" dirty="0">
                 <a:solidFill>
                   <a:srgbClr val="000000"/>
                 </a:solidFill>
@@ -16781,37 +16363,77 @@
               </a:rPr>
               <a:t>você era</a:t>
             </a:r>
-            <a:endParaRPr lang="pt-BR" sz="1200" b="0" strike="noStrike" spc="-1">
-              <a:latin typeface="Arial"/>
-            </a:endParaRPr>
-          </a:p>
-          <a:p>
-            <a:pPr>
-              <a:lnSpc>
-                <a:spcPct val="100000"/>
-              </a:lnSpc>
-            </a:pPr>
-            <a:r>
-              <a:rPr lang="pt-BR" sz="1200" b="0" strike="noStrike" spc="-1">
-                <a:solidFill>
-                  <a:srgbClr val="000000"/>
-                </a:solidFill>
-                <a:latin typeface="Calibri"/>
-                <a:ea typeface="Open Sans"/>
-              </a:rPr>
-              <a:t>(L 2 – To Be –past)</a:t>
-            </a:r>
-            <a:endParaRPr lang="pt-BR" sz="1200" b="0" strike="noStrike" spc="-1">
-              <a:latin typeface="Arial"/>
-            </a:endParaRPr>
-          </a:p>
-          <a:p>
-            <a:pPr>
-              <a:lnSpc>
-                <a:spcPct val="100000"/>
-              </a:lnSpc>
-            </a:pPr>
-            <a:endParaRPr lang="pt-BR" sz="1200" b="0" strike="noStrike" spc="-1">
+            <a:endParaRPr lang="pt-BR" sz="1200" b="0" strike="noStrike" spc="-1" dirty="0">
+              <a:latin typeface="Arial"/>
+            </a:endParaRPr>
+          </a:p>
+          <a:p>
+            <a:pPr>
+              <a:lnSpc>
+                <a:spcPct val="100000"/>
+              </a:lnSpc>
+            </a:pPr>
+            <a:r>
+              <a:rPr lang="pt-BR" sz="1200" b="0" strike="noStrike" spc="-1" dirty="0">
+                <a:solidFill>
+                  <a:srgbClr val="000000"/>
+                </a:solidFill>
+                <a:latin typeface="Calibri"/>
+                <a:ea typeface="Open Sans"/>
+              </a:rPr>
+              <a:t>(L 2 – </a:t>
+            </a:r>
+            <a:r>
+              <a:rPr lang="pt-BR" sz="1200" b="0" strike="noStrike" spc="-1" dirty="0" err="1">
+                <a:solidFill>
+                  <a:srgbClr val="000000"/>
+                </a:solidFill>
+                <a:latin typeface="Calibri"/>
+                <a:ea typeface="Open Sans"/>
+              </a:rPr>
+              <a:t>To</a:t>
+            </a:r>
+            <a:r>
+              <a:rPr lang="pt-BR" sz="1200" b="0" strike="noStrike" spc="-1" dirty="0">
+                <a:solidFill>
+                  <a:srgbClr val="000000"/>
+                </a:solidFill>
+                <a:latin typeface="Calibri"/>
+                <a:ea typeface="Open Sans"/>
+              </a:rPr>
+              <a:t> Be –</a:t>
+            </a:r>
+            <a:r>
+              <a:rPr lang="pt-BR" sz="1200" b="0" strike="noStrike" spc="-1" dirty="0" err="1">
+                <a:solidFill>
+                  <a:srgbClr val="000000"/>
+                </a:solidFill>
+                <a:latin typeface="Calibri"/>
+                <a:ea typeface="Open Sans"/>
+              </a:rPr>
+              <a:t>past</a:t>
+            </a:r>
+            <a:r>
+              <a:rPr lang="pt-BR" sz="1200" b="0" strike="noStrike" spc="-1" dirty="0">
+                <a:solidFill>
+                  <a:srgbClr val="000000"/>
+                </a:solidFill>
+                <a:latin typeface="Calibri"/>
+                <a:ea typeface="Open Sans"/>
+              </a:rPr>
+              <a:t>)</a:t>
+            </a:r>
+            <a:endParaRPr lang="pt-BR" sz="1200" b="0" strike="noStrike" spc="-1" dirty="0">
+              <a:latin typeface="Arial"/>
+            </a:endParaRPr>
+          </a:p>
+          <a:p>
+            <a:pPr>
+              <a:lnSpc>
+                <a:spcPct val="100000"/>
+              </a:lnSpc>
+            </a:pPr>
+            <a:endParaRPr lang="pt-BR" sz="1200" b="0" strike="noStrike" spc="-1" dirty="0">
               <a:latin typeface="Arial"/>
             </a:endParaRPr>
           </a:p>

--- a/content/files/Operacional/Cronograma_geral.pptx
+++ b/content/files/Operacional/Cronograma_geral.pptx
@@ -12,6 +12,8 @@
     <p:sldId id="259" r:id="rId6"/>
     <p:sldId id="260" r:id="rId7"/>
     <p:sldId id="261" r:id="rId8"/>
+    <p:sldId id="262" r:id="rId9"/>
+    <p:sldId id="263" r:id="rId10"/>
   </p:sldIdLst>
   <p:sldSz cx="6858000" cy="9906000" type="A4"/>
   <p:notesSz cx="7559675" cy="10691813"/>
@@ -3268,7 +3270,7 @@
                 </a:solidFill>
                 <a:latin typeface="Calibri"/>
               </a:rPr>
-              <a:t>17/02/2022</a:t>
+              <a:t>12/03/2022</a:t>
             </a:fld>
             <a:endParaRPr lang="pt-BR" sz="900" b="0" strike="noStrike" spc="-1">
               <a:latin typeface="Times New Roman"/>
@@ -4088,7 +4090,7 @@
                 </a:solidFill>
                 <a:latin typeface="Calibri"/>
               </a:rPr>
-              <a:t>17/02/2022</a:t>
+              <a:t>12/03/2022</a:t>
             </a:fld>
             <a:endParaRPr lang="pt-BR" sz="900" b="0" strike="noStrike" spc="-1">
               <a:latin typeface="Times New Roman"/>
@@ -16440,6 +16442,138 @@
         </p:txBody>
       </p:sp>
     </p:spTree>
+  </p:cSld>
+  <p:clrMapOvr>
+    <a:masterClrMapping/>
+  </p:clrMapOvr>
+</p:sld>
+</file>
+
+<file path=ppt/slides/slide7.xml><?xml version="1.0" encoding="utf-8"?>
+<p:sld xmlns:a="http://schemas.openxmlformats.org/drawingml/2006/main" xmlns:r="http://schemas.openxmlformats.org/officeDocument/2006/relationships" xmlns:p="http://schemas.openxmlformats.org/presentationml/2006/main">
+  <p:cSld>
+    <p:spTree>
+      <p:nvGrpSpPr>
+        <p:cNvPr id="1" name=""/>
+        <p:cNvGrpSpPr/>
+        <p:nvPr/>
+      </p:nvGrpSpPr>
+      <p:grpSpPr>
+        <a:xfrm>
+          <a:off x="0" y="0"/>
+          <a:ext cx="0" cy="0"/>
+          <a:chOff x="0" y="0"/>
+          <a:chExt cx="0" cy="0"/>
+        </a:xfrm>
+      </p:grpSpPr>
+      <p:pic>
+        <p:nvPicPr>
+          <p:cNvPr id="5" name="Imagem 4">
+            <a:extLst>
+              <a:ext uri="{FF2B5EF4-FFF2-40B4-BE49-F238E27FC236}">
+                <a16:creationId xmlns:a16="http://schemas.microsoft.com/office/drawing/2014/main" id="{39518FB5-11A6-4BBB-952A-0B9F5BBAD6FF}"/>
+              </a:ext>
+            </a:extLst>
+          </p:cNvPr>
+          <p:cNvPicPr>
+            <a:picLocks noChangeAspect="1"/>
+          </p:cNvPicPr>
+          <p:nvPr/>
+        </p:nvPicPr>
+        <p:blipFill>
+          <a:blip r:embed="rId2">
+            <a:extLst>
+              <a:ext uri="{28A0092B-C50C-407E-A947-70E740481C1C}">
+                <a14:useLocalDpi xmlns:a14="http://schemas.microsoft.com/office/drawing/2010/main" val="0"/>
+              </a:ext>
+            </a:extLst>
+          </a:blip>
+          <a:stretch>
+            <a:fillRect/>
+          </a:stretch>
+        </p:blipFill>
+        <p:spPr>
+          <a:xfrm>
+            <a:off x="0" y="103888"/>
+            <a:ext cx="6858000" cy="9698224"/>
+          </a:xfrm>
+          <a:prstGeom prst="rect">
+            <a:avLst/>
+          </a:prstGeom>
+        </p:spPr>
+      </p:pic>
+    </p:spTree>
+    <p:extLst>
+      <p:ext uri="{BB962C8B-B14F-4D97-AF65-F5344CB8AC3E}">
+        <p14:creationId xmlns:p14="http://schemas.microsoft.com/office/powerpoint/2010/main" val="3038247853"/>
+      </p:ext>
+    </p:extLst>
+  </p:cSld>
+  <p:clrMapOvr>
+    <a:masterClrMapping/>
+  </p:clrMapOvr>
+</p:sld>
+</file>
+
+<file path=ppt/slides/slide8.xml><?xml version="1.0" encoding="utf-8"?>
+<p:sld xmlns:a="http://schemas.openxmlformats.org/drawingml/2006/main" xmlns:r="http://schemas.openxmlformats.org/officeDocument/2006/relationships" xmlns:p="http://schemas.openxmlformats.org/presentationml/2006/main">
+  <p:cSld>
+    <p:spTree>
+      <p:nvGrpSpPr>
+        <p:cNvPr id="1" name=""/>
+        <p:cNvGrpSpPr/>
+        <p:nvPr/>
+      </p:nvGrpSpPr>
+      <p:grpSpPr>
+        <a:xfrm>
+          <a:off x="0" y="0"/>
+          <a:ext cx="0" cy="0"/>
+          <a:chOff x="0" y="0"/>
+          <a:chExt cx="0" cy="0"/>
+        </a:xfrm>
+      </p:grpSpPr>
+      <p:pic>
+        <p:nvPicPr>
+          <p:cNvPr id="5" name="Imagem 4">
+            <a:extLst>
+              <a:ext uri="{FF2B5EF4-FFF2-40B4-BE49-F238E27FC236}">
+                <a16:creationId xmlns:a16="http://schemas.microsoft.com/office/drawing/2014/main" id="{0B69D0EF-E4A1-432A-9B0B-1D3B46C4A9E1}"/>
+              </a:ext>
+            </a:extLst>
+          </p:cNvPr>
+          <p:cNvPicPr>
+            <a:picLocks noChangeAspect="1"/>
+          </p:cNvPicPr>
+          <p:nvPr/>
+        </p:nvPicPr>
+        <p:blipFill>
+          <a:blip r:embed="rId2">
+            <a:extLst>
+              <a:ext uri="{28A0092B-C50C-407E-A947-70E740481C1C}">
+                <a14:useLocalDpi xmlns:a14="http://schemas.microsoft.com/office/drawing/2010/main" val="0"/>
+              </a:ext>
+            </a:extLst>
+          </a:blip>
+          <a:stretch>
+            <a:fillRect/>
+          </a:stretch>
+        </p:blipFill>
+        <p:spPr>
+          <a:xfrm>
+            <a:off x="0" y="103888"/>
+            <a:ext cx="6858000" cy="9698224"/>
+          </a:xfrm>
+          <a:prstGeom prst="rect">
+            <a:avLst/>
+          </a:prstGeom>
+        </p:spPr>
+      </p:pic>
+    </p:spTree>
+    <p:extLst>
+      <p:ext uri="{BB962C8B-B14F-4D97-AF65-F5344CB8AC3E}">
+        <p14:creationId xmlns:p14="http://schemas.microsoft.com/office/powerpoint/2010/main" val="3674653931"/>
+      </p:ext>
+    </p:extLst>
   </p:cSld>
   <p:clrMapOvr>
     <a:masterClrMapping/>

--- a/content/files/Operacional/Cronograma_geral.pptx
+++ b/content/files/Operacional/Cronograma_geral.pptx
@@ -3270,7 +3270,7 @@
                 </a:solidFill>
                 <a:latin typeface="Calibri"/>
               </a:rPr>
-              <a:t>12/03/2022</a:t>
+              <a:t>11/05/2022</a:t>
             </a:fld>
             <a:endParaRPr lang="pt-BR" sz="900" b="0" strike="noStrike" spc="-1">
               <a:latin typeface="Times New Roman"/>
@@ -4090,7 +4090,7 @@
                 </a:solidFill>
                 <a:latin typeface="Calibri"/>
               </a:rPr>
-              <a:t>12/03/2022</a:t>
+              <a:t>11/05/2022</a:t>
             </a:fld>
             <a:endParaRPr lang="pt-BR" sz="900" b="0" strike="noStrike" spc="-1">
               <a:latin typeface="Times New Roman"/>
@@ -10316,268 +10316,8 @@
         </p:nvSpPr>
         <p:spPr>
           <a:xfrm>
-            <a:off x="3655031" y="3801575"/>
-            <a:ext cx="1327841" cy="583321"/>
-          </a:xfrm>
-          <a:prstGeom prst="rect">
-            <a:avLst/>
-          </a:prstGeom>
-          <a:noFill/>
-          <a:ln>
-            <a:solidFill>
-              <a:schemeClr val="accent2"/>
-            </a:solidFill>
-          </a:ln>
-        </p:spPr>
-        <p:style>
-          <a:lnRef idx="0">
-            <a:scrgbClr r="0" g="0" b="0"/>
-          </a:lnRef>
-          <a:fillRef idx="0">
-            <a:scrgbClr r="0" g="0" b="0"/>
-          </a:fillRef>
-          <a:effectRef idx="0">
-            <a:scrgbClr r="0" g="0" b="0"/>
-          </a:effectRef>
-          <a:fontRef idx="minor"/>
-        </p:style>
-        <p:txBody>
-          <a:bodyPr wrap="none" lIns="90000" tIns="45000" rIns="90000" bIns="45000">
-            <a:spAutoFit/>
-          </a:bodyPr>
-          <a:lstStyle/>
-          <a:p>
-            <a:pPr>
-              <a:lnSpc>
-                <a:spcPct val="100000"/>
-              </a:lnSpc>
-            </a:pPr>
-            <a:r>
-              <a:rPr lang="pt-BR" sz="1600" b="1" strike="noStrike" spc="-1" dirty="0" err="1">
-                <a:solidFill>
-                  <a:srgbClr val="C00000"/>
-                </a:solidFill>
-                <a:latin typeface="Calibri"/>
-              </a:rPr>
-              <a:t>Phrasal</a:t>
-            </a:r>
-            <a:r>
-              <a:rPr lang="pt-BR" sz="1600" b="1" strike="noStrike" spc="-1" dirty="0">
-                <a:solidFill>
-                  <a:srgbClr val="C00000"/>
-                </a:solidFill>
-                <a:latin typeface="Calibri"/>
-              </a:rPr>
-              <a:t> </a:t>
-            </a:r>
-            <a:r>
-              <a:rPr lang="pt-BR" sz="1600" b="1" strike="noStrike" spc="-1" dirty="0" err="1">
-                <a:solidFill>
-                  <a:srgbClr val="C00000"/>
-                </a:solidFill>
-                <a:latin typeface="Calibri"/>
-              </a:rPr>
-              <a:t>Verbs</a:t>
-            </a:r>
-            <a:endParaRPr lang="pt-BR" sz="1600" b="0" strike="noStrike" spc="-1" dirty="0">
-              <a:latin typeface="Arial"/>
-            </a:endParaRPr>
-          </a:p>
-          <a:p>
-            <a:pPr>
-              <a:lnSpc>
-                <a:spcPct val="100000"/>
-              </a:lnSpc>
-            </a:pPr>
-            <a:r>
-              <a:rPr lang="pt-BR" sz="1600" b="1" strike="noStrike" spc="-1" dirty="0">
-                <a:solidFill>
-                  <a:srgbClr val="C00000"/>
-                </a:solidFill>
-                <a:latin typeface="Calibri"/>
-              </a:rPr>
-              <a:t>120 </a:t>
-            </a:r>
-            <a:endParaRPr lang="pt-BR" sz="1600" b="0" strike="noStrike" spc="-1" dirty="0">
-              <a:latin typeface="Arial"/>
-            </a:endParaRPr>
-          </a:p>
-        </p:txBody>
-      </p:sp>
-      <p:sp>
-        <p:nvSpPr>
-          <p:cNvPr id="92" name="CustomShape 3"/>
-          <p:cNvSpPr/>
-          <p:nvPr/>
-        </p:nvSpPr>
-        <p:spPr>
-          <a:xfrm>
-            <a:off x="221322" y="6013964"/>
-            <a:ext cx="2086920" cy="1063800"/>
-          </a:xfrm>
-          <a:prstGeom prst="rect">
-            <a:avLst/>
-          </a:prstGeom>
-          <a:noFill/>
-          <a:ln>
-            <a:solidFill>
-              <a:schemeClr val="accent2"/>
-            </a:solidFill>
-          </a:ln>
-        </p:spPr>
-        <p:style>
-          <a:lnRef idx="0">
-            <a:scrgbClr r="0" g="0" b="0"/>
-          </a:lnRef>
-          <a:fillRef idx="0">
-            <a:scrgbClr r="0" g="0" b="0"/>
-          </a:fillRef>
-          <a:effectRef idx="0">
-            <a:scrgbClr r="0" g="0" b="0"/>
-          </a:effectRef>
-          <a:fontRef idx="minor"/>
-        </p:style>
-        <p:txBody>
-          <a:bodyPr lIns="90000" tIns="45000" rIns="90000" bIns="45000">
-            <a:spAutoFit/>
-          </a:bodyPr>
-          <a:lstStyle/>
-          <a:p>
-            <a:pPr>
-              <a:lnSpc>
-                <a:spcPct val="100000"/>
-              </a:lnSpc>
-            </a:pPr>
-            <a:r>
-              <a:rPr lang="pt-BR" sz="1600" b="1" strike="noStrike" spc="-1" dirty="0">
-                <a:solidFill>
-                  <a:srgbClr val="C00000"/>
-                </a:solidFill>
-                <a:latin typeface="Calibri"/>
-              </a:rPr>
-              <a:t>Songs</a:t>
-            </a:r>
-            <a:endParaRPr lang="pt-BR" sz="1600" b="0" strike="noStrike" spc="-1" dirty="0">
-              <a:latin typeface="Arial"/>
-            </a:endParaRPr>
-          </a:p>
-          <a:p>
-            <a:pPr marL="343080" indent="-342720">
-              <a:lnSpc>
-                <a:spcPct val="100000"/>
-              </a:lnSpc>
-              <a:buClr>
-                <a:srgbClr val="70AD47"/>
-              </a:buClr>
-              <a:buFont typeface="Calibri Light"/>
-              <a:buAutoNum type="arabicPeriod"/>
-            </a:pPr>
-            <a:r>
-              <a:rPr lang="pt-BR" sz="1200" b="0" strike="noStrike" spc="-1" dirty="0">
-                <a:solidFill>
-                  <a:srgbClr val="70AD47"/>
-                </a:solidFill>
-                <a:latin typeface="Calibri"/>
-                <a:ea typeface="Calibri"/>
-              </a:rPr>
-              <a:t>Oceans</a:t>
-            </a:r>
-            <a:endParaRPr lang="pt-BR" sz="1200" b="0" strike="noStrike" spc="-1" dirty="0">
-              <a:latin typeface="Arial"/>
-            </a:endParaRPr>
-          </a:p>
-          <a:p>
-            <a:pPr marL="343080" indent="-342720">
-              <a:lnSpc>
-                <a:spcPct val="100000"/>
-              </a:lnSpc>
-              <a:buClr>
-                <a:srgbClr val="70AD47"/>
-              </a:buClr>
-              <a:buFont typeface="Calibri Light"/>
-              <a:buAutoNum type="arabicPeriod"/>
-            </a:pPr>
-            <a:r>
-              <a:rPr lang="pt-BR" sz="1200" b="0" strike="noStrike" spc="-1" dirty="0">
-                <a:solidFill>
-                  <a:srgbClr val="70AD47"/>
-                </a:solidFill>
-                <a:latin typeface="Calibri"/>
-                <a:ea typeface="Calibri"/>
-              </a:rPr>
-              <a:t>I will Always </a:t>
-            </a:r>
-            <a:r>
-              <a:rPr lang="pt-BR" sz="1200" b="0" strike="noStrike" spc="-1" dirty="0" err="1">
-                <a:solidFill>
-                  <a:srgbClr val="70AD47"/>
-                </a:solidFill>
-                <a:latin typeface="Calibri"/>
-                <a:ea typeface="Calibri"/>
-              </a:rPr>
-              <a:t>love</a:t>
-            </a:r>
-            <a:r>
-              <a:rPr lang="pt-BR" sz="1200" b="0" strike="noStrike" spc="-1" dirty="0">
-                <a:solidFill>
-                  <a:srgbClr val="70AD47"/>
-                </a:solidFill>
-                <a:latin typeface="Calibri"/>
-                <a:ea typeface="Calibri"/>
-              </a:rPr>
-              <a:t> you</a:t>
-            </a:r>
-            <a:endParaRPr lang="pt-BR" sz="1200" b="0" strike="noStrike" spc="-1" dirty="0">
-              <a:latin typeface="Arial"/>
-            </a:endParaRPr>
-          </a:p>
-          <a:p>
-            <a:pPr marL="343080" indent="-342720">
-              <a:lnSpc>
-                <a:spcPct val="100000"/>
-              </a:lnSpc>
-              <a:buClr>
-                <a:srgbClr val="70AD47"/>
-              </a:buClr>
-              <a:buFont typeface="Calibri Light"/>
-              <a:buAutoNum type="arabicPeriod"/>
-            </a:pPr>
-            <a:r>
-              <a:rPr lang="pt-BR" sz="1200" b="0" strike="noStrike" spc="-1" dirty="0">
-                <a:solidFill>
-                  <a:srgbClr val="70AD47"/>
-                </a:solidFill>
-                <a:latin typeface="Calibri"/>
-                <a:ea typeface="Calibri"/>
-              </a:rPr>
-              <a:t>Let it go</a:t>
-            </a:r>
-            <a:endParaRPr lang="pt-BR" sz="1200" b="0" strike="noStrike" spc="-1" dirty="0">
-              <a:latin typeface="Arial"/>
-            </a:endParaRPr>
-          </a:p>
-          <a:p>
-            <a:pPr>
-              <a:lnSpc>
-                <a:spcPct val="100000"/>
-              </a:lnSpc>
-            </a:pPr>
-            <a:endParaRPr lang="pt-BR" sz="1200" b="0" strike="noStrike" spc="-1" dirty="0">
-              <a:latin typeface="Arial"/>
-            </a:endParaRPr>
-          </a:p>
-        </p:txBody>
-      </p:sp>
-      <p:sp>
-        <p:nvSpPr>
-          <p:cNvPr id="93" name="CustomShape 4"/>
-          <p:cNvSpPr/>
-          <p:nvPr/>
-        </p:nvSpPr>
-        <p:spPr>
-          <a:xfrm>
-            <a:off x="3642662" y="84960"/>
-            <a:ext cx="2459964" cy="752599"/>
+            <a:off x="3632559" y="2976693"/>
+            <a:ext cx="2825593" cy="583321"/>
           </a:xfrm>
           <a:prstGeom prst="rect">
             <a:avLst/>
@@ -10613,520 +10353,49 @@
               </a:lnSpc>
             </a:pPr>
             <a:r>
-              <a:rPr lang="pt-BR" sz="1600" b="1" spc="-1" dirty="0" err="1">
+              <a:rPr lang="pt-BR" sz="1600" b="1" strike="noStrike" spc="-1" dirty="0">
                 <a:solidFill>
                   <a:srgbClr val="C00000"/>
                 </a:solidFill>
                 <a:latin typeface="Calibri"/>
               </a:rPr>
-              <a:t>Motivational</a:t>
-            </a:r>
-            <a:r>
-              <a:rPr lang="pt-BR" sz="1600" b="1" spc="-1" dirty="0">
+              <a:t>120 Phrasal Verbs</a:t>
+            </a:r>
+            <a:endParaRPr lang="pt-BR" sz="1600" b="0" strike="noStrike" spc="-1" dirty="0">
+              <a:latin typeface="Arial"/>
+            </a:endParaRPr>
+          </a:p>
+          <a:p>
+            <a:pPr>
+              <a:lnSpc>
+                <a:spcPct val="100000"/>
+              </a:lnSpc>
+            </a:pPr>
+            <a:r>
+              <a:rPr lang="pt-BR" sz="1600" strike="noStrike" spc="-1" dirty="0">
                 <a:solidFill>
                   <a:srgbClr val="C00000"/>
                 </a:solidFill>
                 <a:latin typeface="Calibri"/>
               </a:rPr>
-              <a:t> Quotes</a:t>
-            </a:r>
-          </a:p>
-          <a:p>
-            <a:pPr>
-              <a:lnSpc>
-                <a:spcPct val="100000"/>
-              </a:lnSpc>
-            </a:pPr>
-            <a:endParaRPr lang="pt-BR" sz="1350" spc="-1" dirty="0">
-              <a:solidFill>
-                <a:srgbClr val="C00000"/>
-              </a:solidFill>
-              <a:latin typeface="Arial"/>
-            </a:endParaRPr>
-          </a:p>
-          <a:p>
-            <a:pPr>
-              <a:lnSpc>
-                <a:spcPct val="100000"/>
-              </a:lnSpc>
-            </a:pPr>
-            <a:r>
-              <a:rPr lang="pt-BR" sz="1350" spc="-1" dirty="0">
-                <a:solidFill>
-                  <a:srgbClr val="C00000"/>
-                </a:solidFill>
-                <a:latin typeface="Arial"/>
-              </a:rPr>
-              <a:t>240 Frases </a:t>
-            </a:r>
+              <a:t>120 </a:t>
+            </a:r>
+            <a:endParaRPr lang="pt-BR" sz="1600" strike="noStrike" spc="-1" dirty="0">
+              <a:latin typeface="Arial"/>
+            </a:endParaRPr>
           </a:p>
         </p:txBody>
       </p:sp>
       <p:sp>
         <p:nvSpPr>
-          <p:cNvPr id="94" name="CustomShape 5"/>
+          <p:cNvPr id="92" name="CustomShape 3"/>
           <p:cNvSpPr/>
           <p:nvPr/>
         </p:nvSpPr>
         <p:spPr>
           <a:xfrm>
-            <a:off x="221322" y="2360001"/>
-            <a:ext cx="2177640" cy="3254040"/>
-          </a:xfrm>
-          <a:prstGeom prst="rect">
-            <a:avLst/>
-          </a:prstGeom>
-          <a:noFill/>
-          <a:ln>
-            <a:solidFill>
-              <a:schemeClr val="accent2"/>
-            </a:solidFill>
-          </a:ln>
-        </p:spPr>
-        <p:style>
-          <a:lnRef idx="0">
-            <a:scrgbClr r="0" g="0" b="0"/>
-          </a:lnRef>
-          <a:fillRef idx="0">
-            <a:scrgbClr r="0" g="0" b="0"/>
-          </a:fillRef>
-          <a:effectRef idx="0">
-            <a:scrgbClr r="0" g="0" b="0"/>
-          </a:effectRef>
-          <a:fontRef idx="minor"/>
-        </p:style>
-        <p:txBody>
-          <a:bodyPr wrap="none" lIns="90000" tIns="45000" rIns="90000" bIns="45000">
-            <a:spAutoFit/>
-          </a:bodyPr>
-          <a:lstStyle/>
-          <a:p>
-            <a:pPr>
-              <a:lnSpc>
-                <a:spcPct val="100000"/>
-              </a:lnSpc>
-            </a:pPr>
-            <a:r>
-              <a:rPr lang="pt-BR" sz="1600" b="1" strike="noStrike" spc="-1" dirty="0" err="1">
-                <a:solidFill>
-                  <a:srgbClr val="C00000"/>
-                </a:solidFill>
-                <a:latin typeface="Calibri"/>
-              </a:rPr>
-              <a:t>Movies</a:t>
-            </a:r>
-            <a:endParaRPr lang="pt-BR" sz="1600" b="0" strike="noStrike" spc="-1" dirty="0">
-              <a:latin typeface="Arial"/>
-            </a:endParaRPr>
-          </a:p>
-          <a:p>
-            <a:pPr marL="343080" indent="-342720">
-              <a:lnSpc>
-                <a:spcPct val="100000"/>
-              </a:lnSpc>
-              <a:buClr>
-                <a:srgbClr val="70AD47"/>
-              </a:buClr>
-              <a:buFont typeface="Calibri Light"/>
-              <a:buAutoNum type="arabicPeriod"/>
-            </a:pPr>
-            <a:r>
-              <a:rPr lang="pt-BR" sz="1200" b="0" strike="noStrike" spc="-1" dirty="0">
-                <a:solidFill>
-                  <a:srgbClr val="70AD47"/>
-                </a:solidFill>
-                <a:latin typeface="Calibri"/>
-                <a:ea typeface="Calibri"/>
-              </a:rPr>
-              <a:t>The </a:t>
-            </a:r>
-            <a:r>
-              <a:rPr lang="pt-BR" sz="1200" b="0" strike="noStrike" spc="-1" dirty="0" err="1">
-                <a:solidFill>
-                  <a:srgbClr val="70AD47"/>
-                </a:solidFill>
-                <a:latin typeface="Calibri"/>
-                <a:ea typeface="Calibri"/>
-              </a:rPr>
-              <a:t>Intern</a:t>
-            </a:r>
-            <a:endParaRPr lang="pt-BR" sz="1200" b="0" strike="noStrike" spc="-1" dirty="0">
-              <a:latin typeface="Arial"/>
-            </a:endParaRPr>
-          </a:p>
-          <a:p>
-            <a:pPr marL="343080" indent="-342720">
-              <a:lnSpc>
-                <a:spcPct val="100000"/>
-              </a:lnSpc>
-              <a:buClr>
-                <a:srgbClr val="70AD47"/>
-              </a:buClr>
-              <a:buFont typeface="Calibri Light"/>
-              <a:buAutoNum type="arabicPeriod"/>
-            </a:pPr>
-            <a:r>
-              <a:rPr lang="pt-BR" sz="1200" b="0" strike="noStrike" spc="-1" dirty="0">
-                <a:solidFill>
-                  <a:srgbClr val="70AD47"/>
-                </a:solidFill>
-                <a:latin typeface="Calibri"/>
-                <a:ea typeface="Calibri"/>
-              </a:rPr>
-              <a:t>The </a:t>
-            </a:r>
-            <a:r>
-              <a:rPr lang="pt-BR" sz="1200" b="0" strike="noStrike" spc="-1" dirty="0" err="1">
-                <a:solidFill>
-                  <a:srgbClr val="70AD47"/>
-                </a:solidFill>
-                <a:latin typeface="Calibri"/>
-                <a:ea typeface="Calibri"/>
-              </a:rPr>
-              <a:t>Greatest</a:t>
-            </a:r>
-            <a:r>
-              <a:rPr lang="pt-BR" sz="1200" b="0" strike="noStrike" spc="-1" dirty="0">
-                <a:solidFill>
-                  <a:srgbClr val="70AD47"/>
-                </a:solidFill>
-                <a:latin typeface="Calibri"/>
-                <a:ea typeface="Calibri"/>
-              </a:rPr>
-              <a:t> showman</a:t>
-            </a:r>
-            <a:endParaRPr lang="pt-BR" sz="1200" b="0" strike="noStrike" spc="-1" dirty="0">
-              <a:latin typeface="Arial"/>
-            </a:endParaRPr>
-          </a:p>
-          <a:p>
-            <a:pPr marL="343080" indent="-342720">
-              <a:lnSpc>
-                <a:spcPct val="100000"/>
-              </a:lnSpc>
-              <a:buClr>
-                <a:srgbClr val="70AD47"/>
-              </a:buClr>
-              <a:buFont typeface="Calibri Light"/>
-              <a:buAutoNum type="arabicPeriod"/>
-            </a:pPr>
-            <a:r>
-              <a:rPr lang="pt-BR" sz="1200" b="0" strike="noStrike" spc="-1" dirty="0">
-                <a:solidFill>
-                  <a:srgbClr val="70AD47"/>
-                </a:solidFill>
-                <a:latin typeface="Calibri"/>
-                <a:ea typeface="Calibri"/>
-              </a:rPr>
-              <a:t>Me before you</a:t>
-            </a:r>
-            <a:endParaRPr lang="pt-BR" sz="1200" b="0" strike="noStrike" spc="-1" dirty="0">
-              <a:latin typeface="Arial"/>
-            </a:endParaRPr>
-          </a:p>
-          <a:p>
-            <a:pPr marL="343080" indent="-342720">
-              <a:lnSpc>
-                <a:spcPct val="100000"/>
-              </a:lnSpc>
-              <a:buClr>
-                <a:srgbClr val="70AD47"/>
-              </a:buClr>
-              <a:buFont typeface="Calibri Light"/>
-              <a:buAutoNum type="arabicPeriod"/>
-            </a:pPr>
-            <a:r>
-              <a:rPr lang="pt-BR" sz="1200" b="0" strike="noStrike" spc="-1" dirty="0">
-                <a:solidFill>
-                  <a:srgbClr val="70AD47"/>
-                </a:solidFill>
-                <a:latin typeface="Calibri"/>
-                <a:ea typeface="Calibri"/>
-              </a:rPr>
-              <a:t>Divertidamente</a:t>
-            </a:r>
-            <a:endParaRPr lang="pt-BR" sz="1200" b="0" strike="noStrike" spc="-1" dirty="0">
-              <a:latin typeface="Arial"/>
-            </a:endParaRPr>
-          </a:p>
-          <a:p>
-            <a:pPr marL="343080" indent="-342720">
-              <a:lnSpc>
-                <a:spcPct val="100000"/>
-              </a:lnSpc>
-              <a:buClr>
-                <a:srgbClr val="70AD47"/>
-              </a:buClr>
-              <a:buFont typeface="Calibri Light"/>
-              <a:buAutoNum type="arabicPeriod"/>
-            </a:pPr>
-            <a:r>
-              <a:rPr lang="pt-BR" sz="1200" b="0" strike="noStrike" spc="-1" dirty="0">
-                <a:solidFill>
-                  <a:srgbClr val="70AD47"/>
-                </a:solidFill>
-                <a:latin typeface="Calibri"/>
-                <a:ea typeface="Calibri"/>
-              </a:rPr>
-              <a:t>Frozen</a:t>
-            </a:r>
-            <a:endParaRPr lang="pt-BR" sz="1200" b="0" strike="noStrike" spc="-1" dirty="0">
-              <a:latin typeface="Arial"/>
-            </a:endParaRPr>
-          </a:p>
-          <a:p>
-            <a:pPr marL="343080" indent="-342720">
-              <a:lnSpc>
-                <a:spcPct val="100000"/>
-              </a:lnSpc>
-              <a:buClr>
-                <a:srgbClr val="70AD47"/>
-              </a:buClr>
-              <a:buFont typeface="Calibri Light"/>
-              <a:buAutoNum type="arabicPeriod"/>
-            </a:pPr>
-            <a:r>
-              <a:rPr lang="pt-BR" sz="1200" b="0" strike="noStrike" spc="-1" dirty="0">
-                <a:solidFill>
-                  <a:srgbClr val="70AD47"/>
-                </a:solidFill>
-                <a:latin typeface="Calibri"/>
-                <a:ea typeface="Calibri"/>
-              </a:rPr>
-              <a:t>Era do Gelo</a:t>
-            </a:r>
-            <a:endParaRPr lang="pt-BR" sz="1200" b="0" strike="noStrike" spc="-1" dirty="0">
-              <a:latin typeface="Arial"/>
-            </a:endParaRPr>
-          </a:p>
-          <a:p>
-            <a:pPr marL="343080" indent="-342720">
-              <a:lnSpc>
-                <a:spcPct val="100000"/>
-              </a:lnSpc>
-              <a:buClr>
-                <a:srgbClr val="70AD47"/>
-              </a:buClr>
-              <a:buFont typeface="Calibri Light"/>
-              <a:buAutoNum type="arabicPeriod"/>
-            </a:pPr>
-            <a:r>
-              <a:rPr lang="pt-BR" sz="1200" b="0" strike="noStrike" spc="-1" dirty="0" err="1">
-                <a:solidFill>
-                  <a:srgbClr val="70AD47"/>
-                </a:solidFill>
-                <a:latin typeface="Calibri"/>
-                <a:ea typeface="Calibri"/>
-              </a:rPr>
-              <a:t>Hitch</a:t>
-            </a:r>
-            <a:endParaRPr lang="pt-BR" sz="1200" b="0" strike="noStrike" spc="-1" dirty="0">
-              <a:latin typeface="Arial"/>
-            </a:endParaRPr>
-          </a:p>
-          <a:p>
-            <a:pPr marL="343080" indent="-342720">
-              <a:lnSpc>
-                <a:spcPct val="100000"/>
-              </a:lnSpc>
-              <a:buClr>
-                <a:srgbClr val="70AD47"/>
-              </a:buClr>
-              <a:buFont typeface="Calibri Light"/>
-              <a:buAutoNum type="arabicPeriod"/>
-            </a:pPr>
-            <a:r>
-              <a:rPr lang="pt-BR" sz="1200" b="0" strike="noStrike" spc="-1" dirty="0" err="1">
-                <a:solidFill>
-                  <a:srgbClr val="70AD47"/>
-                </a:solidFill>
-                <a:latin typeface="Calibri"/>
-                <a:ea typeface="Calibri"/>
-              </a:rPr>
-              <a:t>Jumanji</a:t>
-            </a:r>
-            <a:endParaRPr lang="pt-BR" sz="1200" b="0" strike="noStrike" spc="-1" dirty="0">
-              <a:latin typeface="Arial"/>
-            </a:endParaRPr>
-          </a:p>
-          <a:p>
-            <a:pPr marL="343080" indent="-342720">
-              <a:lnSpc>
-                <a:spcPct val="100000"/>
-              </a:lnSpc>
-              <a:buClr>
-                <a:srgbClr val="70AD47"/>
-              </a:buClr>
-              <a:buFont typeface="Calibri Light"/>
-              <a:buAutoNum type="arabicPeriod"/>
-            </a:pPr>
-            <a:r>
-              <a:rPr lang="pt-BR" sz="1200" b="0" strike="noStrike" spc="-1" dirty="0">
-                <a:solidFill>
-                  <a:srgbClr val="70AD47"/>
-                </a:solidFill>
-                <a:latin typeface="Calibri"/>
-                <a:ea typeface="Calibri"/>
-              </a:rPr>
-              <a:t>Oceans 11</a:t>
-            </a:r>
-            <a:endParaRPr lang="pt-BR" sz="1200" b="0" strike="noStrike" spc="-1" dirty="0">
-              <a:latin typeface="Arial"/>
-            </a:endParaRPr>
-          </a:p>
-          <a:p>
-            <a:pPr marL="343080" indent="-342720">
-              <a:lnSpc>
-                <a:spcPct val="100000"/>
-              </a:lnSpc>
-              <a:buClr>
-                <a:srgbClr val="70AD47"/>
-              </a:buClr>
-              <a:buFont typeface="Calibri Light"/>
-              <a:buAutoNum type="arabicPeriod"/>
-            </a:pPr>
-            <a:r>
-              <a:rPr lang="pt-BR" sz="1200" b="0" strike="noStrike" spc="-1" dirty="0" err="1">
-                <a:solidFill>
-                  <a:srgbClr val="70AD47"/>
-                </a:solidFill>
-                <a:latin typeface="Calibri"/>
-                <a:ea typeface="Calibri"/>
-              </a:rPr>
-              <a:t>Beauty</a:t>
-            </a:r>
-            <a:r>
-              <a:rPr lang="pt-BR" sz="1200" b="0" strike="noStrike" spc="-1" dirty="0">
-                <a:solidFill>
-                  <a:srgbClr val="70AD47"/>
-                </a:solidFill>
-                <a:latin typeface="Calibri"/>
-                <a:ea typeface="Calibri"/>
-              </a:rPr>
-              <a:t> and the </a:t>
-            </a:r>
-            <a:r>
-              <a:rPr lang="pt-BR" sz="1200" b="0" strike="noStrike" spc="-1" dirty="0" err="1">
-                <a:solidFill>
-                  <a:srgbClr val="70AD47"/>
-                </a:solidFill>
-                <a:latin typeface="Calibri"/>
-                <a:ea typeface="Calibri"/>
-              </a:rPr>
-              <a:t>Beast</a:t>
-            </a:r>
-            <a:endParaRPr lang="pt-BR" sz="1200" b="0" strike="noStrike" spc="-1" dirty="0">
-              <a:latin typeface="Arial"/>
-            </a:endParaRPr>
-          </a:p>
-          <a:p>
-            <a:pPr marL="343080" indent="-342720">
-              <a:lnSpc>
-                <a:spcPct val="100000"/>
-              </a:lnSpc>
-              <a:buClr>
-                <a:srgbClr val="70AD47"/>
-              </a:buClr>
-              <a:buFont typeface="Calibri Light"/>
-              <a:buAutoNum type="arabicPeriod"/>
-            </a:pPr>
-            <a:r>
-              <a:rPr lang="pt-BR" sz="1200" b="0" strike="noStrike" spc="-1" dirty="0" err="1">
-                <a:solidFill>
-                  <a:srgbClr val="70AD47"/>
-                </a:solidFill>
-                <a:latin typeface="Calibri"/>
-                <a:ea typeface="Calibri"/>
-              </a:rPr>
-              <a:t>Moana</a:t>
-            </a:r>
-            <a:endParaRPr lang="pt-BR" sz="1200" b="0" strike="noStrike" spc="-1" dirty="0">
-              <a:latin typeface="Arial"/>
-            </a:endParaRPr>
-          </a:p>
-          <a:p>
-            <a:pPr marL="343080" indent="-342720">
-              <a:lnSpc>
-                <a:spcPct val="100000"/>
-              </a:lnSpc>
-              <a:buClr>
-                <a:srgbClr val="70AD47"/>
-              </a:buClr>
-              <a:buFont typeface="Calibri Light"/>
-              <a:buAutoNum type="arabicPeriod"/>
-            </a:pPr>
-            <a:r>
-              <a:rPr lang="pt-BR" sz="1200" b="0" strike="noStrike" spc="-1" dirty="0">
-                <a:solidFill>
-                  <a:srgbClr val="70AD47"/>
-                </a:solidFill>
-                <a:latin typeface="Calibri"/>
-                <a:ea typeface="Calibri"/>
-              </a:rPr>
-              <a:t>Aladdin</a:t>
-            </a:r>
-            <a:endParaRPr lang="pt-BR" sz="1200" b="0" strike="noStrike" spc="-1" dirty="0">
-              <a:latin typeface="Arial"/>
-            </a:endParaRPr>
-          </a:p>
-          <a:p>
-            <a:pPr>
-              <a:lnSpc>
-                <a:spcPct val="100000"/>
-              </a:lnSpc>
-            </a:pPr>
-            <a:endParaRPr lang="pt-BR" sz="1200" b="0" strike="noStrike" spc="-1" dirty="0">
-              <a:latin typeface="Arial"/>
-            </a:endParaRPr>
-          </a:p>
-          <a:p>
-            <a:pPr>
-              <a:lnSpc>
-                <a:spcPct val="100000"/>
-              </a:lnSpc>
-            </a:pPr>
-            <a:endParaRPr lang="pt-BR" sz="1200" b="0" strike="noStrike" spc="-1" dirty="0">
-              <a:latin typeface="Arial"/>
-            </a:endParaRPr>
-          </a:p>
-          <a:p>
-            <a:pPr>
-              <a:lnSpc>
-                <a:spcPct val="100000"/>
-              </a:lnSpc>
-            </a:pPr>
-            <a:endParaRPr lang="pt-BR" sz="1200" b="0" strike="noStrike" spc="-1" dirty="0">
-              <a:latin typeface="Arial"/>
-            </a:endParaRPr>
-          </a:p>
-          <a:p>
-            <a:pPr>
-              <a:lnSpc>
-                <a:spcPct val="100000"/>
-              </a:lnSpc>
-            </a:pPr>
-            <a:endParaRPr lang="pt-BR" sz="1200" b="0" strike="noStrike" spc="-1" dirty="0">
-              <a:latin typeface="Arial"/>
-            </a:endParaRPr>
-          </a:p>
-        </p:txBody>
-      </p:sp>
-      <p:sp>
-        <p:nvSpPr>
-          <p:cNvPr id="7" name="CustomShape 4">
-            <a:extLst>
-              <a:ext uri="{FF2B5EF4-FFF2-40B4-BE49-F238E27FC236}">
-                <a16:creationId xmlns:a16="http://schemas.microsoft.com/office/drawing/2014/main" id="{658B7117-ECE9-4CB9-A88C-7201B16C53FB}"/>
-              </a:ext>
-            </a:extLst>
-          </p:cNvPr>
-          <p:cNvSpPr/>
-          <p:nvPr/>
-        </p:nvSpPr>
-        <p:spPr>
-          <a:xfrm>
-            <a:off x="3655031" y="937363"/>
-            <a:ext cx="2832652" cy="752599"/>
+            <a:off x="3655032" y="8096742"/>
+            <a:ext cx="2845020" cy="1075764"/>
           </a:xfrm>
           <a:prstGeom prst="rect">
             <a:avLst/>
@@ -11162,86 +10431,135 @@
               </a:lnSpc>
             </a:pPr>
             <a:r>
-              <a:rPr lang="pt-BR" sz="1600" b="1" spc="-1" dirty="0" err="1">
+              <a:rPr lang="pt-BR" sz="1600" b="1" strike="noStrike" spc="-1" dirty="0">
                 <a:solidFill>
                   <a:srgbClr val="C00000"/>
                 </a:solidFill>
                 <a:latin typeface="Calibri"/>
               </a:rPr>
-              <a:t>Conversation</a:t>
-            </a:r>
-            <a:r>
-              <a:rPr lang="pt-BR" sz="1600" b="1" spc="-1" dirty="0">
-                <a:solidFill>
-                  <a:srgbClr val="C00000"/>
-                </a:solidFill>
-                <a:latin typeface="Calibri"/>
-              </a:rPr>
-              <a:t> </a:t>
-            </a:r>
-            <a:r>
-              <a:rPr lang="pt-BR" sz="1600" b="1" spc="-1" dirty="0" err="1">
-                <a:solidFill>
-                  <a:srgbClr val="C00000"/>
-                </a:solidFill>
-                <a:latin typeface="Calibri"/>
-              </a:rPr>
-              <a:t>Topics</a:t>
-            </a:r>
-            <a:endParaRPr lang="pt-BR" sz="1600" b="1" spc="-1" dirty="0">
-              <a:solidFill>
-                <a:srgbClr val="C00000"/>
-              </a:solidFill>
-              <a:latin typeface="Calibri"/>
-            </a:endParaRPr>
-          </a:p>
-          <a:p>
-            <a:pPr>
-              <a:lnSpc>
-                <a:spcPct val="100000"/>
-              </a:lnSpc>
-            </a:pPr>
-            <a:endParaRPr lang="pt-BR" sz="1350" spc="-1" dirty="0">
-              <a:solidFill>
-                <a:srgbClr val="C00000"/>
-              </a:solidFill>
-              <a:latin typeface="Arial"/>
-            </a:endParaRPr>
-          </a:p>
-          <a:p>
-            <a:pPr>
-              <a:lnSpc>
-                <a:spcPct val="100000"/>
-              </a:lnSpc>
-            </a:pPr>
-            <a:r>
-              <a:rPr lang="pt-BR" sz="1350" spc="-1" dirty="0">
-                <a:solidFill>
-                  <a:srgbClr val="C00000"/>
-                </a:solidFill>
-                <a:latin typeface="Arial"/>
-              </a:rPr>
-              <a:t>360 tópicos com 3600 perguntas </a:t>
-            </a:r>
+              <a:t>Songs</a:t>
+            </a:r>
+            <a:endParaRPr lang="pt-BR" sz="1600" b="0" strike="noStrike" spc="-1" dirty="0">
+              <a:latin typeface="Arial"/>
+            </a:endParaRPr>
+          </a:p>
+          <a:p>
+            <a:pPr marL="343080" indent="-342720">
+              <a:lnSpc>
+                <a:spcPct val="100000"/>
+              </a:lnSpc>
+              <a:buClr>
+                <a:srgbClr val="70AD47"/>
+              </a:buClr>
+              <a:buFont typeface="Calibri Light"/>
+              <a:buAutoNum type="arabicPeriod"/>
+            </a:pPr>
+            <a:r>
+              <a:rPr lang="pt-BR" sz="1200" b="0" strike="noStrike" spc="-1" dirty="0">
+                <a:solidFill>
+                  <a:srgbClr val="70AD47"/>
+                </a:solidFill>
+                <a:latin typeface="Calibri"/>
+                <a:ea typeface="Calibri"/>
+              </a:rPr>
+              <a:t>Oceans</a:t>
+            </a:r>
+            <a:endParaRPr lang="pt-BR" sz="1200" b="0" strike="noStrike" spc="-1" dirty="0">
+              <a:latin typeface="Arial"/>
+            </a:endParaRPr>
+          </a:p>
+          <a:p>
+            <a:pPr marL="343080" indent="-342720">
+              <a:lnSpc>
+                <a:spcPct val="100000"/>
+              </a:lnSpc>
+              <a:buClr>
+                <a:srgbClr val="70AD47"/>
+              </a:buClr>
+              <a:buFont typeface="Calibri Light"/>
+              <a:buAutoNum type="arabicPeriod"/>
+            </a:pPr>
+            <a:r>
+              <a:rPr lang="pt-BR" sz="1200" b="0" strike="noStrike" spc="-1" dirty="0">
+                <a:solidFill>
+                  <a:srgbClr val="70AD47"/>
+                </a:solidFill>
+                <a:latin typeface="Calibri"/>
+                <a:ea typeface="Calibri"/>
+              </a:rPr>
+              <a:t>I will Always </a:t>
+            </a:r>
+            <a:r>
+              <a:rPr lang="pt-BR" sz="1200" b="0" strike="noStrike" spc="-1" dirty="0" err="1">
+                <a:solidFill>
+                  <a:srgbClr val="70AD47"/>
+                </a:solidFill>
+                <a:latin typeface="Calibri"/>
+                <a:ea typeface="Calibri"/>
+              </a:rPr>
+              <a:t>love</a:t>
+            </a:r>
+            <a:r>
+              <a:rPr lang="pt-BR" sz="1200" b="0" strike="noStrike" spc="-1" dirty="0">
+                <a:solidFill>
+                  <a:srgbClr val="70AD47"/>
+                </a:solidFill>
+                <a:latin typeface="Calibri"/>
+                <a:ea typeface="Calibri"/>
+              </a:rPr>
+              <a:t> you</a:t>
+            </a:r>
+            <a:endParaRPr lang="pt-BR" sz="1200" b="0" strike="noStrike" spc="-1" dirty="0">
+              <a:latin typeface="Arial"/>
+            </a:endParaRPr>
+          </a:p>
+          <a:p>
+            <a:pPr marL="343080" indent="-342720">
+              <a:lnSpc>
+                <a:spcPct val="100000"/>
+              </a:lnSpc>
+              <a:buClr>
+                <a:srgbClr val="70AD47"/>
+              </a:buClr>
+              <a:buFont typeface="Calibri Light"/>
+              <a:buAutoNum type="arabicPeriod"/>
+            </a:pPr>
+            <a:r>
+              <a:rPr lang="pt-BR" sz="1200" b="0" strike="noStrike" spc="-1" dirty="0">
+                <a:solidFill>
+                  <a:srgbClr val="70AD47"/>
+                </a:solidFill>
+                <a:latin typeface="Calibri"/>
+                <a:ea typeface="Calibri"/>
+              </a:rPr>
+              <a:t>Let it go</a:t>
+            </a:r>
+            <a:endParaRPr lang="pt-BR" sz="1200" b="0" strike="noStrike" spc="-1" dirty="0">
+              <a:latin typeface="Arial"/>
+            </a:endParaRPr>
+          </a:p>
+          <a:p>
+            <a:pPr>
+              <a:lnSpc>
+                <a:spcPct val="100000"/>
+              </a:lnSpc>
+            </a:pPr>
+            <a:endParaRPr lang="pt-BR" sz="1200" b="0" strike="noStrike" spc="-1" dirty="0">
+              <a:latin typeface="Arial"/>
+            </a:endParaRPr>
           </a:p>
         </p:txBody>
       </p:sp>
       <p:sp>
         <p:nvSpPr>
-          <p:cNvPr id="8" name="CustomShape 4">
-            <a:extLst>
-              <a:ext uri="{FF2B5EF4-FFF2-40B4-BE49-F238E27FC236}">
-                <a16:creationId xmlns:a16="http://schemas.microsoft.com/office/drawing/2014/main" id="{C1478314-2B5D-4448-AE19-6EECC451B140}"/>
-              </a:ext>
-            </a:extLst>
-          </p:cNvPr>
+          <p:cNvPr id="94" name="CustomShape 5"/>
           <p:cNvSpPr/>
           <p:nvPr/>
         </p:nvSpPr>
         <p:spPr>
           <a:xfrm>
-            <a:off x="3642662" y="1911729"/>
-            <a:ext cx="2459964" cy="752599"/>
+            <a:off x="3655031" y="4943314"/>
+            <a:ext cx="2803121" cy="2737757"/>
           </a:xfrm>
           <a:prstGeom prst="rect">
             <a:avLst/>
@@ -11277,52 +10595,386 @@
               </a:lnSpc>
             </a:pPr>
             <a:r>
-              <a:rPr lang="pt-BR" sz="1600" b="1" spc="-1" dirty="0">
+              <a:rPr lang="pt-BR" sz="1600" b="1" strike="noStrike" spc="-1" dirty="0" err="1">
                 <a:solidFill>
                   <a:srgbClr val="C00000"/>
                 </a:solidFill>
                 <a:latin typeface="Calibri"/>
               </a:rPr>
-              <a:t>Com se diz em Inglês</a:t>
-            </a:r>
-          </a:p>
-          <a:p>
-            <a:pPr>
-              <a:lnSpc>
-                <a:spcPct val="100000"/>
-              </a:lnSpc>
-            </a:pPr>
-            <a:endParaRPr lang="pt-BR" sz="1350" spc="-1" dirty="0">
-              <a:solidFill>
-                <a:srgbClr val="C00000"/>
-              </a:solidFill>
-              <a:latin typeface="Arial"/>
-            </a:endParaRPr>
-          </a:p>
-          <a:p>
-            <a:pPr>
-              <a:lnSpc>
-                <a:spcPct val="100000"/>
-              </a:lnSpc>
-            </a:pPr>
-            <a:r>
-              <a:rPr lang="pt-BR" sz="1350" spc="-1" dirty="0">
-                <a:solidFill>
-                  <a:srgbClr val="C00000"/>
-                </a:solidFill>
-                <a:latin typeface="Arial"/>
-              </a:rPr>
-              <a:t>240 Expressões</a:t>
-            </a:r>
+              <a:t>Movies</a:t>
+            </a:r>
+            <a:endParaRPr lang="pt-BR" sz="1600" b="0" strike="noStrike" spc="-1" dirty="0">
+              <a:latin typeface="Arial"/>
+            </a:endParaRPr>
+          </a:p>
+          <a:p>
+            <a:pPr marL="343080" indent="-342720">
+              <a:lnSpc>
+                <a:spcPct val="100000"/>
+              </a:lnSpc>
+              <a:buClr>
+                <a:srgbClr val="70AD47"/>
+              </a:buClr>
+              <a:buFont typeface="Calibri Light"/>
+              <a:buAutoNum type="arabicPeriod"/>
+            </a:pPr>
+            <a:r>
+              <a:rPr lang="pt-BR" sz="1200" b="0" strike="noStrike" spc="-1" dirty="0">
+                <a:solidFill>
+                  <a:srgbClr val="70AD47"/>
+                </a:solidFill>
+                <a:latin typeface="Calibri"/>
+                <a:ea typeface="Calibri"/>
+              </a:rPr>
+              <a:t>The </a:t>
+            </a:r>
+            <a:r>
+              <a:rPr lang="pt-BR" sz="1200" b="0" strike="noStrike" spc="-1" dirty="0" err="1">
+                <a:solidFill>
+                  <a:srgbClr val="70AD47"/>
+                </a:solidFill>
+                <a:latin typeface="Calibri"/>
+                <a:ea typeface="Calibri"/>
+              </a:rPr>
+              <a:t>Intern</a:t>
+            </a:r>
+            <a:endParaRPr lang="pt-BR" sz="1200" b="0" strike="noStrike" spc="-1" dirty="0">
+              <a:latin typeface="Arial"/>
+            </a:endParaRPr>
+          </a:p>
+          <a:p>
+            <a:pPr marL="343080" indent="-342720">
+              <a:lnSpc>
+                <a:spcPct val="100000"/>
+              </a:lnSpc>
+              <a:buClr>
+                <a:srgbClr val="70AD47"/>
+              </a:buClr>
+              <a:buFont typeface="Calibri Light"/>
+              <a:buAutoNum type="arabicPeriod"/>
+            </a:pPr>
+            <a:r>
+              <a:rPr lang="pt-BR" sz="1200" b="0" strike="noStrike" spc="-1" dirty="0">
+                <a:solidFill>
+                  <a:srgbClr val="70AD47"/>
+                </a:solidFill>
+                <a:latin typeface="Calibri"/>
+                <a:ea typeface="Calibri"/>
+              </a:rPr>
+              <a:t>The </a:t>
+            </a:r>
+            <a:r>
+              <a:rPr lang="pt-BR" sz="1200" b="0" strike="noStrike" spc="-1" dirty="0" err="1">
+                <a:solidFill>
+                  <a:srgbClr val="70AD47"/>
+                </a:solidFill>
+                <a:latin typeface="Calibri"/>
+                <a:ea typeface="Calibri"/>
+              </a:rPr>
+              <a:t>Greatest</a:t>
+            </a:r>
+            <a:r>
+              <a:rPr lang="pt-BR" sz="1200" b="0" strike="noStrike" spc="-1" dirty="0">
+                <a:solidFill>
+                  <a:srgbClr val="70AD47"/>
+                </a:solidFill>
+                <a:latin typeface="Calibri"/>
+                <a:ea typeface="Calibri"/>
+              </a:rPr>
+              <a:t> showman</a:t>
+            </a:r>
+            <a:endParaRPr lang="pt-BR" sz="1200" b="0" strike="noStrike" spc="-1" dirty="0">
+              <a:latin typeface="Arial"/>
+            </a:endParaRPr>
+          </a:p>
+          <a:p>
+            <a:pPr marL="343080" indent="-342720">
+              <a:lnSpc>
+                <a:spcPct val="100000"/>
+              </a:lnSpc>
+              <a:buClr>
+                <a:srgbClr val="70AD47"/>
+              </a:buClr>
+              <a:buFont typeface="Calibri Light"/>
+              <a:buAutoNum type="arabicPeriod"/>
+            </a:pPr>
+            <a:r>
+              <a:rPr lang="pt-BR" sz="1200" b="0" strike="noStrike" spc="-1" dirty="0">
+                <a:solidFill>
+                  <a:srgbClr val="70AD47"/>
+                </a:solidFill>
+                <a:latin typeface="Calibri"/>
+                <a:ea typeface="Calibri"/>
+              </a:rPr>
+              <a:t>Me before you</a:t>
+            </a:r>
+            <a:endParaRPr lang="pt-BR" sz="1200" b="0" strike="noStrike" spc="-1" dirty="0">
+              <a:latin typeface="Arial"/>
+            </a:endParaRPr>
+          </a:p>
+          <a:p>
+            <a:pPr marL="343080" indent="-342720">
+              <a:lnSpc>
+                <a:spcPct val="100000"/>
+              </a:lnSpc>
+              <a:buClr>
+                <a:srgbClr val="70AD47"/>
+              </a:buClr>
+              <a:buFont typeface="Calibri Light"/>
+              <a:buAutoNum type="arabicPeriod"/>
+            </a:pPr>
+            <a:r>
+              <a:rPr lang="pt-BR" sz="1200" b="0" strike="noStrike" spc="-1" dirty="0">
+                <a:solidFill>
+                  <a:srgbClr val="70AD47"/>
+                </a:solidFill>
+                <a:latin typeface="Calibri"/>
+                <a:ea typeface="Calibri"/>
+              </a:rPr>
+              <a:t>Divertidamente</a:t>
+            </a:r>
+            <a:endParaRPr lang="pt-BR" sz="1200" b="0" strike="noStrike" spc="-1" dirty="0">
+              <a:latin typeface="Arial"/>
+            </a:endParaRPr>
+          </a:p>
+          <a:p>
+            <a:pPr marL="343080" indent="-342720">
+              <a:lnSpc>
+                <a:spcPct val="100000"/>
+              </a:lnSpc>
+              <a:buClr>
+                <a:srgbClr val="70AD47"/>
+              </a:buClr>
+              <a:buFont typeface="Calibri Light"/>
+              <a:buAutoNum type="arabicPeriod"/>
+            </a:pPr>
+            <a:r>
+              <a:rPr lang="pt-BR" sz="1200" b="0" strike="noStrike" spc="-1" dirty="0">
+                <a:solidFill>
+                  <a:srgbClr val="70AD47"/>
+                </a:solidFill>
+                <a:latin typeface="Calibri"/>
+                <a:ea typeface="Calibri"/>
+              </a:rPr>
+              <a:t>Frozen</a:t>
+            </a:r>
+            <a:endParaRPr lang="pt-BR" sz="1200" b="0" strike="noStrike" spc="-1" dirty="0">
+              <a:latin typeface="Arial"/>
+            </a:endParaRPr>
+          </a:p>
+          <a:p>
+            <a:pPr marL="343080" indent="-342720">
+              <a:lnSpc>
+                <a:spcPct val="100000"/>
+              </a:lnSpc>
+              <a:buClr>
+                <a:srgbClr val="70AD47"/>
+              </a:buClr>
+              <a:buFont typeface="Calibri Light"/>
+              <a:buAutoNum type="arabicPeriod"/>
+            </a:pPr>
+            <a:r>
+              <a:rPr lang="pt-BR" sz="1200" b="0" strike="noStrike" spc="-1" dirty="0">
+                <a:solidFill>
+                  <a:srgbClr val="70AD47"/>
+                </a:solidFill>
+                <a:latin typeface="Calibri"/>
+                <a:ea typeface="Calibri"/>
+              </a:rPr>
+              <a:t>Era do Gelo</a:t>
+            </a:r>
+            <a:endParaRPr lang="pt-BR" sz="1200" b="0" strike="noStrike" spc="-1" dirty="0">
+              <a:latin typeface="Arial"/>
+            </a:endParaRPr>
+          </a:p>
+          <a:p>
+            <a:pPr marL="343080" indent="-342720">
+              <a:lnSpc>
+                <a:spcPct val="100000"/>
+              </a:lnSpc>
+              <a:buClr>
+                <a:srgbClr val="70AD47"/>
+              </a:buClr>
+              <a:buFont typeface="Calibri Light"/>
+              <a:buAutoNum type="arabicPeriod"/>
+            </a:pPr>
+            <a:r>
+              <a:rPr lang="pt-BR" sz="1200" b="0" strike="noStrike" spc="-1" dirty="0" err="1">
+                <a:solidFill>
+                  <a:srgbClr val="70AD47"/>
+                </a:solidFill>
+                <a:latin typeface="Calibri"/>
+                <a:ea typeface="Calibri"/>
+              </a:rPr>
+              <a:t>Hitch</a:t>
+            </a:r>
+            <a:endParaRPr lang="pt-BR" sz="1200" b="0" strike="noStrike" spc="-1" dirty="0">
+              <a:latin typeface="Arial"/>
+            </a:endParaRPr>
+          </a:p>
+          <a:p>
+            <a:pPr marL="343080" indent="-342720">
+              <a:lnSpc>
+                <a:spcPct val="100000"/>
+              </a:lnSpc>
+              <a:buClr>
+                <a:srgbClr val="70AD47"/>
+              </a:buClr>
+              <a:buFont typeface="Calibri Light"/>
+              <a:buAutoNum type="arabicPeriod"/>
+            </a:pPr>
+            <a:r>
+              <a:rPr lang="pt-BR" sz="1200" b="0" strike="noStrike" spc="-1" dirty="0" err="1">
+                <a:solidFill>
+                  <a:srgbClr val="70AD47"/>
+                </a:solidFill>
+                <a:latin typeface="Calibri"/>
+                <a:ea typeface="Calibri"/>
+              </a:rPr>
+              <a:t>Jumanji</a:t>
+            </a:r>
+            <a:endParaRPr lang="pt-BR" sz="1200" b="0" strike="noStrike" spc="-1" dirty="0">
+              <a:latin typeface="Arial"/>
+            </a:endParaRPr>
+          </a:p>
+          <a:p>
+            <a:pPr marL="343080" indent="-342720">
+              <a:lnSpc>
+                <a:spcPct val="100000"/>
+              </a:lnSpc>
+              <a:buClr>
+                <a:srgbClr val="70AD47"/>
+              </a:buClr>
+              <a:buFont typeface="Calibri Light"/>
+              <a:buAutoNum type="arabicPeriod"/>
+            </a:pPr>
+            <a:r>
+              <a:rPr lang="pt-BR" sz="1200" b="0" strike="noStrike" spc="-1" dirty="0">
+                <a:solidFill>
+                  <a:srgbClr val="70AD47"/>
+                </a:solidFill>
+                <a:latin typeface="Calibri"/>
+                <a:ea typeface="Calibri"/>
+              </a:rPr>
+              <a:t>Oceans 11</a:t>
+            </a:r>
+            <a:endParaRPr lang="pt-BR" sz="1200" b="0" strike="noStrike" spc="-1" dirty="0">
+              <a:latin typeface="Arial"/>
+            </a:endParaRPr>
+          </a:p>
+          <a:p>
+            <a:pPr marL="343080" indent="-342720">
+              <a:lnSpc>
+                <a:spcPct val="100000"/>
+              </a:lnSpc>
+              <a:buClr>
+                <a:srgbClr val="70AD47"/>
+              </a:buClr>
+              <a:buFont typeface="Calibri Light"/>
+              <a:buAutoNum type="arabicPeriod"/>
+            </a:pPr>
+            <a:r>
+              <a:rPr lang="pt-BR" sz="1200" b="0" strike="noStrike" spc="-1" dirty="0" err="1">
+                <a:solidFill>
+                  <a:srgbClr val="70AD47"/>
+                </a:solidFill>
+                <a:latin typeface="Calibri"/>
+                <a:ea typeface="Calibri"/>
+              </a:rPr>
+              <a:t>Beauty</a:t>
+            </a:r>
+            <a:r>
+              <a:rPr lang="pt-BR" sz="1200" b="0" strike="noStrike" spc="-1" dirty="0">
+                <a:solidFill>
+                  <a:srgbClr val="70AD47"/>
+                </a:solidFill>
+                <a:latin typeface="Calibri"/>
+                <a:ea typeface="Calibri"/>
+              </a:rPr>
+              <a:t> and the </a:t>
+            </a:r>
+            <a:r>
+              <a:rPr lang="pt-BR" sz="1200" b="0" strike="noStrike" spc="-1" dirty="0" err="1">
+                <a:solidFill>
+                  <a:srgbClr val="70AD47"/>
+                </a:solidFill>
+                <a:latin typeface="Calibri"/>
+                <a:ea typeface="Calibri"/>
+              </a:rPr>
+              <a:t>Beast</a:t>
+            </a:r>
+            <a:endParaRPr lang="pt-BR" sz="1200" b="0" strike="noStrike" spc="-1" dirty="0">
+              <a:latin typeface="Arial"/>
+            </a:endParaRPr>
+          </a:p>
+          <a:p>
+            <a:pPr marL="343080" indent="-342720">
+              <a:lnSpc>
+                <a:spcPct val="100000"/>
+              </a:lnSpc>
+              <a:buClr>
+                <a:srgbClr val="70AD47"/>
+              </a:buClr>
+              <a:buFont typeface="Calibri Light"/>
+              <a:buAutoNum type="arabicPeriod"/>
+            </a:pPr>
+            <a:r>
+              <a:rPr lang="pt-BR" sz="1200" b="0" strike="noStrike" spc="-1" dirty="0" err="1">
+                <a:solidFill>
+                  <a:srgbClr val="70AD47"/>
+                </a:solidFill>
+                <a:latin typeface="Calibri"/>
+                <a:ea typeface="Calibri"/>
+              </a:rPr>
+              <a:t>Moana</a:t>
+            </a:r>
+            <a:endParaRPr lang="pt-BR" sz="1200" b="0" strike="noStrike" spc="-1" dirty="0">
+              <a:latin typeface="Arial"/>
+            </a:endParaRPr>
+          </a:p>
+          <a:p>
+            <a:pPr marL="343080" indent="-342720">
+              <a:lnSpc>
+                <a:spcPct val="100000"/>
+              </a:lnSpc>
+              <a:buClr>
+                <a:srgbClr val="70AD47"/>
+              </a:buClr>
+              <a:buFont typeface="Calibri Light"/>
+              <a:buAutoNum type="arabicPeriod"/>
+            </a:pPr>
+            <a:r>
+              <a:rPr lang="pt-BR" sz="1200" b="0" strike="noStrike" spc="-1" dirty="0">
+                <a:solidFill>
+                  <a:srgbClr val="70AD47"/>
+                </a:solidFill>
+                <a:latin typeface="Calibri"/>
+                <a:ea typeface="Calibri"/>
+              </a:rPr>
+              <a:t>Aladdin</a:t>
+            </a:r>
+            <a:endParaRPr lang="pt-BR" sz="1200" b="0" strike="noStrike" spc="-1" dirty="0">
+              <a:latin typeface="Arial"/>
+            </a:endParaRPr>
+          </a:p>
+          <a:p>
+            <a:pPr>
+              <a:lnSpc>
+                <a:spcPct val="100000"/>
+              </a:lnSpc>
+            </a:pPr>
+            <a:endParaRPr lang="pt-BR" sz="1200" b="0" strike="noStrike" spc="-1" dirty="0">
+              <a:latin typeface="Arial"/>
+            </a:endParaRPr>
           </a:p>
         </p:txBody>
       </p:sp>
       <p:sp>
         <p:nvSpPr>
-          <p:cNvPr id="9" name="CustomShape 4">
+          <p:cNvPr id="7" name="CustomShape 4">
             <a:extLst>
               <a:ext uri="{FF2B5EF4-FFF2-40B4-BE49-F238E27FC236}">
-                <a16:creationId xmlns:a16="http://schemas.microsoft.com/office/drawing/2014/main" id="{9AF1DF48-B6BE-4442-8A5E-A4D879B0ECEA}"/>
+                <a16:creationId xmlns:a16="http://schemas.microsoft.com/office/drawing/2014/main" id="{658B7117-ECE9-4CB9-A88C-7201B16C53FB}"/>
               </a:ext>
             </a:extLst>
           </p:cNvPr>
@@ -11331,8 +10983,8 @@
         </p:nvSpPr>
         <p:spPr>
           <a:xfrm>
-            <a:off x="3664241" y="2873305"/>
-            <a:ext cx="2459964" cy="752599"/>
+            <a:off x="3655031" y="1056336"/>
+            <a:ext cx="2832652" cy="960348"/>
           </a:xfrm>
           <a:prstGeom prst="rect">
             <a:avLst/>
@@ -11368,14 +11020,133 @@
               </a:lnSpc>
             </a:pPr>
             <a:r>
-              <a:rPr lang="pt-BR" sz="1600" b="1" spc="-1" dirty="0" err="1">
+              <a:rPr lang="pt-BR" sz="1600" b="1" spc="-1" dirty="0">
                 <a:solidFill>
                   <a:srgbClr val="C00000"/>
                 </a:solidFill>
                 <a:latin typeface="Calibri"/>
               </a:rPr>
-              <a:t>Commun</a:t>
-            </a:r>
+              <a:t>360 Conversation Topics</a:t>
+            </a:r>
+          </a:p>
+          <a:p>
+            <a:pPr>
+              <a:lnSpc>
+                <a:spcPct val="100000"/>
+              </a:lnSpc>
+            </a:pPr>
+            <a:r>
+              <a:rPr lang="pt-BR" sz="1350" spc="-1" dirty="0">
+                <a:solidFill>
+                  <a:srgbClr val="C00000"/>
+                </a:solidFill>
+                <a:latin typeface="Arial"/>
+              </a:rPr>
+              <a:t>Pequeno Texto Introdutório</a:t>
+            </a:r>
+          </a:p>
+          <a:p>
+            <a:pPr marL="0" marR="0" lvl="0" indent="0" algn="l" defTabSz="914400" rtl="0" eaLnBrk="1" fontAlgn="auto" latinLnBrk="0" hangingPunct="1">
+              <a:lnSpc>
+                <a:spcPct val="100000"/>
+              </a:lnSpc>
+              <a:spcBef>
+                <a:spcPts val="0"/>
+              </a:spcBef>
+              <a:spcAft>
+                <a:spcPts val="0"/>
+              </a:spcAft>
+              <a:buClrTx/>
+              <a:buSzTx/>
+              <a:buFontTx/>
+              <a:buNone/>
+              <a:tabLst/>
+              <a:defRPr/>
+            </a:pPr>
+            <a:r>
+              <a:rPr kumimoji="0" lang="pt-BR" sz="1350" b="0" i="0" u="none" strike="noStrike" kern="1200" cap="none" spc="-1" normalizeH="0" baseline="0" noProof="0" dirty="0">
+                <a:ln>
+                  <a:noFill/>
+                </a:ln>
+                <a:solidFill>
+                  <a:srgbClr val="C00000"/>
+                </a:solidFill>
+                <a:effectLst/>
+                <a:uLnTx/>
+                <a:uFillTx/>
+                <a:latin typeface="Arial"/>
+              </a:rPr>
+              <a:t>Video Youtube + Transcrição</a:t>
+            </a:r>
+          </a:p>
+          <a:p>
+            <a:pPr>
+              <a:lnSpc>
+                <a:spcPct val="100000"/>
+              </a:lnSpc>
+            </a:pPr>
+            <a:r>
+              <a:rPr lang="pt-BR" sz="1350" spc="-1" dirty="0">
+                <a:solidFill>
+                  <a:srgbClr val="C00000"/>
+                </a:solidFill>
+                <a:latin typeface="Arial"/>
+              </a:rPr>
+              <a:t>tópicos com 10 perguntas</a:t>
+            </a:r>
+          </a:p>
+        </p:txBody>
+      </p:sp>
+      <p:sp>
+        <p:nvSpPr>
+          <p:cNvPr id="8" name="CustomShape 4">
+            <a:extLst>
+              <a:ext uri="{FF2B5EF4-FFF2-40B4-BE49-F238E27FC236}">
+                <a16:creationId xmlns:a16="http://schemas.microsoft.com/office/drawing/2014/main" id="{C1478314-2B5D-4448-AE19-6EECC451B140}"/>
+              </a:ext>
+            </a:extLst>
+          </p:cNvPr>
+          <p:cNvSpPr/>
+          <p:nvPr/>
+        </p:nvSpPr>
+        <p:spPr>
+          <a:xfrm>
+            <a:off x="3655031" y="2208869"/>
+            <a:ext cx="2845021" cy="544849"/>
+          </a:xfrm>
+          <a:prstGeom prst="rect">
+            <a:avLst/>
+          </a:prstGeom>
+          <a:noFill/>
+          <a:ln>
+            <a:solidFill>
+              <a:schemeClr val="accent2"/>
+            </a:solidFill>
+          </a:ln>
+        </p:spPr>
+        <p:style>
+          <a:lnRef idx="0">
+            <a:scrgbClr r="0" g="0" b="0"/>
+          </a:lnRef>
+          <a:fillRef idx="0">
+            <a:scrgbClr r="0" g="0" b="0"/>
+          </a:fillRef>
+          <a:effectRef idx="0">
+            <a:scrgbClr r="0" g="0" b="0"/>
+          </a:effectRef>
+          <a:fontRef idx="minor"/>
+        </p:style>
+        <p:txBody>
+          <a:bodyPr wrap="square" lIns="90000" tIns="45000" rIns="90000" bIns="45000">
+            <a:spAutoFit/>
+          </a:bodyPr>
+          <a:lstStyle/>
+          <a:p>
+            <a:pPr>
+              <a:lnSpc>
+                <a:spcPct val="100000"/>
+              </a:lnSpc>
+            </a:pPr>
             <a:r>
               <a:rPr lang="pt-BR" sz="1600" b="1" spc="-1" dirty="0">
                 <a:solidFill>
@@ -11383,51 +11154,23 @@
                 </a:solidFill>
                 <a:latin typeface="Calibri"/>
               </a:rPr>
-              <a:t> </a:t>
-            </a:r>
-            <a:r>
-              <a:rPr lang="pt-BR" sz="1600" b="1" spc="-1" dirty="0" err="1">
+              <a:t>240 Com se diz em Inglês</a:t>
+            </a:r>
+          </a:p>
+          <a:p>
+            <a:pPr>
+              <a:lnSpc>
+                <a:spcPct val="100000"/>
+              </a:lnSpc>
+            </a:pPr>
+            <a:r>
+              <a:rPr lang="pt-BR" sz="1350" spc="-1" dirty="0">
                 <a:solidFill>
                   <a:srgbClr val="C00000"/>
                 </a:solidFill>
-                <a:latin typeface="Calibri"/>
-              </a:rPr>
-              <a:t>Phrases</a:t>
-            </a:r>
-            <a:endParaRPr lang="pt-BR" sz="1600" b="1" spc="-1" dirty="0">
-              <a:solidFill>
-                <a:srgbClr val="C00000"/>
-              </a:solidFill>
-              <a:latin typeface="Calibri"/>
-            </a:endParaRPr>
-          </a:p>
-          <a:p>
-            <a:pPr>
-              <a:lnSpc>
-                <a:spcPct val="100000"/>
-              </a:lnSpc>
-            </a:pPr>
-            <a:endParaRPr lang="pt-BR" sz="1350" spc="-1" dirty="0">
-              <a:solidFill>
-                <a:srgbClr val="C00000"/>
-              </a:solidFill>
-              <a:latin typeface="Arial"/>
-            </a:endParaRPr>
-          </a:p>
-          <a:p>
-            <a:pPr>
-              <a:lnSpc>
-                <a:spcPct val="100000"/>
-              </a:lnSpc>
-            </a:pPr>
-            <a:r>
-              <a:rPr lang="pt-BR" sz="1350" spc="-1" dirty="0">
-                <a:solidFill>
-                  <a:srgbClr val="C00000"/>
-                </a:solidFill>
                 <a:latin typeface="Arial"/>
               </a:rPr>
-              <a:t>400 Frases </a:t>
+              <a:t>Expressões</a:t>
             </a:r>
           </a:p>
         </p:txBody>
@@ -11446,7 +11189,7 @@
         </p:nvSpPr>
         <p:spPr>
           <a:xfrm>
-            <a:off x="3053972" y="4809247"/>
+            <a:off x="8774288" y="1835601"/>
             <a:ext cx="3404181" cy="1929844"/>
           </a:xfrm>
           <a:prstGeom prst="rect">
@@ -11629,8 +11372,8 @@
         </p:nvSpPr>
         <p:spPr>
           <a:xfrm>
-            <a:off x="221321" y="576444"/>
-            <a:ext cx="2832651" cy="1375846"/>
+            <a:off x="357948" y="1023449"/>
+            <a:ext cx="2832651" cy="5361553"/>
           </a:xfrm>
           <a:prstGeom prst="rect">
             <a:avLst/>
@@ -11666,13 +11409,22 @@
               </a:lnSpc>
             </a:pPr>
             <a:r>
+              <a:rPr lang="pt-BR" sz="1600" b="1" spc="-1" dirty="0" err="1">
+                <a:solidFill>
+                  <a:srgbClr val="C00000"/>
+                </a:solidFill>
+                <a:latin typeface="Calibri"/>
+              </a:rPr>
+              <a:t>Intensive</a:t>
+            </a:r>
+            <a:r>
               <a:rPr lang="pt-BR" sz="1600" b="1" spc="-1" dirty="0">
                 <a:solidFill>
                   <a:srgbClr val="C00000"/>
                 </a:solidFill>
                 <a:latin typeface="Calibri"/>
               </a:rPr>
-              <a:t>Site</a:t>
+              <a:t> 1</a:t>
             </a:r>
           </a:p>
           <a:p>
@@ -11684,31 +11436,353 @@
               <a:buChar char="•"/>
             </a:pPr>
             <a:r>
+              <a:rPr lang="pt-BR" sz="1350" spc="-1" dirty="0">
+                <a:latin typeface="Arial"/>
+              </a:rPr>
+              <a:t>Gramática</a:t>
+            </a:r>
+          </a:p>
+          <a:p>
+            <a:pPr marL="742950" lvl="1" indent="-285750">
+              <a:buFont typeface="Arial" panose="020B0604020202020204" pitchFamily="34" charset="0"/>
+              <a:buChar char="•"/>
+            </a:pPr>
+            <a:r>
+              <a:rPr lang="pt-BR" sz="1350" spc="-1" dirty="0">
+                <a:latin typeface="Arial"/>
+              </a:rPr>
+              <a:t>Video</a:t>
+            </a:r>
+          </a:p>
+          <a:p>
+            <a:pPr marL="742950" lvl="1" indent="-285750">
+              <a:buFont typeface="Arial" panose="020B0604020202020204" pitchFamily="34" charset="0"/>
+              <a:buChar char="•"/>
+            </a:pPr>
+            <a:r>
+              <a:rPr lang="pt-BR" sz="1350" spc="-1" dirty="0">
+                <a:latin typeface="Arial"/>
+              </a:rPr>
+              <a:t>Imagem Resumo</a:t>
+            </a:r>
+          </a:p>
+          <a:p>
+            <a:pPr marL="742950" lvl="1" indent="-285750">
+              <a:buFont typeface="Arial" panose="020B0604020202020204" pitchFamily="34" charset="0"/>
+              <a:buChar char="•"/>
+            </a:pPr>
+            <a:r>
+              <a:rPr lang="pt-BR" sz="1350" spc="-1" dirty="0">
+                <a:latin typeface="Arial"/>
+              </a:rPr>
+              <a:t>PDF Exercícios</a:t>
+            </a:r>
+          </a:p>
+          <a:p>
+            <a:pPr marL="285750" indent="-285750">
+              <a:lnSpc>
+                <a:spcPct val="100000"/>
+              </a:lnSpc>
+              <a:buFont typeface="Arial" panose="020B0604020202020204" pitchFamily="34" charset="0"/>
+              <a:buChar char="•"/>
+            </a:pPr>
+            <a:r>
+              <a:rPr lang="pt-BR" sz="1350" spc="-1" dirty="0">
+                <a:latin typeface="Arial"/>
+              </a:rPr>
+              <a:t>Vocabulário</a:t>
+            </a:r>
+          </a:p>
+          <a:p>
+            <a:pPr marL="742950" lvl="1" indent="-285750">
+              <a:buFont typeface="Arial" panose="020B0604020202020204" pitchFamily="34" charset="0"/>
+              <a:buChar char="•"/>
+            </a:pPr>
+            <a:r>
+              <a:rPr lang="pt-BR" sz="1350" spc="-1" dirty="0">
+                <a:latin typeface="Arial"/>
+              </a:rPr>
+              <a:t>Imagem</a:t>
+            </a:r>
+          </a:p>
+          <a:p>
+            <a:pPr marL="742950" lvl="1" indent="-285750">
+              <a:buFont typeface="Arial" panose="020B0604020202020204" pitchFamily="34" charset="0"/>
+              <a:buChar char="•"/>
+            </a:pPr>
+            <a:r>
+              <a:rPr lang="pt-BR" sz="1350" spc="-1" dirty="0">
+                <a:latin typeface="Arial"/>
+              </a:rPr>
+              <a:t>Audio &amp; Tradução</a:t>
+            </a:r>
+          </a:p>
+          <a:p>
+            <a:pPr marL="742950" lvl="1" indent="-285750">
+              <a:buFont typeface="Arial" panose="020B0604020202020204" pitchFamily="34" charset="0"/>
+              <a:buChar char="•"/>
+            </a:pPr>
+            <a:r>
+              <a:rPr lang="pt-BR" sz="1350" spc="-1" dirty="0">
+                <a:latin typeface="Arial"/>
+              </a:rPr>
+              <a:t>Frases de aprendizado</a:t>
+            </a:r>
+          </a:p>
+          <a:p>
+            <a:pPr marL="285750" indent="-285750">
+              <a:buFont typeface="Arial" panose="020B0604020202020204" pitchFamily="34" charset="0"/>
+              <a:buChar char="•"/>
+            </a:pPr>
+            <a:r>
+              <a:rPr lang="pt-BR" sz="1350" spc="-1" dirty="0">
+                <a:latin typeface="Arial"/>
+              </a:rPr>
+              <a:t>Common Sentences</a:t>
+            </a:r>
+          </a:p>
+          <a:p>
+            <a:pPr marL="285750" indent="-285750">
+              <a:lnSpc>
+                <a:spcPct val="100000"/>
+              </a:lnSpc>
+              <a:buFont typeface="Arial" panose="020B0604020202020204" pitchFamily="34" charset="0"/>
+              <a:buChar char="•"/>
+            </a:pPr>
+            <a:r>
+              <a:rPr lang="pt-BR" sz="1350" spc="-1" dirty="0">
+                <a:latin typeface="Arial"/>
+              </a:rPr>
+              <a:t>Phrasal Verbs</a:t>
+            </a:r>
+          </a:p>
+          <a:p>
+            <a:pPr>
+              <a:lnSpc>
+                <a:spcPct val="100000"/>
+              </a:lnSpc>
+            </a:pPr>
+            <a:endParaRPr lang="pt-BR" sz="1350" spc="-1" dirty="0">
+              <a:latin typeface="Arial"/>
+            </a:endParaRPr>
+          </a:p>
+          <a:p>
+            <a:pPr marL="0" marR="0" lvl="0" indent="0" algn="l" defTabSz="914400" rtl="0" eaLnBrk="1" fontAlgn="auto" latinLnBrk="0" hangingPunct="1">
+              <a:lnSpc>
+                <a:spcPct val="100000"/>
+              </a:lnSpc>
+              <a:spcBef>
+                <a:spcPts val="0"/>
+              </a:spcBef>
+              <a:spcAft>
+                <a:spcPts val="0"/>
+              </a:spcAft>
+              <a:buClrTx/>
+              <a:buSzTx/>
+              <a:buFontTx/>
+              <a:buNone/>
+              <a:tabLst/>
+              <a:defRPr/>
+            </a:pPr>
+            <a:r>
+              <a:rPr kumimoji="0" lang="pt-BR" sz="1600" b="1" i="0" u="none" strike="noStrike" kern="1200" cap="none" spc="-1" normalizeH="0" baseline="0" noProof="0" dirty="0" err="1">
+                <a:ln>
+                  <a:noFill/>
+                </a:ln>
+                <a:solidFill>
+                  <a:srgbClr val="C00000"/>
+                </a:solidFill>
+                <a:effectLst/>
+                <a:uLnTx/>
+                <a:uFillTx/>
+                <a:latin typeface="Calibri"/>
+              </a:rPr>
+              <a:t>Intensive</a:t>
+            </a:r>
+            <a:r>
+              <a:rPr kumimoji="0" lang="pt-BR" sz="1600" b="1" i="0" u="none" strike="noStrike" kern="1200" cap="none" spc="-1" normalizeH="0" baseline="0" noProof="0" dirty="0">
+                <a:ln>
+                  <a:noFill/>
+                </a:ln>
+                <a:solidFill>
+                  <a:srgbClr val="C00000"/>
+                </a:solidFill>
+                <a:effectLst/>
+                <a:uLnTx/>
+                <a:uFillTx/>
+                <a:latin typeface="Calibri"/>
+              </a:rPr>
+              <a:t> 2</a:t>
+            </a:r>
+          </a:p>
+          <a:p>
+            <a:pPr marL="285750" indent="-285750">
+              <a:lnSpc>
+                <a:spcPct val="100000"/>
+              </a:lnSpc>
+              <a:buFont typeface="Arial" panose="020B0604020202020204" pitchFamily="34" charset="0"/>
+              <a:buChar char="•"/>
+            </a:pPr>
+            <a:r>
+              <a:rPr lang="pt-BR" sz="1350" spc="-1" dirty="0">
+                <a:latin typeface="Arial"/>
+              </a:rPr>
+              <a:t>Gramática</a:t>
+            </a:r>
+          </a:p>
+          <a:p>
+            <a:pPr marL="742950" lvl="1" indent="-285750">
+              <a:buFont typeface="Arial" panose="020B0604020202020204" pitchFamily="34" charset="0"/>
+              <a:buChar char="•"/>
+            </a:pPr>
+            <a:r>
+              <a:rPr lang="pt-BR" sz="1350" spc="-1" dirty="0">
+                <a:latin typeface="Arial"/>
+              </a:rPr>
+              <a:t>Video</a:t>
+            </a:r>
+          </a:p>
+          <a:p>
+            <a:pPr marL="742950" lvl="1" indent="-285750">
+              <a:buFont typeface="Arial" panose="020B0604020202020204" pitchFamily="34" charset="0"/>
+              <a:buChar char="•"/>
+            </a:pPr>
+            <a:r>
+              <a:rPr lang="pt-BR" sz="1350" spc="-1" dirty="0">
+                <a:latin typeface="Arial"/>
+              </a:rPr>
+              <a:t>Imagem Resumo</a:t>
+            </a:r>
+          </a:p>
+          <a:p>
+            <a:pPr marL="742950" lvl="1" indent="-285750">
+              <a:buFont typeface="Arial" panose="020B0604020202020204" pitchFamily="34" charset="0"/>
+              <a:buChar char="•"/>
+            </a:pPr>
+            <a:r>
+              <a:rPr lang="pt-BR" sz="1350" spc="-1" dirty="0">
+                <a:latin typeface="Arial"/>
+              </a:rPr>
+              <a:t>PDF Exercícios</a:t>
+            </a:r>
+          </a:p>
+          <a:p>
+            <a:pPr marL="285750" indent="-285750">
+              <a:lnSpc>
+                <a:spcPct val="100000"/>
+              </a:lnSpc>
+              <a:buFont typeface="Arial" panose="020B0604020202020204" pitchFamily="34" charset="0"/>
+              <a:buChar char="•"/>
+            </a:pPr>
+            <a:r>
+              <a:rPr lang="pt-BR" sz="1350" spc="-1" dirty="0">
+                <a:latin typeface="Arial"/>
+              </a:rPr>
+              <a:t>Vocabulário</a:t>
+            </a:r>
+          </a:p>
+          <a:p>
+            <a:pPr marL="742950" lvl="1" indent="-285750">
+              <a:buFont typeface="Arial" panose="020B0604020202020204" pitchFamily="34" charset="0"/>
+              <a:buChar char="•"/>
+            </a:pPr>
+            <a:r>
+              <a:rPr lang="pt-BR" sz="1350" spc="-1" dirty="0">
+                <a:latin typeface="Arial"/>
+              </a:rPr>
+              <a:t>Imagem</a:t>
+            </a:r>
+          </a:p>
+          <a:p>
+            <a:pPr marL="742950" lvl="1" indent="-285750">
+              <a:buFont typeface="Arial" panose="020B0604020202020204" pitchFamily="34" charset="0"/>
+              <a:buChar char="•"/>
+            </a:pPr>
+            <a:r>
+              <a:rPr lang="pt-BR" sz="1350" spc="-1" dirty="0">
+                <a:latin typeface="Arial"/>
+              </a:rPr>
+              <a:t>Audio &amp; Tradução</a:t>
+            </a:r>
+          </a:p>
+          <a:p>
+            <a:pPr marL="742950" lvl="1" indent="-285750">
+              <a:buFont typeface="Arial" panose="020B0604020202020204" pitchFamily="34" charset="0"/>
+              <a:buChar char="•"/>
+            </a:pPr>
+            <a:r>
+              <a:rPr lang="pt-BR" sz="1350" spc="-1" dirty="0">
+                <a:latin typeface="Arial"/>
+              </a:rPr>
+              <a:t>Frases de aprendizado</a:t>
+            </a:r>
+          </a:p>
+          <a:p>
+            <a:pPr marL="285750" indent="-285750">
+              <a:buFont typeface="Arial" panose="020B0604020202020204" pitchFamily="34" charset="0"/>
+              <a:buChar char="•"/>
+            </a:pPr>
+            <a:r>
+              <a:rPr lang="pt-BR" sz="1350" spc="-1" dirty="0">
+                <a:latin typeface="Arial"/>
+              </a:rPr>
+              <a:t>Common Sentences</a:t>
+            </a:r>
+          </a:p>
+          <a:p>
+            <a:pPr marL="285750" marR="0" lvl="0" indent="-285750" algn="l" defTabSz="914400" rtl="0" eaLnBrk="1" fontAlgn="auto" latinLnBrk="0" hangingPunct="1">
+              <a:lnSpc>
+                <a:spcPct val="100000"/>
+              </a:lnSpc>
+              <a:spcBef>
+                <a:spcPts val="0"/>
+              </a:spcBef>
+              <a:spcAft>
+                <a:spcPts val="0"/>
+              </a:spcAft>
+              <a:buClrTx/>
+              <a:buSzTx/>
+              <a:buFont typeface="Arial" panose="020B0604020202020204" pitchFamily="34" charset="0"/>
+              <a:buChar char="•"/>
+              <a:tabLst/>
+              <a:defRPr/>
+            </a:pPr>
+            <a:r>
               <a:rPr lang="pt-BR" sz="1350" spc="-1" dirty="0" err="1">
                 <a:latin typeface="Arial"/>
               </a:rPr>
-              <a:t>Videos</a:t>
+              <a:t>Motivational</a:t>
             </a:r>
             <a:r>
               <a:rPr lang="pt-BR" sz="1350" spc="-1" dirty="0">
                 <a:latin typeface="Arial"/>
               </a:rPr>
-              <a:t> gramaticais</a:t>
-            </a:r>
-          </a:p>
-          <a:p>
-            <a:pPr marL="285750" indent="-285750">
-              <a:lnSpc>
-                <a:spcPct val="100000"/>
-              </a:lnSpc>
+              <a:t> Quotes</a:t>
+            </a:r>
+          </a:p>
+          <a:p>
+            <a:pPr marL="285750" marR="0" lvl="0" indent="-285750" algn="l" defTabSz="914400" rtl="0" eaLnBrk="1" fontAlgn="auto" latinLnBrk="0" hangingPunct="1">
+              <a:lnSpc>
+                <a:spcPct val="100000"/>
+              </a:lnSpc>
+              <a:spcBef>
+                <a:spcPts val="0"/>
+              </a:spcBef>
+              <a:spcAft>
+                <a:spcPts val="0"/>
+              </a:spcAft>
+              <a:buClrTx/>
+              <a:buSzTx/>
               <a:buFont typeface="Arial" panose="020B0604020202020204" pitchFamily="34" charset="0"/>
               <a:buChar char="•"/>
+              <a:tabLst/>
+              <a:defRPr/>
             </a:pPr>
             <a:r>
               <a:rPr lang="pt-BR" sz="1350" spc="-1" dirty="0">
                 <a:latin typeface="Arial"/>
               </a:rPr>
-              <a:t>Imagens Resumo Gramatical</a:t>
+              <a:t>Conversation Topics</a:t>
             </a:r>
           </a:p>
           <a:p>
@@ -11719,63 +11793,18 @@
               <a:buFont typeface="Arial" panose="020B0604020202020204" pitchFamily="34" charset="0"/>
               <a:buChar char="•"/>
             </a:pPr>
-            <a:r>
-              <a:rPr lang="pt-BR" sz="1350" spc="-1" dirty="0">
-                <a:latin typeface="Arial"/>
-              </a:rPr>
-              <a:t>Frases de aprendizado</a:t>
-            </a:r>
-          </a:p>
-          <a:p>
-            <a:pPr marL="285750" indent="-285750">
-              <a:lnSpc>
-                <a:spcPct val="100000"/>
-              </a:lnSpc>
-              <a:buFont typeface="Arial" panose="020B0604020202020204" pitchFamily="34" charset="0"/>
-              <a:buChar char="•"/>
-            </a:pPr>
-            <a:r>
-              <a:rPr lang="pt-BR" sz="1350" spc="-1" dirty="0">
-                <a:latin typeface="Arial"/>
-              </a:rPr>
-              <a:t>Imagens Vocabulário</a:t>
-            </a:r>
-          </a:p>
-          <a:p>
-            <a:pPr marL="285750" indent="-285750">
-              <a:lnSpc>
-                <a:spcPct val="100000"/>
-              </a:lnSpc>
-              <a:buFont typeface="Arial" panose="020B0604020202020204" pitchFamily="34" charset="0"/>
-              <a:buChar char="•"/>
-            </a:pPr>
-            <a:r>
-              <a:rPr lang="pt-BR" sz="1350" spc="-1" dirty="0">
-                <a:latin typeface="Arial"/>
-              </a:rPr>
-              <a:t>Vocabulário (</a:t>
-            </a:r>
-            <a:r>
-              <a:rPr lang="pt-BR" sz="1350" spc="-1" dirty="0" err="1">
-                <a:latin typeface="Arial"/>
-              </a:rPr>
-              <a:t>audio</a:t>
-            </a:r>
-            <a:r>
-              <a:rPr lang="pt-BR" sz="1350" spc="-1" dirty="0">
-                <a:latin typeface="Arial"/>
-              </a:rPr>
-              <a:t> &amp; tradução)</a:t>
-            </a:r>
+            <a:endParaRPr lang="pt-BR" sz="1350" spc="-1" dirty="0">
+              <a:latin typeface="Arial"/>
+            </a:endParaRPr>
           </a:p>
         </p:txBody>
       </p:sp>
       <p:sp>
         <p:nvSpPr>
-          <p:cNvPr id="12" name="CustomShape 4">
+          <p:cNvPr id="13" name="CustomShape 1">
             <a:extLst>
               <a:ext uri="{FF2B5EF4-FFF2-40B4-BE49-F238E27FC236}">
-                <a16:creationId xmlns:a16="http://schemas.microsoft.com/office/drawing/2014/main" id="{6F6D3E90-FFEA-44A4-81E8-1A6AAF091D4D}"/>
+                <a16:creationId xmlns:a16="http://schemas.microsoft.com/office/drawing/2014/main" id="{14B8EE4F-FFC3-4B81-8460-E04E5262AC9C}"/>
               </a:ext>
             </a:extLst>
           </p:cNvPr>
@@ -11784,8 +11813,8 @@
         </p:nvSpPr>
         <p:spPr>
           <a:xfrm>
-            <a:off x="5284151" y="3738498"/>
-            <a:ext cx="1174002" cy="752599"/>
+            <a:off x="3632558" y="3765445"/>
+            <a:ext cx="2825593" cy="791071"/>
           </a:xfrm>
           <a:prstGeom prst="rect">
             <a:avLst/>
@@ -11821,21 +11850,39 @@
               </a:lnSpc>
             </a:pPr>
             <a:r>
-              <a:rPr lang="pt-BR" sz="1600" b="1" spc="-1" dirty="0">
+              <a:rPr lang="pt-BR" sz="1600" b="1" strike="noStrike" spc="-1" dirty="0">
                 <a:solidFill>
                   <a:srgbClr val="C00000"/>
                 </a:solidFill>
                 <a:latin typeface="Calibri"/>
               </a:rPr>
-              <a:t>Exercícios </a:t>
-            </a:r>
-          </a:p>
-          <a:p>
-            <a:pPr>
-              <a:lnSpc>
-                <a:spcPct val="100000"/>
-              </a:lnSpc>
-            </a:pPr>
+              <a:t>100 Principais Verbos </a:t>
+            </a:r>
+          </a:p>
+          <a:p>
+            <a:pPr>
+              <a:lnSpc>
+                <a:spcPct val="100000"/>
+              </a:lnSpc>
+            </a:pPr>
+            <a:r>
+              <a:rPr lang="pt-BR" sz="1350" spc="-1" dirty="0">
+                <a:solidFill>
+                  <a:srgbClr val="C00000"/>
+                </a:solidFill>
+                <a:latin typeface="Arial"/>
+              </a:rPr>
+              <a:t>Frases de acordo com 24 </a:t>
+            </a:r>
+            <a:r>
+              <a:rPr lang="pt-BR" sz="1350" spc="-1" dirty="0" err="1">
+                <a:solidFill>
+                  <a:srgbClr val="C00000"/>
+                </a:solidFill>
+                <a:latin typeface="Arial"/>
+              </a:rPr>
+              <a:t>Lessons</a:t>
+            </a:r>
             <a:endParaRPr lang="pt-BR" sz="1350" spc="-1" dirty="0">
               <a:solidFill>
                 <a:srgbClr val="C00000"/>
@@ -11849,15 +11896,118 @@
                 <a:spcPct val="100000"/>
               </a:lnSpc>
             </a:pPr>
-            <a:r>
-              <a:rPr lang="pt-BR" sz="1350" spc="-1" dirty="0">
-                <a:solidFill>
-                  <a:srgbClr val="C00000"/>
-                </a:solidFill>
-                <a:latin typeface="Arial"/>
-              </a:rPr>
-              <a:t>240 PDF</a:t>
-            </a:r>
+            <a:endParaRPr lang="pt-BR" sz="1600" b="0" strike="noStrike" spc="-1" dirty="0">
+              <a:latin typeface="Arial"/>
+            </a:endParaRPr>
+          </a:p>
+        </p:txBody>
+      </p:sp>
+      <p:sp>
+        <p:nvSpPr>
+          <p:cNvPr id="2" name="Retângulo 1">
+            <a:extLst>
+              <a:ext uri="{FF2B5EF4-FFF2-40B4-BE49-F238E27FC236}">
+                <a16:creationId xmlns:a16="http://schemas.microsoft.com/office/drawing/2014/main" id="{88AE50FE-C3A6-4093-9409-49EFA6AB923A}"/>
+              </a:ext>
+            </a:extLst>
+          </p:cNvPr>
+          <p:cNvSpPr/>
+          <p:nvPr/>
+        </p:nvSpPr>
+        <p:spPr>
+          <a:xfrm>
+            <a:off x="1271571" y="357673"/>
+            <a:ext cx="1005403" cy="461665"/>
+          </a:xfrm>
+          <a:prstGeom prst="rect">
+            <a:avLst/>
+          </a:prstGeom>
+          <a:noFill/>
+        </p:spPr>
+        <p:txBody>
+          <a:bodyPr wrap="none" lIns="91440" tIns="45720" rIns="91440" bIns="45720">
+            <a:spAutoFit/>
+          </a:bodyPr>
+          <a:lstStyle/>
+          <a:p>
+            <a:pPr algn="ctr"/>
+            <a:r>
+              <a:rPr lang="pt-BR" sz="2400" b="0" cap="none" spc="0" dirty="0">
+                <a:ln w="0"/>
+                <a:solidFill>
+                  <a:schemeClr val="accent1"/>
+                </a:solidFill>
+                <a:effectLst>
+                  <a:outerShdw blurRad="38100" dist="25400" dir="5400000" algn="ctr" rotWithShape="0">
+                    <a:srgbClr val="6E747A">
+                      <a:alpha val="43000"/>
+                    </a:srgbClr>
+                  </a:outerShdw>
+                </a:effectLst>
+              </a:rPr>
+              <a:t>Grátis</a:t>
+            </a:r>
+          </a:p>
+        </p:txBody>
+      </p:sp>
+      <p:sp>
+        <p:nvSpPr>
+          <p:cNvPr id="14" name="Retângulo 13">
+            <a:extLst>
+              <a:ext uri="{FF2B5EF4-FFF2-40B4-BE49-F238E27FC236}">
+                <a16:creationId xmlns:a16="http://schemas.microsoft.com/office/drawing/2014/main" id="{DE0EB7DE-A71B-4058-8D13-86E1FAD4EFE6}"/>
+              </a:ext>
+            </a:extLst>
+          </p:cNvPr>
+          <p:cNvSpPr/>
+          <p:nvPr/>
+        </p:nvSpPr>
+        <p:spPr>
+          <a:xfrm>
+            <a:off x="4593147" y="381868"/>
+            <a:ext cx="904415" cy="461665"/>
+          </a:xfrm>
+          <a:prstGeom prst="rect">
+            <a:avLst/>
+          </a:prstGeom>
+          <a:noFill/>
+        </p:spPr>
+        <p:txBody>
+          <a:bodyPr wrap="none" lIns="91440" tIns="45720" rIns="91440" bIns="45720">
+            <a:spAutoFit/>
+          </a:bodyPr>
+          <a:lstStyle/>
+          <a:p>
+            <a:pPr algn="ctr"/>
+            <a:r>
+              <a:rPr lang="pt-BR" sz="2400" dirty="0">
+                <a:ln w="0"/>
+                <a:solidFill>
+                  <a:schemeClr val="accent1"/>
+                </a:solidFill>
+                <a:effectLst>
+                  <a:outerShdw blurRad="38100" dist="25400" dir="5400000" algn="ctr" rotWithShape="0">
+                    <a:srgbClr val="6E747A">
+                      <a:alpha val="43000"/>
+                    </a:srgbClr>
+                  </a:outerShdw>
+                </a:effectLst>
+              </a:rPr>
+              <a:t>Pago</a:t>
+            </a:r>
+            <a:endParaRPr lang="pt-BR" sz="2400" b="0" cap="none" spc="0" dirty="0">
+              <a:ln w="0"/>
+              <a:solidFill>
+                <a:schemeClr val="accent1"/>
+              </a:solidFill>
+              <a:effectLst>
+                <a:outerShdw blurRad="38100" dist="25400" dir="5400000" algn="ctr" rotWithShape="0">
+                  <a:srgbClr val="6E747A">
+                    <a:alpha val="43000"/>
+                  </a:srgbClr>
+                </a:outerShdw>
+              </a:effectLst>
+            </a:endParaRPr>
           </a:p>
         </p:txBody>
       </p:sp>

--- a/content/files/Operacional/Cronograma_geral.pptx
+++ b/content/files/Operacional/Cronograma_geral.pptx
@@ -3270,7 +3270,7 @@
                 </a:solidFill>
                 <a:latin typeface="Calibri"/>
               </a:rPr>
-              <a:t>11/05/2022</a:t>
+              <a:t>13/05/2022</a:t>
             </a:fld>
             <a:endParaRPr lang="pt-BR" sz="900" b="0" strike="noStrike" spc="-1">
               <a:latin typeface="Times New Roman"/>
@@ -4090,7 +4090,7 @@
                 </a:solidFill>
                 <a:latin typeface="Calibri"/>
               </a:rPr>
-              <a:t>11/05/2022</a:t>
+              <a:t>13/05/2022</a:t>
             </a:fld>
             <a:endParaRPr lang="pt-BR" sz="900" b="0" strike="noStrike" spc="-1">
               <a:latin typeface="Times New Roman"/>
@@ -10310,91 +10310,13 @@
       </p:grpSpPr>
       <p:sp>
         <p:nvSpPr>
-          <p:cNvPr id="90" name="CustomShape 1"/>
-          <p:cNvSpPr/>
-          <p:nvPr/>
-        </p:nvSpPr>
-        <p:spPr>
-          <a:xfrm>
-            <a:off x="3632559" y="2976693"/>
-            <a:ext cx="2825593" cy="583321"/>
-          </a:xfrm>
-          <a:prstGeom prst="rect">
-            <a:avLst/>
-          </a:prstGeom>
-          <a:noFill/>
-          <a:ln>
-            <a:solidFill>
-              <a:schemeClr val="accent2"/>
-            </a:solidFill>
-          </a:ln>
-        </p:spPr>
-        <p:style>
-          <a:lnRef idx="0">
-            <a:scrgbClr r="0" g="0" b="0"/>
-          </a:lnRef>
-          <a:fillRef idx="0">
-            <a:scrgbClr r="0" g="0" b="0"/>
-          </a:fillRef>
-          <a:effectRef idx="0">
-            <a:scrgbClr r="0" g="0" b="0"/>
-          </a:effectRef>
-          <a:fontRef idx="minor"/>
-        </p:style>
-        <p:txBody>
-          <a:bodyPr wrap="square" lIns="90000" tIns="45000" rIns="90000" bIns="45000">
-            <a:spAutoFit/>
-          </a:bodyPr>
-          <a:lstStyle/>
-          <a:p>
-            <a:pPr>
-              <a:lnSpc>
-                <a:spcPct val="100000"/>
-              </a:lnSpc>
-            </a:pPr>
-            <a:r>
-              <a:rPr lang="pt-BR" sz="1600" b="1" strike="noStrike" spc="-1" dirty="0">
-                <a:solidFill>
-                  <a:srgbClr val="C00000"/>
-                </a:solidFill>
-                <a:latin typeface="Calibri"/>
-              </a:rPr>
-              <a:t>120 Phrasal Verbs</a:t>
-            </a:r>
-            <a:endParaRPr lang="pt-BR" sz="1600" b="0" strike="noStrike" spc="-1" dirty="0">
-              <a:latin typeface="Arial"/>
-            </a:endParaRPr>
-          </a:p>
-          <a:p>
-            <a:pPr>
-              <a:lnSpc>
-                <a:spcPct val="100000"/>
-              </a:lnSpc>
-            </a:pPr>
-            <a:r>
-              <a:rPr lang="pt-BR" sz="1600" strike="noStrike" spc="-1" dirty="0">
-                <a:solidFill>
-                  <a:srgbClr val="C00000"/>
-                </a:solidFill>
-                <a:latin typeface="Calibri"/>
-              </a:rPr>
-              <a:t>120 </a:t>
-            </a:r>
-            <a:endParaRPr lang="pt-BR" sz="1600" strike="noStrike" spc="-1" dirty="0">
-              <a:latin typeface="Arial"/>
-            </a:endParaRPr>
-          </a:p>
-        </p:txBody>
-      </p:sp>
-      <p:sp>
-        <p:nvSpPr>
           <p:cNvPr id="92" name="CustomShape 3"/>
           <p:cNvSpPr/>
           <p:nvPr/>
         </p:nvSpPr>
         <p:spPr>
           <a:xfrm>
-            <a:off x="3655032" y="8096742"/>
+            <a:off x="3655032" y="5512840"/>
             <a:ext cx="2845020" cy="1075764"/>
           </a:xfrm>
           <a:prstGeom prst="rect">
@@ -10558,7 +10480,7 @@
         </p:nvSpPr>
         <p:spPr>
           <a:xfrm>
-            <a:off x="3655031" y="4943314"/>
+            <a:off x="3655031" y="2396566"/>
             <a:ext cx="2803121" cy="2737757"/>
           </a:xfrm>
           <a:prstGeom prst="rect">
@@ -11080,10 +11002,22 @@
             </a:r>
           </a:p>
           <a:p>
-            <a:pPr>
-              <a:lnSpc>
-                <a:spcPct val="100000"/>
-              </a:lnSpc>
+            <a:pPr marL="0" marR="0" lvl="0" indent="0" algn="l" defTabSz="914400" rtl="0" eaLnBrk="1" fontAlgn="auto" latinLnBrk="0" hangingPunct="1">
+              <a:lnSpc>
+                <a:spcPct val="100000"/>
+              </a:lnSpc>
+              <a:spcBef>
+                <a:spcPts val="0"/>
+              </a:spcBef>
+              <a:spcAft>
+                <a:spcPts val="0"/>
+              </a:spcAft>
+              <a:buClrTx/>
+              <a:buSzTx/>
+              <a:buFontTx/>
+              <a:buNone/>
+              <a:tabLst/>
+              <a:defRPr/>
             </a:pPr>
             <a:r>
               <a:rPr lang="pt-BR" sz="1350" spc="-1" dirty="0">
@@ -11092,17 +11026,17 @@
                 </a:solidFill>
                 <a:latin typeface="Arial"/>
               </a:rPr>
-              <a:t>tópicos com 10 perguntas</a:t>
+              <a:t>10 perguntas</a:t>
             </a:r>
           </a:p>
         </p:txBody>
       </p:sp>
       <p:sp>
         <p:nvSpPr>
-          <p:cNvPr id="8" name="CustomShape 4">
+          <p:cNvPr id="11" name="CustomShape 4">
             <a:extLst>
               <a:ext uri="{FF2B5EF4-FFF2-40B4-BE49-F238E27FC236}">
-                <a16:creationId xmlns:a16="http://schemas.microsoft.com/office/drawing/2014/main" id="{C1478314-2B5D-4448-AE19-6EECC451B140}"/>
+                <a16:creationId xmlns:a16="http://schemas.microsoft.com/office/drawing/2014/main" id="{9255AA14-E56F-488F-B2EA-3DA9B2B99018}"/>
               </a:ext>
             </a:extLst>
           </p:cNvPr>
@@ -11111,8 +11045,8 @@
         </p:nvSpPr>
         <p:spPr>
           <a:xfrm>
-            <a:off x="3655031" y="2208869"/>
-            <a:ext cx="2845021" cy="544849"/>
+            <a:off x="357948" y="1023449"/>
+            <a:ext cx="2865972" cy="7308239"/>
           </a:xfrm>
           <a:prstGeom prst="rect">
             <a:avLst/>
@@ -11148,284 +11082,36 @@
               </a:lnSpc>
             </a:pPr>
             <a:r>
+              <a:rPr lang="pt-BR" sz="1600" b="1" spc="-1" dirty="0" err="1">
+                <a:solidFill>
+                  <a:srgbClr val="C00000"/>
+                </a:solidFill>
+                <a:latin typeface="Calibri"/>
+              </a:rPr>
+              <a:t>Intensive</a:t>
+            </a:r>
+            <a:r>
               <a:rPr lang="pt-BR" sz="1600" b="1" spc="-1" dirty="0">
                 <a:solidFill>
                   <a:srgbClr val="C00000"/>
                 </a:solidFill>
                 <a:latin typeface="Calibri"/>
               </a:rPr>
-              <a:t>240 Com se diz em Inglês</a:t>
-            </a:r>
-          </a:p>
-          <a:p>
-            <a:pPr>
-              <a:lnSpc>
-                <a:spcPct val="100000"/>
-              </a:lnSpc>
-            </a:pPr>
-            <a:r>
-              <a:rPr lang="pt-BR" sz="1350" spc="-1" dirty="0">
-                <a:solidFill>
-                  <a:srgbClr val="C00000"/>
-                </a:solidFill>
-                <a:latin typeface="Arial"/>
-              </a:rPr>
-              <a:t>Expressões</a:t>
-            </a:r>
-          </a:p>
-        </p:txBody>
-      </p:sp>
-      <p:sp>
-        <p:nvSpPr>
-          <p:cNvPr id="10" name="CustomShape 4">
-            <a:extLst>
-              <a:ext uri="{FF2B5EF4-FFF2-40B4-BE49-F238E27FC236}">
-                <a16:creationId xmlns:a16="http://schemas.microsoft.com/office/drawing/2014/main" id="{A1B8A513-2A4D-4C5D-9CA3-D5CDC9E57204}"/>
-              </a:ext>
-            </a:extLst>
-          </p:cNvPr>
-          <p:cNvSpPr/>
-          <p:nvPr/>
-        </p:nvSpPr>
-        <p:spPr>
-          <a:xfrm>
-            <a:off x="8774288" y="1835601"/>
-            <a:ext cx="3404181" cy="1929844"/>
-          </a:xfrm>
-          <a:prstGeom prst="rect">
-            <a:avLst/>
-          </a:prstGeom>
-          <a:noFill/>
-          <a:ln>
-            <a:solidFill>
-              <a:schemeClr val="accent2"/>
-            </a:solidFill>
-          </a:ln>
-        </p:spPr>
-        <p:style>
-          <a:lnRef idx="0">
-            <a:scrgbClr r="0" g="0" b="0"/>
-          </a:lnRef>
-          <a:fillRef idx="0">
-            <a:scrgbClr r="0" g="0" b="0"/>
-          </a:fillRef>
-          <a:effectRef idx="0">
-            <a:scrgbClr r="0" g="0" b="0"/>
-          </a:effectRef>
-          <a:fontRef idx="minor"/>
-        </p:style>
-        <p:txBody>
-          <a:bodyPr wrap="square" lIns="90000" tIns="45000" rIns="90000" bIns="45000">
-            <a:spAutoFit/>
-          </a:bodyPr>
-          <a:lstStyle/>
-          <a:p>
-            <a:pPr>
-              <a:lnSpc>
-                <a:spcPct val="100000"/>
-              </a:lnSpc>
-            </a:pPr>
-            <a:r>
-              <a:rPr lang="pt-BR" sz="1600" b="1" spc="-1" dirty="0">
-                <a:solidFill>
-                  <a:srgbClr val="C00000"/>
-                </a:solidFill>
-                <a:latin typeface="Calibri"/>
-              </a:rPr>
-              <a:t>Livros PDF</a:t>
-            </a:r>
-          </a:p>
-          <a:p>
-            <a:pPr>
-              <a:lnSpc>
-                <a:spcPct val="100000"/>
-              </a:lnSpc>
-            </a:pPr>
-            <a:endParaRPr lang="pt-BR" sz="1600" spc="-1" dirty="0">
+              <a:t> 1</a:t>
+            </a:r>
+          </a:p>
+          <a:p>
+            <a:pPr>
+              <a:lnSpc>
+                <a:spcPct val="100000"/>
+              </a:lnSpc>
+            </a:pPr>
+            <a:endParaRPr lang="pt-BR" sz="1600" b="1" spc="-1" dirty="0">
+              <a:solidFill>
+                <a:srgbClr val="C00000"/>
+              </a:solidFill>
               <a:latin typeface="Calibri"/>
             </a:endParaRPr>
-          </a:p>
-          <a:p>
-            <a:pPr>
-              <a:lnSpc>
-                <a:spcPct val="100000"/>
-              </a:lnSpc>
-            </a:pPr>
-            <a:r>
-              <a:rPr lang="pt-BR" sz="1600" spc="-1" dirty="0">
-                <a:latin typeface="Calibri"/>
-              </a:rPr>
-              <a:t>English </a:t>
-            </a:r>
-            <a:r>
-              <a:rPr lang="pt-BR" sz="1600" spc="-1" dirty="0" err="1">
-                <a:latin typeface="Calibri"/>
-              </a:rPr>
-              <a:t>Grammar</a:t>
-            </a:r>
-            <a:r>
-              <a:rPr lang="pt-BR" sz="1600" spc="-1" dirty="0">
-                <a:latin typeface="Calibri"/>
-              </a:rPr>
-              <a:t> in Use (Essential) </a:t>
-            </a:r>
-          </a:p>
-          <a:p>
-            <a:pPr>
-              <a:lnSpc>
-                <a:spcPct val="100000"/>
-              </a:lnSpc>
-            </a:pPr>
-            <a:r>
-              <a:rPr lang="pt-BR" sz="1600" spc="-1" dirty="0">
-                <a:latin typeface="Calibri"/>
-              </a:rPr>
-              <a:t>English </a:t>
-            </a:r>
-            <a:r>
-              <a:rPr lang="pt-BR" sz="1600" spc="-1" dirty="0" err="1">
-                <a:latin typeface="Calibri"/>
-              </a:rPr>
-              <a:t>Grammar</a:t>
-            </a:r>
-            <a:r>
-              <a:rPr lang="pt-BR" sz="1600" spc="-1" dirty="0">
-                <a:latin typeface="Calibri"/>
-              </a:rPr>
-              <a:t> in Use (</a:t>
-            </a:r>
-            <a:r>
-              <a:rPr lang="pt-BR" sz="1600" spc="-1" dirty="0" err="1">
-                <a:latin typeface="Calibri"/>
-              </a:rPr>
-              <a:t>Intermediate</a:t>
-            </a:r>
-            <a:r>
-              <a:rPr lang="pt-BR" sz="1400" spc="-1" dirty="0">
-                <a:latin typeface="Calibri"/>
-              </a:rPr>
-              <a:t>)</a:t>
-            </a:r>
-          </a:p>
-          <a:p>
-            <a:pPr>
-              <a:lnSpc>
-                <a:spcPct val="100000"/>
-              </a:lnSpc>
-            </a:pPr>
-            <a:r>
-              <a:rPr lang="pt-BR" sz="1400" spc="-1" dirty="0">
-                <a:latin typeface="Calibri"/>
-              </a:rPr>
-              <a:t>American English File</a:t>
-            </a:r>
-          </a:p>
-          <a:p>
-            <a:pPr>
-              <a:lnSpc>
-                <a:spcPct val="100000"/>
-              </a:lnSpc>
-            </a:pPr>
-            <a:r>
-              <a:rPr lang="pt-BR" sz="1400" spc="-1" dirty="0">
-                <a:latin typeface="Calibri"/>
-              </a:rPr>
-              <a:t>English for Everyone</a:t>
-            </a:r>
-          </a:p>
-          <a:p>
-            <a:pPr>
-              <a:lnSpc>
-                <a:spcPct val="100000"/>
-              </a:lnSpc>
-            </a:pPr>
-            <a:r>
-              <a:rPr lang="pt-BR" sz="1400" spc="-1" dirty="0">
-                <a:latin typeface="Calibri"/>
-              </a:rPr>
-              <a:t>Vocabulary in Pictures</a:t>
-            </a:r>
-          </a:p>
-          <a:p>
-            <a:pPr>
-              <a:lnSpc>
-                <a:spcPct val="100000"/>
-              </a:lnSpc>
-            </a:pPr>
-            <a:endParaRPr lang="pt-BR" sz="1350" spc="-1" dirty="0">
-              <a:latin typeface="Arial"/>
-            </a:endParaRPr>
-          </a:p>
-        </p:txBody>
-      </p:sp>
-      <p:sp>
-        <p:nvSpPr>
-          <p:cNvPr id="11" name="CustomShape 4">
-            <a:extLst>
-              <a:ext uri="{FF2B5EF4-FFF2-40B4-BE49-F238E27FC236}">
-                <a16:creationId xmlns:a16="http://schemas.microsoft.com/office/drawing/2014/main" id="{9255AA14-E56F-488F-B2EA-3DA9B2B99018}"/>
-              </a:ext>
-            </a:extLst>
-          </p:cNvPr>
-          <p:cNvSpPr/>
-          <p:nvPr/>
-        </p:nvSpPr>
-        <p:spPr>
-          <a:xfrm>
-            <a:off x="357948" y="1023449"/>
-            <a:ext cx="2832651" cy="5361553"/>
-          </a:xfrm>
-          <a:prstGeom prst="rect">
-            <a:avLst/>
-          </a:prstGeom>
-          <a:noFill/>
-          <a:ln>
-            <a:solidFill>
-              <a:schemeClr val="accent2"/>
-            </a:solidFill>
-          </a:ln>
-        </p:spPr>
-        <p:style>
-          <a:lnRef idx="0">
-            <a:scrgbClr r="0" g="0" b="0"/>
-          </a:lnRef>
-          <a:fillRef idx="0">
-            <a:scrgbClr r="0" g="0" b="0"/>
-          </a:fillRef>
-          <a:effectRef idx="0">
-            <a:scrgbClr r="0" g="0" b="0"/>
-          </a:effectRef>
-          <a:fontRef idx="minor"/>
-        </p:style>
-        <p:txBody>
-          <a:bodyPr wrap="square" lIns="90000" tIns="45000" rIns="90000" bIns="45000">
-            <a:spAutoFit/>
-          </a:bodyPr>
-          <a:lstStyle/>
-          <a:p>
-            <a:pPr>
-              <a:lnSpc>
-                <a:spcPct val="100000"/>
-              </a:lnSpc>
-            </a:pPr>
-            <a:r>
-              <a:rPr lang="pt-BR" sz="1600" b="1" spc="-1" dirty="0" err="1">
-                <a:solidFill>
-                  <a:srgbClr val="C00000"/>
-                </a:solidFill>
-                <a:latin typeface="Calibri"/>
-              </a:rPr>
-              <a:t>Intensive</a:t>
-            </a:r>
-            <a:r>
-              <a:rPr lang="pt-BR" sz="1600" b="1" spc="-1" dirty="0">
-                <a:solidFill>
-                  <a:srgbClr val="C00000"/>
-                </a:solidFill>
-                <a:latin typeface="Calibri"/>
-              </a:rPr>
-              <a:t> 1</a:t>
-            </a:r>
           </a:p>
           <a:p>
             <a:pPr marL="285750" indent="-285750">
@@ -11475,22 +11161,7 @@
               <a:rPr lang="pt-BR" sz="1350" spc="-1" dirty="0">
                 <a:latin typeface="Arial"/>
               </a:rPr>
-              <a:t>PDF Exercícios</a:t>
-            </a:r>
-          </a:p>
-          <a:p>
-            <a:pPr marL="285750" indent="-285750">
-              <a:lnSpc>
-                <a:spcPct val="100000"/>
-              </a:lnSpc>
-              <a:buFont typeface="Arial" panose="020B0604020202020204" pitchFamily="34" charset="0"/>
-              <a:buChar char="•"/>
-            </a:pPr>
-            <a:r>
-              <a:rPr lang="pt-BR" sz="1350" spc="-1" dirty="0">
-                <a:latin typeface="Arial"/>
-              </a:rPr>
-              <a:t>Vocabulário</a:t>
+              <a:t>Frases</a:t>
             </a:r>
           </a:p>
           <a:p>
@@ -11502,7 +11173,7 @@
               <a:rPr lang="pt-BR" sz="1350" spc="-1" dirty="0">
                 <a:latin typeface="Arial"/>
               </a:rPr>
-              <a:t>Imagem</a:t>
+              <a:t>Perguntas</a:t>
             </a:r>
           </a:p>
           <a:p>
@@ -11510,11 +11181,23 @@
               <a:buFont typeface="Arial" panose="020B0604020202020204" pitchFamily="34" charset="0"/>
               <a:buChar char="•"/>
             </a:pPr>
+            <a:endParaRPr lang="pt-BR" sz="1350" spc="-1" dirty="0">
+              <a:latin typeface="Arial"/>
+            </a:endParaRPr>
+          </a:p>
+          <a:p>
+            <a:pPr marL="285750" indent="-285750">
+              <a:lnSpc>
+                <a:spcPct val="100000"/>
+              </a:lnSpc>
+              <a:buFont typeface="Arial" panose="020B0604020202020204" pitchFamily="34" charset="0"/>
+              <a:buChar char="•"/>
+            </a:pPr>
             <a:r>
               <a:rPr lang="pt-BR" sz="1350" spc="-1" dirty="0">
                 <a:latin typeface="Arial"/>
               </a:rPr>
-              <a:t>Audio &amp; Tradução</a:t>
+              <a:t>Vocabulário</a:t>
             </a:r>
           </a:p>
           <a:p>
@@ -11526,8 +11209,53 @@
               <a:rPr lang="pt-BR" sz="1350" spc="-1" dirty="0">
                 <a:latin typeface="Arial"/>
               </a:rPr>
-              <a:t>Frases de aprendizado</a:t>
-            </a:r>
+              <a:t>Imagem</a:t>
+            </a:r>
+          </a:p>
+          <a:p>
+            <a:pPr marL="742950" lvl="1" indent="-285750">
+              <a:buFont typeface="Arial" panose="020B0604020202020204" pitchFamily="34" charset="0"/>
+              <a:buChar char="•"/>
+            </a:pPr>
+            <a:r>
+              <a:rPr lang="pt-BR" sz="1350" spc="-1" dirty="0">
+                <a:latin typeface="Arial"/>
+              </a:rPr>
+              <a:t>Audio &amp; Tradução</a:t>
+            </a:r>
+          </a:p>
+          <a:p>
+            <a:pPr marL="742950" lvl="1" indent="-285750">
+              <a:buFont typeface="Arial" panose="020B0604020202020204" pitchFamily="34" charset="0"/>
+              <a:buChar char="•"/>
+            </a:pPr>
+            <a:r>
+              <a:rPr lang="pt-BR" sz="1350" spc="-1" dirty="0">
+                <a:latin typeface="Arial"/>
+              </a:rPr>
+              <a:t>Perguntas</a:t>
+            </a:r>
+          </a:p>
+          <a:p>
+            <a:pPr marL="742950" lvl="1" indent="-285750">
+              <a:buFont typeface="Arial" panose="020B0604020202020204" pitchFamily="34" charset="0"/>
+              <a:buChar char="•"/>
+            </a:pPr>
+            <a:r>
+              <a:rPr lang="pt-BR" sz="1350" spc="-1" dirty="0">
+                <a:latin typeface="Arial"/>
+              </a:rPr>
+              <a:t>Common Sentences</a:t>
+            </a:r>
+          </a:p>
+          <a:p>
+            <a:pPr marL="742950" lvl="1" indent="-285750">
+              <a:buFont typeface="Arial" panose="020B0604020202020204" pitchFamily="34" charset="0"/>
+              <a:buChar char="•"/>
+            </a:pPr>
+            <a:endParaRPr lang="pt-BR" sz="1350" spc="-1" dirty="0">
+              <a:latin typeface="Arial"/>
+            </a:endParaRPr>
           </a:p>
           <a:p>
             <a:pPr marL="285750" indent="-285750">
@@ -11538,22 +11266,7 @@
               <a:rPr lang="pt-BR" sz="1350" spc="-1" dirty="0">
                 <a:latin typeface="Arial"/>
               </a:rPr>
-              <a:t>Common Sentences</a:t>
-            </a:r>
-          </a:p>
-          <a:p>
-            <a:pPr marL="285750" indent="-285750">
-              <a:lnSpc>
-                <a:spcPct val="100000"/>
-              </a:lnSpc>
-              <a:buFont typeface="Arial" panose="020B0604020202020204" pitchFamily="34" charset="0"/>
-              <a:buChar char="•"/>
-            </a:pPr>
-            <a:r>
-              <a:rPr lang="pt-BR" sz="1350" spc="-1" dirty="0">
-                <a:latin typeface="Arial"/>
-              </a:rPr>
-              <a:t>Phrasal Verbs</a:t>
+              <a:t>PDF Lesson</a:t>
             </a:r>
           </a:p>
           <a:p>
@@ -11616,6 +11329,37 @@
             </a:r>
           </a:p>
           <a:p>
+            <a:pPr marL="0" marR="0" lvl="0" indent="0" algn="l" defTabSz="914400" rtl="0" eaLnBrk="1" fontAlgn="auto" latinLnBrk="0" hangingPunct="1">
+              <a:lnSpc>
+                <a:spcPct val="100000"/>
+              </a:lnSpc>
+              <a:spcBef>
+                <a:spcPts val="0"/>
+              </a:spcBef>
+              <a:spcAft>
+                <a:spcPts val="0"/>
+              </a:spcAft>
+              <a:buClrTx/>
+              <a:buSzTx/>
+              <a:buFontTx/>
+              <a:buNone/>
+              <a:tabLst/>
+              <a:defRPr/>
+            </a:pPr>
+            <a:endParaRPr kumimoji="0" lang="pt-BR" sz="1600" b="1" i="0" u="none" strike="noStrike" kern="1200" cap="none" spc="-1" normalizeH="0" baseline="0" noProof="0" dirty="0">
+              <a:ln>
+                <a:noFill/>
+              </a:ln>
+              <a:solidFill>
+                <a:srgbClr val="C00000"/>
+              </a:solidFill>
+              <a:effectLst/>
+              <a:uLnTx/>
+              <a:uFillTx/>
+              <a:latin typeface="Calibri"/>
+            </a:endParaRPr>
+          </a:p>
+          <a:p>
             <a:pPr marL="285750" indent="-285750">
               <a:lnSpc>
                 <a:spcPct val="100000"/>
@@ -11663,22 +11407,7 @@
               <a:rPr lang="pt-BR" sz="1350" spc="-1" dirty="0">
                 <a:latin typeface="Arial"/>
               </a:rPr>
-              <a:t>PDF Exercícios</a:t>
-            </a:r>
-          </a:p>
-          <a:p>
-            <a:pPr marL="285750" indent="-285750">
-              <a:lnSpc>
-                <a:spcPct val="100000"/>
-              </a:lnSpc>
-              <a:buFont typeface="Arial" panose="020B0604020202020204" pitchFamily="34" charset="0"/>
-              <a:buChar char="•"/>
-            </a:pPr>
-            <a:r>
-              <a:rPr lang="pt-BR" sz="1350" spc="-1" dirty="0">
-                <a:latin typeface="Arial"/>
-              </a:rPr>
-              <a:t>Vocabulário</a:t>
+              <a:t>Exemplos</a:t>
             </a:r>
           </a:p>
           <a:p>
@@ -11690,19 +11419,52 @@
               <a:rPr lang="pt-BR" sz="1350" spc="-1" dirty="0">
                 <a:latin typeface="Arial"/>
               </a:rPr>
-              <a:t>Imagem</a:t>
-            </a:r>
+              <a:t>(100 </a:t>
+            </a:r>
+            <a:r>
+              <a:rPr lang="pt-BR" sz="1350" spc="-1" dirty="0" err="1">
+                <a:latin typeface="Arial"/>
+              </a:rPr>
+              <a:t>verbs</a:t>
+            </a:r>
+            <a:r>
+              <a:rPr lang="pt-BR" sz="1350" spc="-1" dirty="0">
+                <a:latin typeface="Arial"/>
+              </a:rPr>
+              <a:t>) Frases de Acordo com 24 </a:t>
+            </a:r>
+            <a:r>
+              <a:rPr lang="pt-BR" sz="1350" spc="-1" dirty="0" err="1">
+                <a:latin typeface="Arial"/>
+              </a:rPr>
+              <a:t>Lessons</a:t>
+            </a:r>
+            <a:endParaRPr lang="pt-BR" sz="1350" spc="-1" dirty="0">
+              <a:latin typeface="Arial"/>
+            </a:endParaRPr>
           </a:p>
           <a:p>
             <a:pPr marL="742950" lvl="1" indent="-285750">
               <a:buFont typeface="Arial" panose="020B0604020202020204" pitchFamily="34" charset="0"/>
               <a:buChar char="•"/>
             </a:pPr>
+            <a:endParaRPr lang="pt-BR" sz="1350" spc="-1" dirty="0">
+              <a:latin typeface="Arial"/>
+            </a:endParaRPr>
+          </a:p>
+          <a:p>
+            <a:pPr marL="285750" indent="-285750">
+              <a:lnSpc>
+                <a:spcPct val="100000"/>
+              </a:lnSpc>
+              <a:buFont typeface="Arial" panose="020B0604020202020204" pitchFamily="34" charset="0"/>
+              <a:buChar char="•"/>
+            </a:pPr>
             <a:r>
               <a:rPr lang="pt-BR" sz="1350" spc="-1" dirty="0">
                 <a:latin typeface="Arial"/>
               </a:rPr>
-              <a:t>Audio &amp; Tradução</a:t>
+              <a:t>Vocabulário</a:t>
             </a:r>
           </a:p>
           <a:p>
@@ -11714,19 +11476,45 @@
               <a:rPr lang="pt-BR" sz="1350" spc="-1" dirty="0">
                 <a:latin typeface="Arial"/>
               </a:rPr>
-              <a:t>Frases de aprendizado</a:t>
-            </a:r>
-          </a:p>
-          <a:p>
-            <a:pPr marL="285750" indent="-285750">
+              <a:t>Common Sentences</a:t>
+            </a:r>
+          </a:p>
+          <a:p>
+            <a:pPr marL="742950" lvl="1" indent="-285750">
               <a:buFont typeface="Arial" panose="020B0604020202020204" pitchFamily="34" charset="0"/>
               <a:buChar char="•"/>
+              <a:defRPr/>
             </a:pPr>
             <a:r>
               <a:rPr lang="pt-BR" sz="1350" spc="-1" dirty="0">
                 <a:latin typeface="Arial"/>
               </a:rPr>
-              <a:t>Common Sentences</a:t>
+              <a:t>120 Phrasal Verbs</a:t>
+            </a:r>
+          </a:p>
+          <a:p>
+            <a:pPr marL="742950" lvl="1" indent="-285750">
+              <a:buFont typeface="Arial" panose="020B0604020202020204" pitchFamily="34" charset="0"/>
+              <a:buChar char="•"/>
+              <a:defRPr/>
+            </a:pPr>
+            <a:r>
+              <a:rPr lang="pt-BR" sz="1350" spc="-1" dirty="0">
+                <a:latin typeface="Arial"/>
+              </a:rPr>
+              <a:t>240 </a:t>
+            </a:r>
+            <a:r>
+              <a:rPr lang="pt-BR" sz="1350" spc="-1" dirty="0" err="1">
+                <a:latin typeface="Arial"/>
+              </a:rPr>
+              <a:t>Motivational</a:t>
+            </a:r>
+            <a:r>
+              <a:rPr lang="pt-BR" sz="1350" spc="-1" dirty="0">
+                <a:latin typeface="Arial"/>
+              </a:rPr>
+              <a:t> Quotes</a:t>
             </a:r>
           </a:p>
           <a:p>
@@ -11747,18 +11535,9 @@
               <a:tabLst/>
               <a:defRPr/>
             </a:pPr>
-            <a:r>
-              <a:rPr lang="pt-BR" sz="1350" spc="-1" dirty="0" err="1">
-                <a:latin typeface="Arial"/>
-              </a:rPr>
-              <a:t>Motivational</a:t>
-            </a:r>
-            <a:r>
-              <a:rPr lang="pt-BR" sz="1350" spc="-1" dirty="0">
-                <a:latin typeface="Arial"/>
-              </a:rPr>
-              <a:t> Quotes</a:t>
-            </a:r>
+            <a:endParaRPr lang="pt-BR" sz="1350" spc="-1" dirty="0">
+              <a:latin typeface="Arial"/>
+            </a:endParaRPr>
           </a:p>
           <a:p>
             <a:pPr marL="285750" marR="0" lvl="0" indent="-285750" algn="l" defTabSz="914400" rtl="0" eaLnBrk="1" fontAlgn="auto" latinLnBrk="0" hangingPunct="1">
@@ -11782,121 +11561,35 @@
               <a:rPr lang="pt-BR" sz="1350" spc="-1" dirty="0">
                 <a:latin typeface="Arial"/>
               </a:rPr>
-              <a:t>Conversation Topics</a:t>
-            </a:r>
-          </a:p>
-          <a:p>
-            <a:pPr marL="285750" indent="-285750">
-              <a:lnSpc>
-                <a:spcPct val="100000"/>
-              </a:lnSpc>
+              <a:t>PDF </a:t>
+            </a:r>
+          </a:p>
+          <a:p>
+            <a:pPr marL="742950" lvl="1" indent="-285750">
               <a:buFont typeface="Arial" panose="020B0604020202020204" pitchFamily="34" charset="0"/>
               <a:buChar char="•"/>
-            </a:pPr>
+              <a:defRPr/>
+            </a:pPr>
+            <a:r>
+              <a:rPr lang="pt-BR" sz="1350" spc="-1" dirty="0">
+                <a:latin typeface="Arial"/>
+              </a:rPr>
+              <a:t>Lesson</a:t>
+            </a:r>
+          </a:p>
+          <a:p>
+            <a:pPr marL="742950" lvl="1" indent="-285750">
+              <a:buFont typeface="Arial" panose="020B0604020202020204" pitchFamily="34" charset="0"/>
+              <a:buChar char="•"/>
+              <a:defRPr/>
+            </a:pPr>
+            <a:r>
+              <a:rPr lang="pt-BR" sz="1350" spc="-1" dirty="0" err="1">
+                <a:latin typeface="Arial"/>
+              </a:rPr>
+              <a:t>LinguaHouse</a:t>
+            </a:r>
             <a:endParaRPr lang="pt-BR" sz="1350" spc="-1" dirty="0">
-              <a:latin typeface="Arial"/>
-            </a:endParaRPr>
-          </a:p>
-        </p:txBody>
-      </p:sp>
-      <p:sp>
-        <p:nvSpPr>
-          <p:cNvPr id="13" name="CustomShape 1">
-            <a:extLst>
-              <a:ext uri="{FF2B5EF4-FFF2-40B4-BE49-F238E27FC236}">
-                <a16:creationId xmlns:a16="http://schemas.microsoft.com/office/drawing/2014/main" id="{14B8EE4F-FFC3-4B81-8460-E04E5262AC9C}"/>
-              </a:ext>
-            </a:extLst>
-          </p:cNvPr>
-          <p:cNvSpPr/>
-          <p:nvPr/>
-        </p:nvSpPr>
-        <p:spPr>
-          <a:xfrm>
-            <a:off x="3632558" y="3765445"/>
-            <a:ext cx="2825593" cy="791071"/>
-          </a:xfrm>
-          <a:prstGeom prst="rect">
-            <a:avLst/>
-          </a:prstGeom>
-          <a:noFill/>
-          <a:ln>
-            <a:solidFill>
-              <a:schemeClr val="accent2"/>
-            </a:solidFill>
-          </a:ln>
-        </p:spPr>
-        <p:style>
-          <a:lnRef idx="0">
-            <a:scrgbClr r="0" g="0" b="0"/>
-          </a:lnRef>
-          <a:fillRef idx="0">
-            <a:scrgbClr r="0" g="0" b="0"/>
-          </a:fillRef>
-          <a:effectRef idx="0">
-            <a:scrgbClr r="0" g="0" b="0"/>
-          </a:effectRef>
-          <a:fontRef idx="minor"/>
-        </p:style>
-        <p:txBody>
-          <a:bodyPr wrap="square" lIns="90000" tIns="45000" rIns="90000" bIns="45000">
-            <a:spAutoFit/>
-          </a:bodyPr>
-          <a:lstStyle/>
-          <a:p>
-            <a:pPr>
-              <a:lnSpc>
-                <a:spcPct val="100000"/>
-              </a:lnSpc>
-            </a:pPr>
-            <a:r>
-              <a:rPr lang="pt-BR" sz="1600" b="1" strike="noStrike" spc="-1" dirty="0">
-                <a:solidFill>
-                  <a:srgbClr val="C00000"/>
-                </a:solidFill>
-                <a:latin typeface="Calibri"/>
-              </a:rPr>
-              <a:t>100 Principais Verbos </a:t>
-            </a:r>
-          </a:p>
-          <a:p>
-            <a:pPr>
-              <a:lnSpc>
-                <a:spcPct val="100000"/>
-              </a:lnSpc>
-            </a:pPr>
-            <a:r>
-              <a:rPr lang="pt-BR" sz="1350" spc="-1" dirty="0">
-                <a:solidFill>
-                  <a:srgbClr val="C00000"/>
-                </a:solidFill>
-                <a:latin typeface="Arial"/>
-              </a:rPr>
-              <a:t>Frases de acordo com 24 </a:t>
-            </a:r>
-            <a:r>
-              <a:rPr lang="pt-BR" sz="1350" spc="-1" dirty="0" err="1">
-                <a:solidFill>
-                  <a:srgbClr val="C00000"/>
-                </a:solidFill>
-                <a:latin typeface="Arial"/>
-              </a:rPr>
-              <a:t>Lessons</a:t>
-            </a:r>
-            <a:endParaRPr lang="pt-BR" sz="1350" spc="-1" dirty="0">
-              <a:solidFill>
-                <a:srgbClr val="C00000"/>
-              </a:solidFill>
-              <a:latin typeface="Arial"/>
-            </a:endParaRPr>
-          </a:p>
-          <a:p>
-            <a:pPr>
-              <a:lnSpc>
-                <a:spcPct val="100000"/>
-              </a:lnSpc>
-            </a:pPr>
-            <a:endParaRPr lang="pt-BR" sz="1600" b="0" strike="noStrike" spc="-1" dirty="0">
               <a:latin typeface="Arial"/>
             </a:endParaRPr>
           </a:p>
@@ -12008,6 +11701,121 @@
                 </a:outerShdw>
               </a:effectLst>
             </a:endParaRPr>
+          </a:p>
+        </p:txBody>
+      </p:sp>
+      <p:sp>
+        <p:nvSpPr>
+          <p:cNvPr id="12" name="CaixaDeTexto 11">
+            <a:extLst>
+              <a:ext uri="{FF2B5EF4-FFF2-40B4-BE49-F238E27FC236}">
+                <a16:creationId xmlns:a16="http://schemas.microsoft.com/office/drawing/2014/main" id="{9D9ABC4B-8A82-4BCE-A9ED-1987737EABF3}"/>
+              </a:ext>
+            </a:extLst>
+          </p:cNvPr>
+          <p:cNvSpPr txBox="1"/>
+          <p:nvPr/>
+        </p:nvSpPr>
+        <p:spPr>
+          <a:xfrm>
+            <a:off x="-6533707" y="5134323"/>
+            <a:ext cx="3434316" cy="1477328"/>
+          </a:xfrm>
+          <a:prstGeom prst="rect">
+            <a:avLst/>
+          </a:prstGeom>
+          <a:noFill/>
+        </p:spPr>
+        <p:txBody>
+          <a:bodyPr wrap="square">
+            <a:spAutoFit/>
+          </a:bodyPr>
+          <a:lstStyle/>
+          <a:p>
+            <a:r>
+              <a:rPr lang="pt-BR" dirty="0"/>
+              <a:t>&lt;a </a:t>
+            </a:r>
+            <a:r>
+              <a:rPr lang="pt-BR" dirty="0" err="1"/>
+              <a:t>href</a:t>
+            </a:r>
+            <a:r>
+              <a:rPr lang="pt-BR" dirty="0"/>
+              <a:t>="https://www.flaticon.com/</a:t>
+            </a:r>
+            <a:r>
+              <a:rPr lang="pt-BR" dirty="0" err="1"/>
+              <a:t>free-icons</a:t>
+            </a:r>
+            <a:r>
+              <a:rPr lang="pt-BR" dirty="0"/>
+              <a:t>/</a:t>
+            </a:r>
+            <a:r>
+              <a:rPr lang="pt-BR" dirty="0" err="1"/>
+              <a:t>money</a:t>
+            </a:r>
+            <a:r>
+              <a:rPr lang="pt-BR" dirty="0"/>
+              <a:t>" </a:t>
+            </a:r>
+            <a:r>
+              <a:rPr lang="pt-BR" dirty="0" err="1"/>
+              <a:t>title</a:t>
+            </a:r>
+            <a:r>
+              <a:rPr lang="pt-BR" dirty="0"/>
+              <a:t>="</a:t>
+            </a:r>
+            <a:r>
+              <a:rPr lang="pt-BR" dirty="0" err="1"/>
+              <a:t>money</a:t>
+            </a:r>
+            <a:r>
+              <a:rPr lang="pt-BR" dirty="0"/>
+              <a:t> </a:t>
+            </a:r>
+            <a:r>
+              <a:rPr lang="pt-BR" dirty="0" err="1"/>
+              <a:t>icons</a:t>
+            </a:r>
+            <a:r>
+              <a:rPr lang="pt-BR" dirty="0"/>
+              <a:t>"&gt;Money </a:t>
+            </a:r>
+            <a:r>
+              <a:rPr lang="pt-BR" dirty="0" err="1"/>
+              <a:t>icons</a:t>
+            </a:r>
+            <a:r>
+              <a:rPr lang="pt-BR" dirty="0"/>
+              <a:t> </a:t>
+            </a:r>
+            <a:r>
+              <a:rPr lang="pt-BR" dirty="0" err="1"/>
+              <a:t>created</a:t>
+            </a:r>
+            <a:r>
+              <a:rPr lang="pt-BR" dirty="0"/>
+              <a:t> by </a:t>
+            </a:r>
+            <a:r>
+              <a:rPr lang="pt-BR" dirty="0" err="1"/>
+              <a:t>Freepik</a:t>
+            </a:r>
+            <a:r>
+              <a:rPr lang="pt-BR" dirty="0"/>
+              <a:t> - </a:t>
+            </a:r>
+            <a:r>
+              <a:rPr lang="pt-BR" dirty="0" err="1"/>
+              <a:t>Flaticon</a:t>
+            </a:r>
+            <a:r>
+              <a:rPr lang="pt-BR" dirty="0"/>
+              <a:t>&lt;/a&gt;</a:t>
+            </a:r>
           </a:p>
         </p:txBody>
       </p:sp>

--- a/content/files/Operacional/Cronograma_geral.pptx
+++ b/content/files/Operacional/Cronograma_geral.pptx
@@ -12,8 +12,6 @@
     <p:sldId id="259" r:id="rId6"/>
     <p:sldId id="260" r:id="rId7"/>
     <p:sldId id="261" r:id="rId8"/>
-    <p:sldId id="262" r:id="rId9"/>
-    <p:sldId id="263" r:id="rId10"/>
   </p:sldIdLst>
   <p:sldSz cx="6858000" cy="9906000" type="A4"/>
   <p:notesSz cx="7559675" cy="10691813"/>
@@ -3270,7 +3268,7 @@
                 </a:solidFill>
                 <a:latin typeface="Calibri"/>
               </a:rPr>
-              <a:t>13/05/2022</a:t>
+              <a:t>25/05/2022</a:t>
             </a:fld>
             <a:endParaRPr lang="pt-BR" sz="900" b="0" strike="noStrike" spc="-1">
               <a:latin typeface="Times New Roman"/>
@@ -4090,7 +4088,7 @@
                 </a:solidFill>
                 <a:latin typeface="Calibri"/>
               </a:rPr>
-              <a:t>13/05/2022</a:t>
+              <a:t>25/05/2022</a:t>
             </a:fld>
             <a:endParaRPr lang="pt-BR" sz="900" b="0" strike="noStrike" spc="-1">
               <a:latin typeface="Times New Roman"/>
@@ -11046,7 +11044,7 @@
         <p:spPr>
           <a:xfrm>
             <a:off x="357948" y="1023449"/>
-            <a:ext cx="2865972" cy="7308239"/>
+            <a:ext cx="2865972" cy="7100490"/>
           </a:xfrm>
           <a:prstGeom prst="rect">
             <a:avLst/>
@@ -11137,8 +11135,53 @@
               <a:rPr lang="pt-BR" sz="1350" spc="-1" dirty="0">
                 <a:latin typeface="Arial"/>
               </a:rPr>
+              <a:t>Links</a:t>
+            </a:r>
+          </a:p>
+          <a:p>
+            <a:pPr marL="1200150" lvl="2" indent="-285750">
+              <a:buFont typeface="Arial" panose="020B0604020202020204" pitchFamily="34" charset="0"/>
+              <a:buChar char="•"/>
+            </a:pPr>
+            <a:r>
+              <a:rPr lang="pt-BR" sz="1350" spc="-1" dirty="0">
+                <a:latin typeface="Arial"/>
+              </a:rPr>
               <a:t>Video</a:t>
             </a:r>
+          </a:p>
+          <a:p>
+            <a:pPr marL="1200150" lvl="2" indent="-285750">
+              <a:buFont typeface="Arial" panose="020B0604020202020204" pitchFamily="34" charset="0"/>
+              <a:buChar char="•"/>
+            </a:pPr>
+            <a:r>
+              <a:rPr lang="pt-BR" sz="1350" spc="-1" dirty="0">
+                <a:latin typeface="Arial"/>
+              </a:rPr>
+              <a:t>Texto</a:t>
+            </a:r>
+          </a:p>
+          <a:p>
+            <a:pPr marL="1200150" lvl="2" indent="-285750">
+              <a:buFont typeface="Arial" panose="020B0604020202020204" pitchFamily="34" charset="0"/>
+              <a:buChar char="•"/>
+            </a:pPr>
+            <a:r>
+              <a:rPr lang="pt-BR" sz="1350" spc="-1" dirty="0">
+                <a:latin typeface="Arial"/>
+              </a:rPr>
+              <a:t>PDF </a:t>
+            </a:r>
+            <a:r>
+              <a:rPr lang="pt-BR" sz="1350" spc="-1" dirty="0" err="1">
+                <a:latin typeface="Arial"/>
+              </a:rPr>
+              <a:t>Homework</a:t>
+            </a:r>
+            <a:endParaRPr lang="pt-BR" sz="1350" spc="-1" dirty="0">
+              <a:latin typeface="Arial"/>
+            </a:endParaRPr>
           </a:p>
           <a:p>
             <a:pPr marL="742950" lvl="1" indent="-285750">
@@ -11209,8 +11252,17 @@
               <a:rPr lang="pt-BR" sz="1350" spc="-1" dirty="0">
                 <a:latin typeface="Arial"/>
               </a:rPr>
-              <a:t>Imagem</a:t>
-            </a:r>
+              <a:t>Imagem </a:t>
+            </a:r>
+            <a:r>
+              <a:rPr lang="pt-BR" sz="1350" spc="-1" dirty="0" err="1">
+                <a:latin typeface="Arial"/>
+              </a:rPr>
+              <a:t>Vocab</a:t>
+            </a:r>
+            <a:endParaRPr lang="pt-BR" sz="1350" spc="-1" dirty="0">
+              <a:latin typeface="Arial"/>
+            </a:endParaRPr>
           </a:p>
           <a:p>
             <a:pPr marL="742950" lvl="1" indent="-285750">
@@ -11234,18 +11286,6 @@
                 <a:latin typeface="Arial"/>
               </a:rPr>
               <a:t>Perguntas</a:t>
-            </a:r>
-          </a:p>
-          <a:p>
-            <a:pPr marL="742950" lvl="1" indent="-285750">
-              <a:buFont typeface="Arial" panose="020B0604020202020204" pitchFamily="34" charset="0"/>
-              <a:buChar char="•"/>
-            </a:pPr>
-            <a:r>
-              <a:rPr lang="pt-BR" sz="1350" spc="-1" dirty="0">
-                <a:latin typeface="Arial"/>
-              </a:rPr>
-              <a:t>Common Sentences</a:t>
             </a:r>
           </a:p>
           <a:p>
@@ -11383,7 +11423,7 @@
               <a:rPr lang="pt-BR" sz="1350" spc="-1" dirty="0">
                 <a:latin typeface="Arial"/>
               </a:rPr>
-              <a:t>Video</a:t>
+              <a:t>Video (link)</a:t>
             </a:r>
           </a:p>
           <a:p>
@@ -11395,7 +11435,7 @@
               <a:rPr lang="pt-BR" sz="1350" spc="-1" dirty="0">
                 <a:latin typeface="Arial"/>
               </a:rPr>
-              <a:t>Imagem Resumo</a:t>
+              <a:t>Texto (link)</a:t>
             </a:r>
           </a:p>
           <a:p>
@@ -11407,41 +11447,20 @@
               <a:rPr lang="pt-BR" sz="1350" spc="-1" dirty="0">
                 <a:latin typeface="Arial"/>
               </a:rPr>
-              <a:t>Exemplos</a:t>
-            </a:r>
-          </a:p>
-          <a:p>
-            <a:pPr marL="742950" lvl="1" indent="-285750">
-              <a:buFont typeface="Arial" panose="020B0604020202020204" pitchFamily="34" charset="0"/>
-              <a:buChar char="•"/>
-            </a:pPr>
+              <a:t>English </a:t>
+            </a:r>
+            <a:r>
+              <a:rPr lang="pt-BR" sz="1350" spc="-1" dirty="0" err="1">
+                <a:latin typeface="Arial"/>
+              </a:rPr>
+              <a:t>Grammar</a:t>
+            </a:r>
             <a:r>
               <a:rPr lang="pt-BR" sz="1350" spc="-1" dirty="0">
                 <a:latin typeface="Arial"/>
               </a:rPr>
-              <a:t>(100 </a:t>
-            </a:r>
-            <a:r>
-              <a:rPr lang="pt-BR" sz="1350" spc="-1" dirty="0" err="1">
-                <a:latin typeface="Arial"/>
-              </a:rPr>
-              <a:t>verbs</a:t>
-            </a:r>
-            <a:r>
-              <a:rPr lang="pt-BR" sz="1350" spc="-1" dirty="0">
-                <a:latin typeface="Arial"/>
-              </a:rPr>
-              <a:t>) Frases de Acordo com 24 </a:t>
-            </a:r>
-            <a:r>
-              <a:rPr lang="pt-BR" sz="1350" spc="-1" dirty="0" err="1">
-                <a:latin typeface="Arial"/>
-              </a:rPr>
-              <a:t>Lessons</a:t>
-            </a:r>
-            <a:endParaRPr lang="pt-BR" sz="1350" spc="-1" dirty="0">
-              <a:latin typeface="Arial"/>
-            </a:endParaRPr>
+              <a:t> in Use</a:t>
+            </a:r>
           </a:p>
           <a:p>
             <a:pPr marL="742950" lvl="1" indent="-285750">
@@ -11489,7 +11508,7 @@
               <a:rPr lang="pt-BR" sz="1350" spc="-1" dirty="0">
                 <a:latin typeface="Arial"/>
               </a:rPr>
-              <a:t>120 Phrasal Verbs</a:t>
+              <a:t>50 Phrasal Verbs</a:t>
             </a:r>
           </a:p>
           <a:p>
@@ -11706,10 +11725,10 @@
       </p:sp>
       <p:sp>
         <p:nvSpPr>
-          <p:cNvPr id="12" name="CaixaDeTexto 11">
+          <p:cNvPr id="10" name="CaixaDeTexto 9">
             <a:extLst>
               <a:ext uri="{FF2B5EF4-FFF2-40B4-BE49-F238E27FC236}">
-                <a16:creationId xmlns:a16="http://schemas.microsoft.com/office/drawing/2014/main" id="{9D9ABC4B-8A82-4BCE-A9ED-1987737EABF3}"/>
+                <a16:creationId xmlns:a16="http://schemas.microsoft.com/office/drawing/2014/main" id="{D149B48F-D949-4EB2-BFCA-094232C79A72}"/>
               </a:ext>
             </a:extLst>
           </p:cNvPr>
@@ -11718,13 +11737,18 @@
         </p:nvSpPr>
         <p:spPr>
           <a:xfrm>
-            <a:off x="-6533707" y="5134323"/>
-            <a:ext cx="3434316" cy="1477328"/>
+            <a:off x="3655030" y="6967121"/>
+            <a:ext cx="2803122" cy="1323439"/>
           </a:xfrm>
           <a:prstGeom prst="rect">
             <a:avLst/>
           </a:prstGeom>
           <a:noFill/>
+          <a:ln>
+            <a:solidFill>
+              <a:srgbClr val="C00000"/>
+            </a:solidFill>
+          </a:ln>
         </p:spPr>
         <p:txBody>
           <a:bodyPr wrap="square">
@@ -11733,88 +11757,73 @@
           <a:lstStyle/>
           <a:p>
             <a:r>
-              <a:rPr lang="pt-BR" dirty="0"/>
-              <a:t>&lt;a </a:t>
-            </a:r>
-            <a:r>
-              <a:rPr lang="pt-BR" dirty="0" err="1"/>
-              <a:t>href</a:t>
-            </a:r>
-            <a:r>
-              <a:rPr lang="pt-BR" dirty="0"/>
-              <a:t>="https://www.flaticon.com/</a:t>
-            </a:r>
-            <a:r>
-              <a:rPr lang="pt-BR" dirty="0" err="1"/>
-              <a:t>free-icons</a:t>
-            </a:r>
-            <a:r>
-              <a:rPr lang="pt-BR" dirty="0"/>
-              <a:t>/</a:t>
-            </a:r>
-            <a:r>
-              <a:rPr lang="pt-BR" dirty="0" err="1"/>
-              <a:t>money</a:t>
-            </a:r>
-            <a:r>
-              <a:rPr lang="pt-BR" dirty="0"/>
-              <a:t>" </a:t>
-            </a:r>
-            <a:r>
-              <a:rPr lang="pt-BR" dirty="0" err="1"/>
-              <a:t>title</a:t>
-            </a:r>
-            <a:r>
-              <a:rPr lang="pt-BR" dirty="0"/>
-              <a:t>="</a:t>
-            </a:r>
-            <a:r>
-              <a:rPr lang="pt-BR" dirty="0" err="1"/>
-              <a:t>money</a:t>
-            </a:r>
-            <a:r>
-              <a:rPr lang="pt-BR" dirty="0"/>
-              <a:t> </a:t>
-            </a:r>
-            <a:r>
-              <a:rPr lang="pt-BR" dirty="0" err="1"/>
-              <a:t>icons</a:t>
-            </a:r>
-            <a:r>
-              <a:rPr lang="pt-BR" dirty="0"/>
-              <a:t>"&gt;Money </a:t>
-            </a:r>
-            <a:r>
-              <a:rPr lang="pt-BR" dirty="0" err="1"/>
-              <a:t>icons</a:t>
-            </a:r>
-            <a:r>
-              <a:rPr lang="pt-BR" dirty="0"/>
-              <a:t> </a:t>
-            </a:r>
-            <a:r>
-              <a:rPr lang="pt-BR" dirty="0" err="1"/>
-              <a:t>created</a:t>
-            </a:r>
-            <a:r>
-              <a:rPr lang="pt-BR" dirty="0"/>
-              <a:t> by </a:t>
-            </a:r>
-            <a:r>
-              <a:rPr lang="pt-BR" dirty="0" err="1"/>
-              <a:t>Freepik</a:t>
-            </a:r>
-            <a:r>
-              <a:rPr lang="pt-BR" dirty="0"/>
-              <a:t> - </a:t>
-            </a:r>
-            <a:r>
-              <a:rPr lang="pt-BR" dirty="0" err="1"/>
-              <a:t>Flaticon</a:t>
-            </a:r>
-            <a:r>
-              <a:rPr lang="pt-BR" dirty="0"/>
-              <a:t>&lt;/a&gt;</a:t>
+              <a:rPr lang="pt-BR" sz="1600" b="1" spc="-1" dirty="0">
+                <a:solidFill>
+                  <a:srgbClr val="C00000"/>
+                </a:solidFill>
+                <a:latin typeface="Calibri"/>
+              </a:rPr>
+              <a:t>Common Sentences _</a:t>
+            </a:r>
+            <a:r>
+              <a:rPr lang="pt-BR" sz="1600" b="1" spc="-1" dirty="0" err="1">
+                <a:solidFill>
+                  <a:srgbClr val="C00000"/>
+                </a:solidFill>
+                <a:latin typeface="Calibri"/>
+              </a:rPr>
+              <a:t>tooltips</a:t>
+            </a:r>
+            <a:r>
+              <a:rPr lang="pt-BR" sz="1600" b="1" spc="-1" dirty="0">
+                <a:solidFill>
+                  <a:srgbClr val="C00000"/>
+                </a:solidFill>
+                <a:latin typeface="Calibri"/>
+              </a:rPr>
+              <a:t> (400)</a:t>
+            </a:r>
+          </a:p>
+          <a:p>
+            <a:r>
+              <a:rPr lang="pt-BR" sz="1600" b="1" spc="-1" dirty="0">
+                <a:solidFill>
+                  <a:srgbClr val="C00000"/>
+                </a:solidFill>
+                <a:latin typeface="Calibri"/>
+              </a:rPr>
+              <a:t>Phrasal Verbs (50 )</a:t>
+            </a:r>
+          </a:p>
+          <a:p>
+            <a:r>
+              <a:rPr lang="pt-BR" sz="1600" b="1" spc="-1" dirty="0" err="1">
+                <a:solidFill>
+                  <a:srgbClr val="C00000"/>
+                </a:solidFill>
+                <a:latin typeface="Calibri"/>
+              </a:rPr>
+              <a:t>Motivational</a:t>
+            </a:r>
+            <a:r>
+              <a:rPr lang="pt-BR" sz="1600" b="1" spc="-1" dirty="0">
+                <a:solidFill>
+                  <a:srgbClr val="C00000"/>
+                </a:solidFill>
+                <a:latin typeface="Calibri"/>
+              </a:rPr>
+              <a:t> Quotes (240)</a:t>
+            </a:r>
+          </a:p>
+          <a:p>
+            <a:r>
+              <a:rPr lang="pt-BR" sz="1600" b="1" spc="-1" dirty="0">
+                <a:solidFill>
+                  <a:srgbClr val="C00000"/>
+                </a:solidFill>
+                <a:latin typeface="Calibri"/>
+              </a:rPr>
+              <a:t>Verb Tenses (100)</a:t>
             </a:r>
           </a:p>
         </p:txBody>
@@ -16400,138 +16409,6 @@
         </p:txBody>
       </p:sp>
     </p:spTree>
-  </p:cSld>
-  <p:clrMapOvr>
-    <a:masterClrMapping/>
-  </p:clrMapOvr>
-</p:sld>
-</file>
-
-<file path=ppt/slides/slide7.xml><?xml version="1.0" encoding="utf-8"?>
-<p:sld xmlns:a="http://schemas.openxmlformats.org/drawingml/2006/main" xmlns:r="http://schemas.openxmlformats.org/officeDocument/2006/relationships" xmlns:p="http://schemas.openxmlformats.org/presentationml/2006/main">
-  <p:cSld>
-    <p:spTree>
-      <p:nvGrpSpPr>
-        <p:cNvPr id="1" name=""/>
-        <p:cNvGrpSpPr/>
-        <p:nvPr/>
-      </p:nvGrpSpPr>
-      <p:grpSpPr>
-        <a:xfrm>
-          <a:off x="0" y="0"/>
-          <a:ext cx="0" cy="0"/>
-          <a:chOff x="0" y="0"/>
-          <a:chExt cx="0" cy="0"/>
-        </a:xfrm>
-      </p:grpSpPr>
-      <p:pic>
-        <p:nvPicPr>
-          <p:cNvPr id="5" name="Imagem 4">
-            <a:extLst>
-              <a:ext uri="{FF2B5EF4-FFF2-40B4-BE49-F238E27FC236}">
-                <a16:creationId xmlns:a16="http://schemas.microsoft.com/office/drawing/2014/main" id="{39518FB5-11A6-4BBB-952A-0B9F5BBAD6FF}"/>
-              </a:ext>
-            </a:extLst>
-          </p:cNvPr>
-          <p:cNvPicPr>
-            <a:picLocks noChangeAspect="1"/>
-          </p:cNvPicPr>
-          <p:nvPr/>
-        </p:nvPicPr>
-        <p:blipFill>
-          <a:blip r:embed="rId2">
-            <a:extLst>
-              <a:ext uri="{28A0092B-C50C-407E-A947-70E740481C1C}">
-                <a14:useLocalDpi xmlns:a14="http://schemas.microsoft.com/office/drawing/2010/main" val="0"/>
-              </a:ext>
-            </a:extLst>
-          </a:blip>
-          <a:stretch>
-            <a:fillRect/>
-          </a:stretch>
-        </p:blipFill>
-        <p:spPr>
-          <a:xfrm>
-            <a:off x="0" y="103888"/>
-            <a:ext cx="6858000" cy="9698224"/>
-          </a:xfrm>
-          <a:prstGeom prst="rect">
-            <a:avLst/>
-          </a:prstGeom>
-        </p:spPr>
-      </p:pic>
-    </p:spTree>
-    <p:extLst>
-      <p:ext uri="{BB962C8B-B14F-4D97-AF65-F5344CB8AC3E}">
-        <p14:creationId xmlns:p14="http://schemas.microsoft.com/office/powerpoint/2010/main" val="3038247853"/>
-      </p:ext>
-    </p:extLst>
-  </p:cSld>
-  <p:clrMapOvr>
-    <a:masterClrMapping/>
-  </p:clrMapOvr>
-</p:sld>
-</file>
-
-<file path=ppt/slides/slide8.xml><?xml version="1.0" encoding="utf-8"?>
-<p:sld xmlns:a="http://schemas.openxmlformats.org/drawingml/2006/main" xmlns:r="http://schemas.openxmlformats.org/officeDocument/2006/relationships" xmlns:p="http://schemas.openxmlformats.org/presentationml/2006/main">
-  <p:cSld>
-    <p:spTree>
-      <p:nvGrpSpPr>
-        <p:cNvPr id="1" name=""/>
-        <p:cNvGrpSpPr/>
-        <p:nvPr/>
-      </p:nvGrpSpPr>
-      <p:grpSpPr>
-        <a:xfrm>
-          <a:off x="0" y="0"/>
-          <a:ext cx="0" cy="0"/>
-          <a:chOff x="0" y="0"/>
-          <a:chExt cx="0" cy="0"/>
-        </a:xfrm>
-      </p:grpSpPr>
-      <p:pic>
-        <p:nvPicPr>
-          <p:cNvPr id="5" name="Imagem 4">
-            <a:extLst>
-              <a:ext uri="{FF2B5EF4-FFF2-40B4-BE49-F238E27FC236}">
-                <a16:creationId xmlns:a16="http://schemas.microsoft.com/office/drawing/2014/main" id="{0B69D0EF-E4A1-432A-9B0B-1D3B46C4A9E1}"/>
-              </a:ext>
-            </a:extLst>
-          </p:cNvPr>
-          <p:cNvPicPr>
-            <a:picLocks noChangeAspect="1"/>
-          </p:cNvPicPr>
-          <p:nvPr/>
-        </p:nvPicPr>
-        <p:blipFill>
-          <a:blip r:embed="rId2">
-            <a:extLst>
-              <a:ext uri="{28A0092B-C50C-407E-A947-70E740481C1C}">
-                <a14:useLocalDpi xmlns:a14="http://schemas.microsoft.com/office/drawing/2010/main" val="0"/>
-              </a:ext>
-            </a:extLst>
-          </a:blip>
-          <a:stretch>
-            <a:fillRect/>
-          </a:stretch>
-        </p:blipFill>
-        <p:spPr>
-          <a:xfrm>
-            <a:off x="0" y="103888"/>
-            <a:ext cx="6858000" cy="9698224"/>
-          </a:xfrm>
-          <a:prstGeom prst="rect">
-            <a:avLst/>
-          </a:prstGeom>
-        </p:spPr>
-      </p:pic>
-    </p:spTree>
-    <p:extLst>
-      <p:ext uri="{BB962C8B-B14F-4D97-AF65-F5344CB8AC3E}">
-        <p14:creationId xmlns:p14="http://schemas.microsoft.com/office/powerpoint/2010/main" val="3674653931"/>
-      </p:ext>
-    </p:extLst>
   </p:cSld>
   <p:clrMapOvr>
     <a:masterClrMapping/>
